--- a/Class05_AgentLoop_ToolCall_Handsoff_Memory_Guardrails/OpenAI Agents SDK - Open Source.pptx
+++ b/Class05_AgentLoop_ToolCall_Handsoff_Memory_Guardrails/OpenAI Agents SDK - Open Source.pptx
@@ -41,6 +41,32 @@
     <p:sldId id="290" r:id="rId35"/>
     <p:sldId id="291" r:id="rId36"/>
     <p:sldId id="292" r:id="rId37"/>
+    <p:sldId id="293" r:id="rId38"/>
+    <p:sldId id="294" r:id="rId39"/>
+    <p:sldId id="295" r:id="rId40"/>
+    <p:sldId id="296" r:id="rId41"/>
+    <p:sldId id="297" r:id="rId42"/>
+    <p:sldId id="298" r:id="rId43"/>
+    <p:sldId id="299" r:id="rId44"/>
+    <p:sldId id="300" r:id="rId45"/>
+    <p:sldId id="301" r:id="rId46"/>
+    <p:sldId id="302" r:id="rId47"/>
+    <p:sldId id="303" r:id="rId48"/>
+    <p:sldId id="304" r:id="rId49"/>
+    <p:sldId id="305" r:id="rId50"/>
+    <p:sldId id="306" r:id="rId51"/>
+    <p:sldId id="307" r:id="rId52"/>
+    <p:sldId id="308" r:id="rId53"/>
+    <p:sldId id="309" r:id="rId54"/>
+    <p:sldId id="310" r:id="rId55"/>
+    <p:sldId id="311" r:id="rId56"/>
+    <p:sldId id="313" r:id="rId57"/>
+    <p:sldId id="314" r:id="rId58"/>
+    <p:sldId id="315" r:id="rId59"/>
+    <p:sldId id="316" r:id="rId60"/>
+    <p:sldId id="317" r:id="rId61"/>
+    <p:sldId id="318" r:id="rId62"/>
+    <p:sldId id="319" r:id="rId63"/>
   </p:sldIdLst>
   <p:sldSz cx="12192000" cy="6858000"/>
   <p:notesSz cx="6858000" cy="9144000"/>
@@ -204,6 +230,32 @@
         <p14:section name="Class-05: OpenAI Agents SDK Core Concepts | Agent Loop | Tool Call | Hands off | Memory | Guardrails" id="{E2FBF5F4-C24A-4F01-8148-E38A43B69C80}">
           <p14:sldIdLst>
             <p14:sldId id="292"/>
+            <p14:sldId id="293"/>
+            <p14:sldId id="294"/>
+            <p14:sldId id="295"/>
+            <p14:sldId id="296"/>
+            <p14:sldId id="297"/>
+            <p14:sldId id="298"/>
+            <p14:sldId id="299"/>
+            <p14:sldId id="300"/>
+            <p14:sldId id="301"/>
+            <p14:sldId id="302"/>
+            <p14:sldId id="303"/>
+            <p14:sldId id="304"/>
+            <p14:sldId id="305"/>
+            <p14:sldId id="306"/>
+            <p14:sldId id="307"/>
+            <p14:sldId id="308"/>
+            <p14:sldId id="309"/>
+            <p14:sldId id="310"/>
+            <p14:sldId id="311"/>
+            <p14:sldId id="313"/>
+            <p14:sldId id="314"/>
+            <p14:sldId id="315"/>
+            <p14:sldId id="316"/>
+            <p14:sldId id="317"/>
+            <p14:sldId id="318"/>
+            <p14:sldId id="319"/>
           </p14:sldIdLst>
         </p14:section>
       </p14:sectionLst>
@@ -213,6 +265,87 @@
     </p:ext>
   </p:extLst>
 </p:presentation>
+</file>
+
+<file path=ppt/ink/ink1.xml><?xml version="1.0" encoding="utf-8"?>
+<inkml:ink xmlns:inkml="http://www.w3.org/2003/InkML">
+  <inkml:definitions>
+    <inkml:context xml:id="ctx0">
+      <inkml:inkSource xml:id="inkSrc0">
+        <inkml:traceFormat>
+          <inkml:channel name="X" type="integer" min="-2.14748E9" max="2.14748E9" units="cm"/>
+          <inkml:channel name="Y" type="integer" min="-2.14748E9" max="2.14748E9" units="cm"/>
+          <inkml:channel name="F" type="integer" max="32767" units="dev"/>
+        </inkml:traceFormat>
+        <inkml:channelProperties>
+          <inkml:channelProperty channel="X" name="resolution" value="1000" units="1/cm"/>
+          <inkml:channelProperty channel="Y" name="resolution" value="1000" units="1/cm"/>
+          <inkml:channelProperty channel="F" name="resolution" value="0" units="1/dev"/>
+        </inkml:channelProperties>
+      </inkml:inkSource>
+      <inkml:timestamp xml:id="ts0" timeString="2025-06-17T13:55:15.116"/>
+    </inkml:context>
+    <inkml:brush xml:id="br0">
+      <inkml:brushProperty name="width" value="0.035" units="cm"/>
+      <inkml:brushProperty name="height" value="0.035" units="cm"/>
+    </inkml:brush>
+  </inkml:definitions>
+  <inkml:trace contextRef="#ctx0" brushRef="#br0">216 614 24575,'-3'-41'0,"-2"0"0,-2 0 0,-2 1 0,-1 0 0,-32-76 0,-20-24 0,31 74 0,22 39-34,9 22-55,-1 1 0,0 0 1,0 0-1,0 0 0,0-1 0,-1 1 1,0 1-1,0-1 0,0 0 1,0 0-1,-1 1 0,1-1 0,-1 1 1,-3-4-1,-2 8-6737</inkml:trace>
+</inkml:ink>
+</file>
+
+<file path=ppt/ink/ink2.xml><?xml version="1.0" encoding="utf-8"?>
+<inkml:ink xmlns:inkml="http://www.w3.org/2003/InkML">
+  <inkml:definitions>
+    <inkml:context xml:id="ctx0">
+      <inkml:inkSource xml:id="inkSrc0">
+        <inkml:traceFormat>
+          <inkml:channel name="X" type="integer" min="-2.14748E9" max="2.14748E9" units="cm"/>
+          <inkml:channel name="Y" type="integer" min="-2.14748E9" max="2.14748E9" units="cm"/>
+          <inkml:channel name="F" type="integer" max="32767" units="dev"/>
+        </inkml:traceFormat>
+        <inkml:channelProperties>
+          <inkml:channelProperty channel="X" name="resolution" value="1000" units="1/cm"/>
+          <inkml:channelProperty channel="Y" name="resolution" value="1000" units="1/cm"/>
+          <inkml:channelProperty channel="F" name="resolution" value="0" units="1/dev"/>
+        </inkml:channelProperties>
+      </inkml:inkSource>
+      <inkml:timestamp xml:id="ts0" timeString="2025-06-17T13:55:17.492"/>
+    </inkml:context>
+    <inkml:brush xml:id="br0">
+      <inkml:brushProperty name="width" value="0.035" units="cm"/>
+      <inkml:brushProperty name="height" value="0.035" units="cm"/>
+    </inkml:brush>
+  </inkml:definitions>
+  <inkml:trace contextRef="#ctx0" brushRef="#br0">610 0 24575,'-42'1'0,"-1"2"0,0 2 0,1 1 0,0 3 0,0 1 0,1 2 0,0 2 0,1 2 0,1 1 0,1 2 0,-46 30 0,34-25-1365,27-17-5461</inkml:trace>
+</inkml:ink>
+</file>
+
+<file path=ppt/ink/ink3.xml><?xml version="1.0" encoding="utf-8"?>
+<inkml:ink xmlns:inkml="http://www.w3.org/2003/InkML">
+  <inkml:definitions>
+    <inkml:context xml:id="ctx0">
+      <inkml:inkSource xml:id="inkSrc0">
+        <inkml:traceFormat>
+          <inkml:channel name="X" type="integer" min="-2.14748E9" max="2.14748E9" units="cm"/>
+          <inkml:channel name="Y" type="integer" min="-2.14748E9" max="2.14748E9" units="cm"/>
+          <inkml:channel name="F" type="integer" max="32767" units="dev"/>
+        </inkml:traceFormat>
+        <inkml:channelProperties>
+          <inkml:channelProperty channel="X" name="resolution" value="1000" units="1/cm"/>
+          <inkml:channelProperty channel="Y" name="resolution" value="1000" units="1/cm"/>
+          <inkml:channelProperty channel="F" name="resolution" value="0" units="1/dev"/>
+        </inkml:channelProperties>
+      </inkml:inkSource>
+      <inkml:timestamp xml:id="ts0" timeString="2025-06-17T13:55:11.989"/>
+    </inkml:context>
+    <inkml:brush xml:id="br0">
+      <inkml:brushProperty name="width" value="0.035" units="cm"/>
+      <inkml:brushProperty name="height" value="0.035" units="cm"/>
+    </inkml:brush>
+  </inkml:definitions>
+  <inkml:trace contextRef="#ctx0" brushRef="#br0">2233 0 24575,'-81'44'0,"-372"213"0,395-218 0,3 0 0,3 3 0,3 0 0,4 2 0,-43 55 0,21-2 0,-68 151 0,-7 107 0,-89 163 0,194-459 0,4 0 0,4 1 0,5 1 0,5 1 0,-7 70 0,15-45 0,-54 149 0,3-17 0,34-93 0,3-11 0,-1 120 0,-1-36 0,1-33 0,-9 137 0,18-212 0,-21 78 0,-16 4 0,13 1 0,-3 267 0,10-102 0,18-221 0,-10 28 0,-7 122 0,35 271 0,1-513 0,1 1 0,17 41 0,7 37 0,2 34 0,-3-26 0,-12-60 0,5 0 0,3-1 0,4-1 0,63 82 0,28 50 0,-60-90 0,-37-63 0,-3-1 0,-1 2 0,-3-1 0,9 40 0,-17-43 0,3 1 0,2-1 0,2 0 0,31 44 0,97 97 0,-113-141 0,1-1 0,43 29 0,-11-9 0,-37-30 0,1 0 0,1 0 0,34 15 0,-31-17 0,-1 1 0,-1 1 0,25 18 0,-18-7 0,5 5 0,2-1 0,92 53 0,-107-73 0,1-1 0,0 0 0,51 12 0,-7-1 0,94 39 0,-114-39 0,2-2 0,76 20 0,-119-36-195,0-1 0,-1 1 0,1 1 0,-1-1 0,0 1 0,15 8 0,1 5-6631</inkml:trace>
+</inkml:ink>
 </file>
 
 <file path=ppt/slideLayouts/slideLayout1.xml><?xml version="1.0" encoding="utf-8"?>
@@ -364,7 +497,7 @@
           <a:p>
             <a:fld id="{BBBE4AF5-B231-41C3-ACE6-ADCFA8678D5A}" type="datetimeFigureOut">
               <a:rPr lang="en-PK" smtClean="0"/>
-              <a:t>15/06/2025</a:t>
+              <a:t>17/06/2025</a:t>
             </a:fld>
             <a:endParaRPr lang="en-PK"/>
           </a:p>
@@ -564,7 +697,7 @@
           <a:p>
             <a:fld id="{BBBE4AF5-B231-41C3-ACE6-ADCFA8678D5A}" type="datetimeFigureOut">
               <a:rPr lang="en-PK" smtClean="0"/>
-              <a:t>15/06/2025</a:t>
+              <a:t>17/06/2025</a:t>
             </a:fld>
             <a:endParaRPr lang="en-PK"/>
           </a:p>
@@ -774,7 +907,7 @@
           <a:p>
             <a:fld id="{BBBE4AF5-B231-41C3-ACE6-ADCFA8678D5A}" type="datetimeFigureOut">
               <a:rPr lang="en-PK" smtClean="0"/>
-              <a:t>15/06/2025</a:t>
+              <a:t>17/06/2025</a:t>
             </a:fld>
             <a:endParaRPr lang="en-PK"/>
           </a:p>
@@ -974,7 +1107,7 @@
           <a:p>
             <a:fld id="{BBBE4AF5-B231-41C3-ACE6-ADCFA8678D5A}" type="datetimeFigureOut">
               <a:rPr lang="en-PK" smtClean="0"/>
-              <a:t>15/06/2025</a:t>
+              <a:t>17/06/2025</a:t>
             </a:fld>
             <a:endParaRPr lang="en-PK"/>
           </a:p>
@@ -1250,7 +1383,7 @@
           <a:p>
             <a:fld id="{BBBE4AF5-B231-41C3-ACE6-ADCFA8678D5A}" type="datetimeFigureOut">
               <a:rPr lang="en-PK" smtClean="0"/>
-              <a:t>15/06/2025</a:t>
+              <a:t>17/06/2025</a:t>
             </a:fld>
             <a:endParaRPr lang="en-PK"/>
           </a:p>
@@ -1518,7 +1651,7 @@
           <a:p>
             <a:fld id="{BBBE4AF5-B231-41C3-ACE6-ADCFA8678D5A}" type="datetimeFigureOut">
               <a:rPr lang="en-PK" smtClean="0"/>
-              <a:t>15/06/2025</a:t>
+              <a:t>17/06/2025</a:t>
             </a:fld>
             <a:endParaRPr lang="en-PK"/>
           </a:p>
@@ -1933,7 +2066,7 @@
           <a:p>
             <a:fld id="{BBBE4AF5-B231-41C3-ACE6-ADCFA8678D5A}" type="datetimeFigureOut">
               <a:rPr lang="en-PK" smtClean="0"/>
-              <a:t>15/06/2025</a:t>
+              <a:t>17/06/2025</a:t>
             </a:fld>
             <a:endParaRPr lang="en-PK"/>
           </a:p>
@@ -2075,7 +2208,7 @@
           <a:p>
             <a:fld id="{BBBE4AF5-B231-41C3-ACE6-ADCFA8678D5A}" type="datetimeFigureOut">
               <a:rPr lang="en-PK" smtClean="0"/>
-              <a:t>15/06/2025</a:t>
+              <a:t>17/06/2025</a:t>
             </a:fld>
             <a:endParaRPr lang="en-PK"/>
           </a:p>
@@ -2188,7 +2321,7 @@
           <a:p>
             <a:fld id="{BBBE4AF5-B231-41C3-ACE6-ADCFA8678D5A}" type="datetimeFigureOut">
               <a:rPr lang="en-PK" smtClean="0"/>
-              <a:t>15/06/2025</a:t>
+              <a:t>17/06/2025</a:t>
             </a:fld>
             <a:endParaRPr lang="en-PK"/>
           </a:p>
@@ -2501,7 +2634,7 @@
           <a:p>
             <a:fld id="{BBBE4AF5-B231-41C3-ACE6-ADCFA8678D5A}" type="datetimeFigureOut">
               <a:rPr lang="en-PK" smtClean="0"/>
-              <a:t>15/06/2025</a:t>
+              <a:t>17/06/2025</a:t>
             </a:fld>
             <a:endParaRPr lang="en-PK"/>
           </a:p>
@@ -2790,7 +2923,7 @@
           <a:p>
             <a:fld id="{BBBE4AF5-B231-41C3-ACE6-ADCFA8678D5A}" type="datetimeFigureOut">
               <a:rPr lang="en-PK" smtClean="0"/>
-              <a:t>15/06/2025</a:t>
+              <a:t>17/06/2025</a:t>
             </a:fld>
             <a:endParaRPr lang="en-PK"/>
           </a:p>
@@ -3033,7 +3166,7 @@
           <a:p>
             <a:fld id="{BBBE4AF5-B231-41C3-ACE6-ADCFA8678D5A}" type="datetimeFigureOut">
               <a:rPr lang="en-PK" smtClean="0"/>
-              <a:t>15/06/2025</a:t>
+              <a:t>17/06/2025</a:t>
             </a:fld>
             <a:endParaRPr lang="en-PK"/>
           </a:p>
@@ -9084,7 +9217,11 @@
           </a:bodyPr>
           <a:lstStyle/>
           <a:p>
-            <a:endParaRPr lang="en-US" sz="3600" b="1" dirty="0"/>
+            <a:r>
+              <a:rPr lang="en-US" sz="3600" b="1" dirty="0"/>
+              <a:t>Agent Loop | Tool Call | Hands off | Memory | Guardrails</a:t>
+            </a:r>
+            <a:endParaRPr lang="en-US" sz="2800" b="1" dirty="0"/>
           </a:p>
         </p:txBody>
       </p:sp>
@@ -9106,19 +9243,210 @@
         </p:nvSpPr>
         <p:spPr>
           <a:xfrm>
-            <a:off x="838200" y="1725105"/>
-            <a:ext cx="10515600" cy="4451858"/>
+            <a:off x="838200" y="1282044"/>
+            <a:ext cx="10515600" cy="4894919"/>
           </a:xfrm>
         </p:spPr>
         <p:txBody>
           <a:bodyPr>
-            <a:normAutofit/>
+            <a:normAutofit fontScale="92500" lnSpcReduction="10000"/>
           </a:bodyPr>
           <a:lstStyle/>
           <a:p>
-            <a:pPr marL="0" indent="0">
-              <a:buNone/>
-            </a:pPr>
+            <a:r>
+              <a:rPr lang="en-US" sz="3200" dirty="0">
+                <a:sym typeface="Wingdings" panose="05000000000000000000" pitchFamily="2" charset="2"/>
+              </a:rPr>
+              <a:t>Agent is nothing but LLM call</a:t>
+            </a:r>
+          </a:p>
+          <a:p>
+            <a:r>
+              <a:rPr lang="en-US" sz="3200" dirty="0">
+                <a:sym typeface="Wingdings" panose="05000000000000000000" pitchFamily="2" charset="2"/>
+              </a:rPr>
+              <a:t>OpenAI brought </a:t>
+            </a:r>
+            <a:r>
+              <a:rPr lang="en-US" sz="3200" dirty="0" err="1">
+                <a:sym typeface="Wingdings" panose="05000000000000000000" pitchFamily="2" charset="2"/>
+              </a:rPr>
+              <a:t>ChatCompletionAPI</a:t>
+            </a:r>
+            <a:r>
+              <a:rPr lang="en-US" sz="3200" dirty="0">
+                <a:sym typeface="Wingdings" panose="05000000000000000000" pitchFamily="2" charset="2"/>
+              </a:rPr>
+              <a:t> first time</a:t>
+            </a:r>
+          </a:p>
+          <a:p>
+            <a:r>
+              <a:rPr lang="en-US" sz="3200" dirty="0">
+                <a:sym typeface="Wingdings" panose="05000000000000000000" pitchFamily="2" charset="2"/>
+              </a:rPr>
+              <a:t>Then many companies made wrapper on OpenAI’s </a:t>
+            </a:r>
+            <a:r>
+              <a:rPr lang="en-US" sz="3200" dirty="0" err="1">
+                <a:sym typeface="Wingdings" panose="05000000000000000000" pitchFamily="2" charset="2"/>
+              </a:rPr>
+              <a:t>ChatCompletionAPI</a:t>
+            </a:r>
+            <a:r>
+              <a:rPr lang="en-US" sz="3200" dirty="0">
+                <a:sym typeface="Wingdings" panose="05000000000000000000" pitchFamily="2" charset="2"/>
+              </a:rPr>
+              <a:t> like </a:t>
+            </a:r>
+            <a:r>
+              <a:rPr lang="en-US" sz="3200" dirty="0" err="1">
+                <a:sym typeface="Wingdings" panose="05000000000000000000" pitchFamily="2" charset="2"/>
+              </a:rPr>
+              <a:t>LangChain</a:t>
+            </a:r>
+            <a:r>
+              <a:rPr lang="en-US" sz="3200" dirty="0">
+                <a:sym typeface="Wingdings" panose="05000000000000000000" pitchFamily="2" charset="2"/>
+              </a:rPr>
+              <a:t>, </a:t>
+            </a:r>
+            <a:r>
+              <a:rPr lang="en-US" sz="3200" dirty="0" err="1">
+                <a:sym typeface="Wingdings" panose="05000000000000000000" pitchFamily="2" charset="2"/>
+              </a:rPr>
+              <a:t>EasyLLM</a:t>
+            </a:r>
+            <a:r>
+              <a:rPr lang="en-US" sz="3200" dirty="0">
+                <a:sym typeface="Wingdings" panose="05000000000000000000" pitchFamily="2" charset="2"/>
+              </a:rPr>
+              <a:t> etc.</a:t>
+            </a:r>
+          </a:p>
+          <a:p>
+            <a:r>
+              <a:rPr lang="en-US" sz="3200" dirty="0">
+                <a:sym typeface="Wingdings" panose="05000000000000000000" pitchFamily="2" charset="2"/>
+              </a:rPr>
+              <a:t>At the bottom is </a:t>
+            </a:r>
+            <a:r>
+              <a:rPr lang="en-US" sz="3200" dirty="0" err="1">
+                <a:sym typeface="Wingdings" panose="05000000000000000000" pitchFamily="2" charset="2"/>
+              </a:rPr>
+              <a:t>RestAPI</a:t>
+            </a:r>
+            <a:r>
+              <a:rPr lang="en-US" sz="3200" dirty="0">
+                <a:sym typeface="Wingdings" panose="05000000000000000000" pitchFamily="2" charset="2"/>
+              </a:rPr>
+              <a:t>  on it </a:t>
+            </a:r>
+            <a:r>
+              <a:rPr lang="en-US" sz="3200" dirty="0" err="1">
+                <a:sym typeface="Wingdings" panose="05000000000000000000" pitchFamily="2" charset="2"/>
+              </a:rPr>
+              <a:t>ChatCompletion</a:t>
+            </a:r>
+            <a:r>
+              <a:rPr lang="en-US" sz="3200" dirty="0">
+                <a:sym typeface="Wingdings" panose="05000000000000000000" pitchFamily="2" charset="2"/>
+              </a:rPr>
+              <a:t> API (which adopted by most of the companies) to chat with LLM  then </a:t>
+            </a:r>
+            <a:r>
+              <a:rPr lang="en-US" sz="3200" dirty="0" err="1">
+                <a:sym typeface="Wingdings" panose="05000000000000000000" pitchFamily="2" charset="2"/>
+              </a:rPr>
+              <a:t>Langchain</a:t>
+            </a:r>
+            <a:endParaRPr lang="en-US" sz="3200" dirty="0">
+              <a:sym typeface="Wingdings" panose="05000000000000000000" pitchFamily="2" charset="2"/>
+            </a:endParaRPr>
+          </a:p>
+          <a:p>
+            <a:r>
+              <a:rPr lang="en-US" sz="3200" dirty="0">
+                <a:sym typeface="Wingdings" panose="05000000000000000000" pitchFamily="2" charset="2"/>
+              </a:rPr>
+              <a:t>You just import </a:t>
+            </a:r>
+            <a:r>
+              <a:rPr lang="en-US" sz="3200" dirty="0" err="1">
+                <a:sym typeface="Wingdings" panose="05000000000000000000" pitchFamily="2" charset="2"/>
+              </a:rPr>
+              <a:t>openai</a:t>
+            </a:r>
+            <a:r>
+              <a:rPr lang="en-US" sz="3200" dirty="0">
+                <a:sym typeface="Wingdings" panose="05000000000000000000" pitchFamily="2" charset="2"/>
+              </a:rPr>
+              <a:t> library, change base </a:t>
+            </a:r>
+            <a:r>
+              <a:rPr lang="en-US" sz="3200" dirty="0" err="1">
+                <a:sym typeface="Wingdings" panose="05000000000000000000" pitchFamily="2" charset="2"/>
+              </a:rPr>
+              <a:t>url</a:t>
+            </a:r>
+            <a:r>
+              <a:rPr lang="en-US" sz="3200" dirty="0">
+                <a:sym typeface="Wingdings" panose="05000000000000000000" pitchFamily="2" charset="2"/>
+              </a:rPr>
+              <a:t>, instead to go to </a:t>
+            </a:r>
+            <a:r>
+              <a:rPr lang="en-US" sz="3200" dirty="0" err="1">
+                <a:sym typeface="Wingdings" panose="05000000000000000000" pitchFamily="2" charset="2"/>
+              </a:rPr>
+              <a:t>openai</a:t>
+            </a:r>
+            <a:r>
+              <a:rPr lang="en-US" sz="3200" dirty="0">
+                <a:sym typeface="Wingdings" panose="05000000000000000000" pitchFamily="2" charset="2"/>
+              </a:rPr>
+              <a:t> server, it will go somewhere else (on mentioned URL)</a:t>
+            </a:r>
+          </a:p>
+          <a:p>
+            <a:r>
+              <a:rPr lang="en-US" sz="3200" dirty="0">
+                <a:sym typeface="Wingdings" panose="05000000000000000000" pitchFamily="2" charset="2"/>
+              </a:rPr>
+              <a:t>We can do handoff in </a:t>
+            </a:r>
+            <a:r>
+              <a:rPr lang="en-US" sz="3200" dirty="0" err="1">
+                <a:sym typeface="Wingdings" panose="05000000000000000000" pitchFamily="2" charset="2"/>
+              </a:rPr>
+              <a:t>LangGraph</a:t>
+            </a:r>
+            <a:r>
+              <a:rPr lang="en-US" sz="3200" dirty="0">
+                <a:sym typeface="Wingdings" panose="05000000000000000000" pitchFamily="2" charset="2"/>
+              </a:rPr>
+              <a:t>, </a:t>
+            </a:r>
+            <a:r>
+              <a:rPr lang="en-US" sz="3200" dirty="0" err="1">
+                <a:sym typeface="Wingdings" panose="05000000000000000000" pitchFamily="2" charset="2"/>
+              </a:rPr>
+              <a:t>AutoGen</a:t>
+            </a:r>
+            <a:r>
+              <a:rPr lang="en-US" sz="3200" dirty="0">
+                <a:sym typeface="Wingdings" panose="05000000000000000000" pitchFamily="2" charset="2"/>
+              </a:rPr>
+              <a:t> and in OpenAI Agent SDK as well. Best is OpenAI SDK</a:t>
+            </a:r>
+          </a:p>
+          <a:p>
+            <a:endParaRPr lang="en-US" sz="3200" dirty="0">
+              <a:sym typeface="Wingdings" panose="05000000000000000000" pitchFamily="2" charset="2"/>
+            </a:endParaRPr>
+          </a:p>
+          <a:p>
             <a:endParaRPr lang="en-US" sz="3200" dirty="0">
               <a:sym typeface="Wingdings" panose="05000000000000000000" pitchFamily="2" charset="2"/>
             </a:endParaRPr>
@@ -9129,6 +9457,518 @@
     <p:extLst>
       <p:ext uri="{BB962C8B-B14F-4D97-AF65-F5344CB8AC3E}">
         <p14:creationId xmlns:p14="http://schemas.microsoft.com/office/powerpoint/2010/main" val="3092579996"/>
+      </p:ext>
+    </p:extLst>
+  </p:cSld>
+  <p:clrMapOvr>
+    <a:masterClrMapping/>
+  </p:clrMapOvr>
+</p:sld>
+</file>
+
+<file path=ppt/slides/slide37.xml><?xml version="1.0" encoding="utf-8"?>
+<p:sld xmlns:a="http://schemas.openxmlformats.org/drawingml/2006/main" xmlns:r="http://schemas.openxmlformats.org/officeDocument/2006/relationships" xmlns:p="http://schemas.openxmlformats.org/presentationml/2006/main">
+  <p:cSld>
+    <p:spTree>
+      <p:nvGrpSpPr>
+        <p:cNvPr id="1" name="">
+          <a:extLst>
+            <a:ext uri="{FF2B5EF4-FFF2-40B4-BE49-F238E27FC236}">
+              <a16:creationId xmlns:a16="http://schemas.microsoft.com/office/drawing/2014/main" id="{8168690C-4C40-A73C-56BC-76358DC0418A}"/>
+            </a:ext>
+          </a:extLst>
+        </p:cNvPr>
+        <p:cNvGrpSpPr/>
+        <p:nvPr/>
+      </p:nvGrpSpPr>
+      <p:grpSpPr>
+        <a:xfrm>
+          <a:off x="0" y="0"/>
+          <a:ext cx="0" cy="0"/>
+          <a:chOff x="0" y="0"/>
+          <a:chExt cx="0" cy="0"/>
+        </a:xfrm>
+      </p:grpSpPr>
+      <p:sp>
+        <p:nvSpPr>
+          <p:cNvPr id="2" name="Title 1">
+            <a:extLst>
+              <a:ext uri="{FF2B5EF4-FFF2-40B4-BE49-F238E27FC236}">
+                <a16:creationId xmlns:a16="http://schemas.microsoft.com/office/drawing/2014/main" id="{025B4E79-3B6D-9FDF-006B-91CB84D52B37}"/>
+              </a:ext>
+            </a:extLst>
+          </p:cNvPr>
+          <p:cNvSpPr>
+            <a:spLocks noGrp="1"/>
+          </p:cNvSpPr>
+          <p:nvPr>
+            <p:ph type="title"/>
+          </p:nvPr>
+        </p:nvSpPr>
+        <p:spPr>
+          <a:xfrm>
+            <a:off x="838200" y="365125"/>
+            <a:ext cx="10515600" cy="916919"/>
+          </a:xfrm>
+        </p:spPr>
+        <p:txBody>
+          <a:bodyPr>
+            <a:noAutofit/>
+          </a:bodyPr>
+          <a:lstStyle/>
+          <a:p>
+            <a:r>
+              <a:rPr lang="en-US" sz="3600" b="1" dirty="0"/>
+              <a:t>Agent Loop | Tool Call | Hands off | Memory | Guardrails</a:t>
+            </a:r>
+            <a:endParaRPr lang="en-US" sz="2800" b="1" dirty="0"/>
+          </a:p>
+        </p:txBody>
+      </p:sp>
+      <p:sp>
+        <p:nvSpPr>
+          <p:cNvPr id="7" name="Content Placeholder 6">
+            <a:extLst>
+              <a:ext uri="{FF2B5EF4-FFF2-40B4-BE49-F238E27FC236}">
+                <a16:creationId xmlns:a16="http://schemas.microsoft.com/office/drawing/2014/main" id="{EED0B74E-588F-0672-0D48-2BF3F2E5E7C8}"/>
+              </a:ext>
+            </a:extLst>
+          </p:cNvPr>
+          <p:cNvSpPr>
+            <a:spLocks noGrp="1"/>
+          </p:cNvSpPr>
+          <p:nvPr>
+            <p:ph idx="1"/>
+          </p:nvPr>
+        </p:nvSpPr>
+        <p:spPr>
+          <a:xfrm>
+            <a:off x="838200" y="1282044"/>
+            <a:ext cx="10515600" cy="4894919"/>
+          </a:xfrm>
+        </p:spPr>
+        <p:txBody>
+          <a:bodyPr>
+            <a:normAutofit lnSpcReduction="10000"/>
+          </a:bodyPr>
+          <a:lstStyle/>
+          <a:p>
+            <a:pPr marL="0" indent="0">
+              <a:buNone/>
+            </a:pPr>
+            <a:r>
+              <a:rPr lang="en-US" sz="3200" b="1" dirty="0">
+                <a:solidFill>
+                  <a:srgbClr val="C00000"/>
+                </a:solidFill>
+                <a:sym typeface="Wingdings" panose="05000000000000000000" pitchFamily="2" charset="2"/>
+              </a:rPr>
+              <a:t>OpenAI Agent Core Concept</a:t>
+            </a:r>
+          </a:p>
+          <a:p>
+            <a:r>
+              <a:rPr lang="en-US" sz="3200" dirty="0">
+                <a:sym typeface="Wingdings" panose="05000000000000000000" pitchFamily="2" charset="2"/>
+              </a:rPr>
+              <a:t>Story begin with LLMs, different companies made it, user asked AGI level questions to them</a:t>
+            </a:r>
+          </a:p>
+          <a:p>
+            <a:r>
+              <a:rPr lang="en-US" sz="3200" dirty="0">
+                <a:sym typeface="Wingdings" panose="05000000000000000000" pitchFamily="2" charset="2"/>
+              </a:rPr>
+              <a:t>OpenAI made it standard at first place when it achieved AGI level</a:t>
+            </a:r>
+          </a:p>
+          <a:p>
+            <a:r>
+              <a:rPr lang="en-US" sz="3200" dirty="0">
+                <a:sym typeface="Wingdings" panose="05000000000000000000" pitchFamily="2" charset="2"/>
+              </a:rPr>
+              <a:t>Whoever (Google, Meta etc.) achieved AGI wrote its SDK.</a:t>
+            </a:r>
+          </a:p>
+          <a:p>
+            <a:r>
+              <a:rPr lang="en-US" sz="3200" dirty="0">
+                <a:sym typeface="Wingdings" panose="05000000000000000000" pitchFamily="2" charset="2"/>
+              </a:rPr>
+              <a:t>It means that they made package in python to talk with LLMs</a:t>
+            </a:r>
+          </a:p>
+          <a:p>
+            <a:r>
+              <a:rPr lang="en-US" sz="3200" dirty="0">
+                <a:sym typeface="Wingdings" panose="05000000000000000000" pitchFamily="2" charset="2"/>
+              </a:rPr>
+              <a:t>Client (Your PC)  send request to model’s server</a:t>
+            </a:r>
+          </a:p>
+          <a:p>
+            <a:r>
+              <a:rPr lang="en-US" sz="3200" dirty="0">
+                <a:sym typeface="Wingdings" panose="05000000000000000000" pitchFamily="2" charset="2"/>
+              </a:rPr>
+              <a:t>Your PC send request to model server, the server response it and give you answer.</a:t>
+            </a:r>
+          </a:p>
+        </p:txBody>
+      </p:sp>
+    </p:spTree>
+    <p:extLst>
+      <p:ext uri="{BB962C8B-B14F-4D97-AF65-F5344CB8AC3E}">
+        <p14:creationId xmlns:p14="http://schemas.microsoft.com/office/powerpoint/2010/main" val="1055407880"/>
+      </p:ext>
+    </p:extLst>
+  </p:cSld>
+  <p:clrMapOvr>
+    <a:masterClrMapping/>
+  </p:clrMapOvr>
+</p:sld>
+</file>
+
+<file path=ppt/slides/slide38.xml><?xml version="1.0" encoding="utf-8"?>
+<p:sld xmlns:a="http://schemas.openxmlformats.org/drawingml/2006/main" xmlns:r="http://schemas.openxmlformats.org/officeDocument/2006/relationships" xmlns:p="http://schemas.openxmlformats.org/presentationml/2006/main">
+  <p:cSld>
+    <p:spTree>
+      <p:nvGrpSpPr>
+        <p:cNvPr id="1" name="">
+          <a:extLst>
+            <a:ext uri="{FF2B5EF4-FFF2-40B4-BE49-F238E27FC236}">
+              <a16:creationId xmlns:a16="http://schemas.microsoft.com/office/drawing/2014/main" id="{CC75B0CB-A43D-839D-31C5-9310B0EAD266}"/>
+            </a:ext>
+          </a:extLst>
+        </p:cNvPr>
+        <p:cNvGrpSpPr/>
+        <p:nvPr/>
+      </p:nvGrpSpPr>
+      <p:grpSpPr>
+        <a:xfrm>
+          <a:off x="0" y="0"/>
+          <a:ext cx="0" cy="0"/>
+          <a:chOff x="0" y="0"/>
+          <a:chExt cx="0" cy="0"/>
+        </a:xfrm>
+      </p:grpSpPr>
+      <p:sp>
+        <p:nvSpPr>
+          <p:cNvPr id="2" name="Title 1">
+            <a:extLst>
+              <a:ext uri="{FF2B5EF4-FFF2-40B4-BE49-F238E27FC236}">
+                <a16:creationId xmlns:a16="http://schemas.microsoft.com/office/drawing/2014/main" id="{ECD51B90-D221-9D1E-265C-1BA007CBE43E}"/>
+              </a:ext>
+            </a:extLst>
+          </p:cNvPr>
+          <p:cNvSpPr>
+            <a:spLocks noGrp="1"/>
+          </p:cNvSpPr>
+          <p:nvPr>
+            <p:ph type="title"/>
+          </p:nvPr>
+        </p:nvSpPr>
+        <p:spPr>
+          <a:xfrm>
+            <a:off x="838200" y="365125"/>
+            <a:ext cx="10515600" cy="916919"/>
+          </a:xfrm>
+        </p:spPr>
+        <p:txBody>
+          <a:bodyPr>
+            <a:noAutofit/>
+          </a:bodyPr>
+          <a:lstStyle/>
+          <a:p>
+            <a:r>
+              <a:rPr lang="en-US" sz="3600" b="1" dirty="0"/>
+              <a:t>Agent Loop | Tool Call | Hands off | Memory | Guardrails</a:t>
+            </a:r>
+            <a:endParaRPr lang="en-US" sz="2800" b="1" dirty="0"/>
+          </a:p>
+        </p:txBody>
+      </p:sp>
+      <p:sp>
+        <p:nvSpPr>
+          <p:cNvPr id="7" name="Content Placeholder 6">
+            <a:extLst>
+              <a:ext uri="{FF2B5EF4-FFF2-40B4-BE49-F238E27FC236}">
+                <a16:creationId xmlns:a16="http://schemas.microsoft.com/office/drawing/2014/main" id="{ECC8A2D5-0E95-B732-9FBD-1584055A1630}"/>
+              </a:ext>
+            </a:extLst>
+          </p:cNvPr>
+          <p:cNvSpPr>
+            <a:spLocks noGrp="1"/>
+          </p:cNvSpPr>
+          <p:nvPr>
+            <p:ph idx="1"/>
+          </p:nvPr>
+        </p:nvSpPr>
+        <p:spPr>
+          <a:xfrm>
+            <a:off x="838200" y="1282044"/>
+            <a:ext cx="10515600" cy="4894919"/>
+          </a:xfrm>
+        </p:spPr>
+        <p:txBody>
+          <a:bodyPr>
+            <a:normAutofit/>
+          </a:bodyPr>
+          <a:lstStyle/>
+          <a:p>
+            <a:r>
+              <a:rPr lang="en-US" sz="3200" dirty="0">
+                <a:sym typeface="Wingdings" panose="05000000000000000000" pitchFamily="2" charset="2"/>
+              </a:rPr>
+              <a:t>Earlier, this work you can do by making http request </a:t>
+            </a:r>
+            <a:r>
+              <a:rPr lang="en-US" sz="3200" dirty="0" err="1">
+                <a:sym typeface="Wingdings" panose="05000000000000000000" pitchFamily="2" charset="2"/>
+              </a:rPr>
+              <a:t>restAPI</a:t>
+            </a:r>
+            <a:r>
+              <a:rPr lang="en-US" sz="3200" dirty="0">
+                <a:sym typeface="Wingdings" panose="05000000000000000000" pitchFamily="2" charset="2"/>
+              </a:rPr>
+              <a:t> and talk to it</a:t>
+            </a:r>
+          </a:p>
+          <a:p>
+            <a:r>
+              <a:rPr lang="en-US" sz="3200" dirty="0">
+                <a:sym typeface="Wingdings" panose="05000000000000000000" pitchFamily="2" charset="2"/>
+              </a:rPr>
+              <a:t>Then these companies made easy way to used LLMs which they called </a:t>
+            </a:r>
+            <a:r>
+              <a:rPr lang="en-US" sz="3200" b="1" dirty="0">
+                <a:sym typeface="Wingdings" panose="05000000000000000000" pitchFamily="2" charset="2"/>
+              </a:rPr>
+              <a:t>SDK</a:t>
+            </a:r>
+            <a:r>
+              <a:rPr lang="en-US" sz="3200" dirty="0">
+                <a:sym typeface="Wingdings" panose="05000000000000000000" pitchFamily="2" charset="2"/>
+              </a:rPr>
+              <a:t>.</a:t>
+            </a:r>
+          </a:p>
+          <a:p>
+            <a:r>
+              <a:rPr lang="en-US" sz="3200" dirty="0">
+                <a:sym typeface="Wingdings" panose="05000000000000000000" pitchFamily="2" charset="2"/>
+              </a:rPr>
+              <a:t>You just need to install python package of SDK; implement it function and ask to your agent.</a:t>
+            </a:r>
+          </a:p>
+          <a:p>
+            <a:r>
+              <a:rPr lang="en-US" sz="3200" dirty="0">
+                <a:sym typeface="Wingdings" panose="05000000000000000000" pitchFamily="2" charset="2"/>
+              </a:rPr>
+              <a:t>The functions of SDK, we can call it </a:t>
+            </a:r>
+            <a:r>
+              <a:rPr lang="en-US" sz="3200" dirty="0" err="1">
+                <a:sym typeface="Wingdings" panose="05000000000000000000" pitchFamily="2" charset="2"/>
+              </a:rPr>
+              <a:t>ChatCompletion</a:t>
+            </a:r>
+            <a:r>
+              <a:rPr lang="en-US" sz="3200" dirty="0">
+                <a:sym typeface="Wingdings" panose="05000000000000000000" pitchFamily="2" charset="2"/>
+              </a:rPr>
+              <a:t>, Assistant API, Responsive API etc.</a:t>
+            </a:r>
+          </a:p>
+          <a:p>
+            <a:endParaRPr lang="en-US" sz="3200" dirty="0">
+              <a:sym typeface="Wingdings" panose="05000000000000000000" pitchFamily="2" charset="2"/>
+            </a:endParaRPr>
+          </a:p>
+        </p:txBody>
+      </p:sp>
+    </p:spTree>
+    <p:extLst>
+      <p:ext uri="{BB962C8B-B14F-4D97-AF65-F5344CB8AC3E}">
+        <p14:creationId xmlns:p14="http://schemas.microsoft.com/office/powerpoint/2010/main" val="3516082961"/>
+      </p:ext>
+    </p:extLst>
+  </p:cSld>
+  <p:clrMapOvr>
+    <a:masterClrMapping/>
+  </p:clrMapOvr>
+</p:sld>
+</file>
+
+<file path=ppt/slides/slide39.xml><?xml version="1.0" encoding="utf-8"?>
+<p:sld xmlns:a="http://schemas.openxmlformats.org/drawingml/2006/main" xmlns:r="http://schemas.openxmlformats.org/officeDocument/2006/relationships" xmlns:p="http://schemas.openxmlformats.org/presentationml/2006/main">
+  <p:cSld>
+    <p:spTree>
+      <p:nvGrpSpPr>
+        <p:cNvPr id="1" name="">
+          <a:extLst>
+            <a:ext uri="{FF2B5EF4-FFF2-40B4-BE49-F238E27FC236}">
+              <a16:creationId xmlns:a16="http://schemas.microsoft.com/office/drawing/2014/main" id="{DCCE7550-5A09-14DA-45EF-ECC76EC91501}"/>
+            </a:ext>
+          </a:extLst>
+        </p:cNvPr>
+        <p:cNvGrpSpPr/>
+        <p:nvPr/>
+      </p:nvGrpSpPr>
+      <p:grpSpPr>
+        <a:xfrm>
+          <a:off x="0" y="0"/>
+          <a:ext cx="0" cy="0"/>
+          <a:chOff x="0" y="0"/>
+          <a:chExt cx="0" cy="0"/>
+        </a:xfrm>
+      </p:grpSpPr>
+      <p:sp>
+        <p:nvSpPr>
+          <p:cNvPr id="2" name="Title 1">
+            <a:extLst>
+              <a:ext uri="{FF2B5EF4-FFF2-40B4-BE49-F238E27FC236}">
+                <a16:creationId xmlns:a16="http://schemas.microsoft.com/office/drawing/2014/main" id="{F56FDCC7-E4F5-FC6A-41EC-EDF1F222C720}"/>
+              </a:ext>
+            </a:extLst>
+          </p:cNvPr>
+          <p:cNvSpPr>
+            <a:spLocks noGrp="1"/>
+          </p:cNvSpPr>
+          <p:nvPr>
+            <p:ph type="title"/>
+          </p:nvPr>
+        </p:nvSpPr>
+        <p:spPr>
+          <a:xfrm>
+            <a:off x="838200" y="365125"/>
+            <a:ext cx="10515600" cy="916919"/>
+          </a:xfrm>
+        </p:spPr>
+        <p:txBody>
+          <a:bodyPr>
+            <a:noAutofit/>
+          </a:bodyPr>
+          <a:lstStyle/>
+          <a:p>
+            <a:r>
+              <a:rPr lang="en-US" sz="3600" b="1" dirty="0"/>
+              <a:t>Agent Loop | Tool Call | Hands off | Memory | Guardrails</a:t>
+            </a:r>
+            <a:endParaRPr lang="en-US" sz="2800" b="1" dirty="0"/>
+          </a:p>
+        </p:txBody>
+      </p:sp>
+      <p:sp>
+        <p:nvSpPr>
+          <p:cNvPr id="7" name="Content Placeholder 6">
+            <a:extLst>
+              <a:ext uri="{FF2B5EF4-FFF2-40B4-BE49-F238E27FC236}">
+                <a16:creationId xmlns:a16="http://schemas.microsoft.com/office/drawing/2014/main" id="{176578F2-5496-F57B-3BA9-12C3E5F56013}"/>
+              </a:ext>
+            </a:extLst>
+          </p:cNvPr>
+          <p:cNvSpPr>
+            <a:spLocks noGrp="1"/>
+          </p:cNvSpPr>
+          <p:nvPr>
+            <p:ph idx="1"/>
+          </p:nvPr>
+        </p:nvSpPr>
+        <p:spPr>
+          <a:xfrm>
+            <a:off x="838200" y="1282044"/>
+            <a:ext cx="10515600" cy="4894919"/>
+          </a:xfrm>
+        </p:spPr>
+        <p:txBody>
+          <a:bodyPr>
+            <a:normAutofit/>
+          </a:bodyPr>
+          <a:lstStyle/>
+          <a:p>
+            <a:pPr marL="0" indent="0">
+              <a:buNone/>
+            </a:pPr>
+            <a:r>
+              <a:rPr lang="en-US" sz="3200" b="1" dirty="0">
+                <a:solidFill>
+                  <a:srgbClr val="C00000"/>
+                </a:solidFill>
+                <a:sym typeface="Wingdings" panose="05000000000000000000" pitchFamily="2" charset="2"/>
+              </a:rPr>
+              <a:t>A Good Software (OpenAI Agent SDK)</a:t>
+            </a:r>
+          </a:p>
+          <a:p>
+            <a:r>
+              <a:rPr lang="en-US" sz="3200" dirty="0">
+                <a:sym typeface="Wingdings" panose="05000000000000000000" pitchFamily="2" charset="2"/>
+              </a:rPr>
+              <a:t>Good software will be made in layers, otherwise it becomes confusing, same is the case for OpenAI SDK</a:t>
+            </a:r>
+          </a:p>
+          <a:p>
+            <a:r>
+              <a:rPr lang="en-US" sz="3200" dirty="0">
+                <a:sym typeface="Wingdings" panose="05000000000000000000" pitchFamily="2" charset="2"/>
+              </a:rPr>
+              <a:t>First layer is LLM,  on which it wrap with wrapper for example </a:t>
+            </a:r>
+            <a:r>
+              <a:rPr lang="en-US" sz="3200" dirty="0" err="1">
+                <a:sym typeface="Wingdings" panose="05000000000000000000" pitchFamily="2" charset="2"/>
+              </a:rPr>
+              <a:t>FastAPI</a:t>
+            </a:r>
+            <a:r>
+              <a:rPr lang="en-US" sz="3200" dirty="0">
+                <a:sym typeface="Wingdings" panose="05000000000000000000" pitchFamily="2" charset="2"/>
+              </a:rPr>
+              <a:t> for inference  then you call it from client using </a:t>
+            </a:r>
+            <a:r>
+              <a:rPr lang="en-US" sz="3200" dirty="0" err="1">
+                <a:sym typeface="Wingdings" panose="05000000000000000000" pitchFamily="2" charset="2"/>
+              </a:rPr>
+              <a:t>RestAPI</a:t>
+            </a:r>
+            <a:r>
+              <a:rPr lang="en-US" sz="3200" dirty="0">
+                <a:sym typeface="Wingdings" panose="05000000000000000000" pitchFamily="2" charset="2"/>
+              </a:rPr>
+              <a:t>, although we can call in any language but industry is going toward python then we are calling it in python</a:t>
+            </a:r>
+          </a:p>
+          <a:p>
+            <a:r>
+              <a:rPr lang="en-US" sz="3200" dirty="0">
+                <a:sym typeface="Wingdings" panose="05000000000000000000" pitchFamily="2" charset="2"/>
+              </a:rPr>
+              <a:t>LLM  API Server  client (</a:t>
+            </a:r>
+            <a:r>
+              <a:rPr lang="en-US" sz="3200" dirty="0" err="1">
+                <a:sym typeface="Wingdings" panose="05000000000000000000" pitchFamily="2" charset="2"/>
+              </a:rPr>
+              <a:t>ChatCompletion</a:t>
+            </a:r>
+            <a:r>
+              <a:rPr lang="en-US" sz="3200" dirty="0">
+                <a:sym typeface="Wingdings" panose="05000000000000000000" pitchFamily="2" charset="2"/>
+              </a:rPr>
+              <a:t> API which is calling Rest)  Agent SDK</a:t>
+            </a:r>
+          </a:p>
+        </p:txBody>
+      </p:sp>
+    </p:spTree>
+    <p:extLst>
+      <p:ext uri="{BB962C8B-B14F-4D97-AF65-F5344CB8AC3E}">
+        <p14:creationId xmlns:p14="http://schemas.microsoft.com/office/powerpoint/2010/main" val="3985405262"/>
       </p:ext>
     </p:extLst>
   </p:cSld>
@@ -9276,6 +10116,2454 @@
 </p:sld>
 </file>
 
+<file path=ppt/slides/slide40.xml><?xml version="1.0" encoding="utf-8"?>
+<p:sld xmlns:a="http://schemas.openxmlformats.org/drawingml/2006/main" xmlns:r="http://schemas.openxmlformats.org/officeDocument/2006/relationships" xmlns:p="http://schemas.openxmlformats.org/presentationml/2006/main">
+  <p:cSld>
+    <p:spTree>
+      <p:nvGrpSpPr>
+        <p:cNvPr id="1" name="">
+          <a:extLst>
+            <a:ext uri="{FF2B5EF4-FFF2-40B4-BE49-F238E27FC236}">
+              <a16:creationId xmlns:a16="http://schemas.microsoft.com/office/drawing/2014/main" id="{01623E18-ECA9-9D5F-D1ED-C9EB014A494E}"/>
+            </a:ext>
+          </a:extLst>
+        </p:cNvPr>
+        <p:cNvGrpSpPr/>
+        <p:nvPr/>
+      </p:nvGrpSpPr>
+      <p:grpSpPr>
+        <a:xfrm>
+          <a:off x="0" y="0"/>
+          <a:ext cx="0" cy="0"/>
+          <a:chOff x="0" y="0"/>
+          <a:chExt cx="0" cy="0"/>
+        </a:xfrm>
+      </p:grpSpPr>
+      <p:sp>
+        <p:nvSpPr>
+          <p:cNvPr id="2" name="Title 1">
+            <a:extLst>
+              <a:ext uri="{FF2B5EF4-FFF2-40B4-BE49-F238E27FC236}">
+                <a16:creationId xmlns:a16="http://schemas.microsoft.com/office/drawing/2014/main" id="{D4A687DA-3D27-1D5D-35F2-0EB2CD4F4AB1}"/>
+              </a:ext>
+            </a:extLst>
+          </p:cNvPr>
+          <p:cNvSpPr>
+            <a:spLocks noGrp="1"/>
+          </p:cNvSpPr>
+          <p:nvPr>
+            <p:ph type="title"/>
+          </p:nvPr>
+        </p:nvSpPr>
+        <p:spPr>
+          <a:xfrm>
+            <a:off x="838200" y="365125"/>
+            <a:ext cx="10515600" cy="916919"/>
+          </a:xfrm>
+        </p:spPr>
+        <p:txBody>
+          <a:bodyPr>
+            <a:noAutofit/>
+          </a:bodyPr>
+          <a:lstStyle/>
+          <a:p>
+            <a:r>
+              <a:rPr lang="en-US" b="1" dirty="0"/>
+              <a:t>Tool Call</a:t>
+            </a:r>
+            <a:endParaRPr lang="en-US" sz="3600" b="1" dirty="0"/>
+          </a:p>
+        </p:txBody>
+      </p:sp>
+      <p:sp>
+        <p:nvSpPr>
+          <p:cNvPr id="7" name="Content Placeholder 6">
+            <a:extLst>
+              <a:ext uri="{FF2B5EF4-FFF2-40B4-BE49-F238E27FC236}">
+                <a16:creationId xmlns:a16="http://schemas.microsoft.com/office/drawing/2014/main" id="{560D8EF7-9AA7-FBFA-5777-3DF5EE468F14}"/>
+              </a:ext>
+            </a:extLst>
+          </p:cNvPr>
+          <p:cNvSpPr>
+            <a:spLocks noGrp="1"/>
+          </p:cNvSpPr>
+          <p:nvPr>
+            <p:ph idx="1"/>
+          </p:nvPr>
+        </p:nvSpPr>
+        <p:spPr>
+          <a:xfrm>
+            <a:off x="838200" y="1282044"/>
+            <a:ext cx="10515600" cy="4894919"/>
+          </a:xfrm>
+        </p:spPr>
+        <p:txBody>
+          <a:bodyPr>
+            <a:normAutofit/>
+          </a:bodyPr>
+          <a:lstStyle/>
+          <a:p>
+            <a:r>
+              <a:rPr lang="en-US" sz="3200" dirty="0">
+                <a:sym typeface="Wingdings" panose="05000000000000000000" pitchFamily="2" charset="2"/>
+              </a:rPr>
+              <a:t>Tool calling means that an AI agent (like ChatGPT) can use special tools (like a calculator, web search, or code runner) to help it solve problems or get answers.</a:t>
+            </a:r>
+          </a:p>
+          <a:p>
+            <a:pPr marL="0" indent="0">
+              <a:buNone/>
+            </a:pPr>
+            <a:r>
+              <a:rPr lang="en-US" sz="3200" b="1" dirty="0">
+                <a:sym typeface="Wingdings" panose="05000000000000000000" pitchFamily="2" charset="2"/>
+              </a:rPr>
+              <a:t>Example: </a:t>
+            </a:r>
+          </a:p>
+          <a:p>
+            <a:r>
+              <a:rPr lang="en-US" sz="3200" dirty="0">
+                <a:sym typeface="Wingdings" panose="05000000000000000000" pitchFamily="2" charset="2"/>
+              </a:rPr>
+              <a:t>Imagine an AI that can't do math very well in its head. </a:t>
+            </a:r>
+          </a:p>
+          <a:p>
+            <a:r>
+              <a:rPr lang="en-US" sz="3200" dirty="0">
+                <a:sym typeface="Wingdings" panose="05000000000000000000" pitchFamily="2" charset="2"/>
+              </a:rPr>
+              <a:t>So, when you ask it: "What’s 37 x 82?", it says, “Let me use my calculator tool!”.</a:t>
+            </a:r>
+          </a:p>
+          <a:p>
+            <a:r>
+              <a:rPr lang="en-US" sz="3200" dirty="0">
+                <a:sym typeface="Wingdings" panose="05000000000000000000" pitchFamily="2" charset="2"/>
+              </a:rPr>
+              <a:t>It calls a tool (the calculator), gets the answer, then replies to you.</a:t>
+            </a:r>
+          </a:p>
+        </p:txBody>
+      </p:sp>
+    </p:spTree>
+    <p:extLst>
+      <p:ext uri="{BB962C8B-B14F-4D97-AF65-F5344CB8AC3E}">
+        <p14:creationId xmlns:p14="http://schemas.microsoft.com/office/powerpoint/2010/main" val="1245235195"/>
+      </p:ext>
+    </p:extLst>
+  </p:cSld>
+  <p:clrMapOvr>
+    <a:masterClrMapping/>
+  </p:clrMapOvr>
+</p:sld>
+</file>
+
+<file path=ppt/slides/slide41.xml><?xml version="1.0" encoding="utf-8"?>
+<p:sld xmlns:a="http://schemas.openxmlformats.org/drawingml/2006/main" xmlns:r="http://schemas.openxmlformats.org/officeDocument/2006/relationships" xmlns:p="http://schemas.openxmlformats.org/presentationml/2006/main">
+  <p:cSld>
+    <p:spTree>
+      <p:nvGrpSpPr>
+        <p:cNvPr id="1" name="">
+          <a:extLst>
+            <a:ext uri="{FF2B5EF4-FFF2-40B4-BE49-F238E27FC236}">
+              <a16:creationId xmlns:a16="http://schemas.microsoft.com/office/drawing/2014/main" id="{F9C21B10-4D92-EF8E-15B3-267A90339212}"/>
+            </a:ext>
+          </a:extLst>
+        </p:cNvPr>
+        <p:cNvGrpSpPr/>
+        <p:nvPr/>
+      </p:nvGrpSpPr>
+      <p:grpSpPr>
+        <a:xfrm>
+          <a:off x="0" y="0"/>
+          <a:ext cx="0" cy="0"/>
+          <a:chOff x="0" y="0"/>
+          <a:chExt cx="0" cy="0"/>
+        </a:xfrm>
+      </p:grpSpPr>
+      <p:sp>
+        <p:nvSpPr>
+          <p:cNvPr id="2" name="Title 1">
+            <a:extLst>
+              <a:ext uri="{FF2B5EF4-FFF2-40B4-BE49-F238E27FC236}">
+                <a16:creationId xmlns:a16="http://schemas.microsoft.com/office/drawing/2014/main" id="{AADD6410-9132-B0BE-6402-8BBAF35B1488}"/>
+              </a:ext>
+            </a:extLst>
+          </p:cNvPr>
+          <p:cNvSpPr>
+            <a:spLocks noGrp="1"/>
+          </p:cNvSpPr>
+          <p:nvPr>
+            <p:ph type="title"/>
+          </p:nvPr>
+        </p:nvSpPr>
+        <p:spPr>
+          <a:xfrm>
+            <a:off x="838200" y="365125"/>
+            <a:ext cx="10515600" cy="916919"/>
+          </a:xfrm>
+        </p:spPr>
+        <p:txBody>
+          <a:bodyPr>
+            <a:noAutofit/>
+          </a:bodyPr>
+          <a:lstStyle/>
+          <a:p>
+            <a:r>
+              <a:rPr lang="en-US" b="1" dirty="0"/>
+              <a:t>Tool Call</a:t>
+            </a:r>
+            <a:endParaRPr lang="en-US" sz="3600" b="1" dirty="0"/>
+          </a:p>
+        </p:txBody>
+      </p:sp>
+      <p:sp>
+        <p:nvSpPr>
+          <p:cNvPr id="7" name="Content Placeholder 6">
+            <a:extLst>
+              <a:ext uri="{FF2B5EF4-FFF2-40B4-BE49-F238E27FC236}">
+                <a16:creationId xmlns:a16="http://schemas.microsoft.com/office/drawing/2014/main" id="{4A55E378-A5F5-A4EE-C7B7-71BEA92B98A7}"/>
+              </a:ext>
+            </a:extLst>
+          </p:cNvPr>
+          <p:cNvSpPr>
+            <a:spLocks noGrp="1"/>
+          </p:cNvSpPr>
+          <p:nvPr>
+            <p:ph idx="1"/>
+          </p:nvPr>
+        </p:nvSpPr>
+        <p:spPr>
+          <a:xfrm>
+            <a:off x="838200" y="1282044"/>
+            <a:ext cx="10515600" cy="4894919"/>
+          </a:xfrm>
+        </p:spPr>
+        <p:txBody>
+          <a:bodyPr>
+            <a:normAutofit/>
+          </a:bodyPr>
+          <a:lstStyle/>
+          <a:p>
+            <a:pPr marL="0" indent="0">
+              <a:buNone/>
+            </a:pPr>
+            <a:r>
+              <a:rPr lang="en-US" b="1" dirty="0">
+                <a:solidFill>
+                  <a:srgbClr val="C00000"/>
+                </a:solidFill>
+              </a:rPr>
+              <a:t>Does LLMs have access of tools schemas, if yes, how it looks like and works??</a:t>
+            </a:r>
+            <a:endParaRPr lang="en-US" dirty="0">
+              <a:solidFill>
+                <a:srgbClr val="C00000"/>
+              </a:solidFill>
+            </a:endParaRPr>
+          </a:p>
+          <a:p>
+            <a:r>
+              <a:rPr lang="en-US" dirty="0"/>
+              <a:t>Yes, </a:t>
+            </a:r>
+            <a:r>
+              <a:rPr lang="en-US" b="1" dirty="0"/>
+              <a:t>LLMs (like ChatGPT or other AI agents)</a:t>
+            </a:r>
+            <a:r>
+              <a:rPr lang="en-US" dirty="0"/>
+              <a:t> can have access to </a:t>
+            </a:r>
+            <a:r>
+              <a:rPr lang="en-US" b="1" dirty="0"/>
+              <a:t>tools</a:t>
+            </a:r>
+            <a:r>
+              <a:rPr lang="en-US" dirty="0"/>
+              <a:t> via what's called a </a:t>
+            </a:r>
+            <a:r>
+              <a:rPr lang="en-US" b="1" dirty="0"/>
+              <a:t>tool schema</a:t>
+            </a:r>
+            <a:r>
+              <a:rPr lang="en-US" dirty="0"/>
+              <a:t> (also called function schema, API schema, or OpenAPI spec). This tells the LLM </a:t>
+            </a:r>
+            <a:r>
+              <a:rPr lang="en-US" b="1" dirty="0"/>
+              <a:t>what tools are available</a:t>
+            </a:r>
+            <a:r>
+              <a:rPr lang="en-US" dirty="0"/>
+              <a:t>, </a:t>
+            </a:r>
+            <a:r>
+              <a:rPr lang="en-US" b="1" dirty="0"/>
+              <a:t>how to use them</a:t>
+            </a:r>
+            <a:r>
+              <a:rPr lang="en-US" dirty="0"/>
+              <a:t>, and </a:t>
+            </a:r>
+            <a:r>
+              <a:rPr lang="en-US" b="1" dirty="0"/>
+              <a:t>what inputs/outputs</a:t>
+            </a:r>
+            <a:r>
+              <a:rPr lang="en-US" dirty="0"/>
+              <a:t> they take.</a:t>
+            </a:r>
+          </a:p>
+          <a:p>
+            <a:pPr marL="0" indent="0">
+              <a:buNone/>
+            </a:pPr>
+            <a:r>
+              <a:rPr lang="en-US" b="1" dirty="0">
+                <a:solidFill>
+                  <a:srgbClr val="C00000"/>
+                </a:solidFill>
+              </a:rPr>
+              <a:t>What is a Tool Schema?</a:t>
+            </a:r>
+            <a:endParaRPr lang="en-US" b="1" dirty="0">
+              <a:solidFill>
+                <a:srgbClr val="C00000"/>
+              </a:solidFill>
+              <a:sym typeface="Wingdings" panose="05000000000000000000" pitchFamily="2" charset="2"/>
+            </a:endParaRPr>
+          </a:p>
+          <a:p>
+            <a:r>
+              <a:rPr lang="en-US" dirty="0">
+                <a:sym typeface="Wingdings" panose="05000000000000000000" pitchFamily="2" charset="2"/>
+              </a:rPr>
+              <a:t>A tool schema is like a menu or instruction sheet that tells the LLM:</a:t>
+            </a:r>
+          </a:p>
+          <a:p>
+            <a:pPr lvl="1"/>
+            <a:r>
+              <a:rPr lang="en-US" dirty="0">
+                <a:sym typeface="Wingdings" panose="05000000000000000000" pitchFamily="2" charset="2"/>
+              </a:rPr>
+              <a:t>"Here is a tool you can use. This is what it does. Here’s how to use it.“</a:t>
+            </a:r>
+          </a:p>
+          <a:p>
+            <a:r>
+              <a:rPr lang="en-US" dirty="0">
+                <a:sym typeface="Wingdings" panose="05000000000000000000" pitchFamily="2" charset="2"/>
+              </a:rPr>
+              <a:t>It's usually defined in JSON format, like this (see below picture):</a:t>
+            </a:r>
+          </a:p>
+        </p:txBody>
+      </p:sp>
+    </p:spTree>
+    <p:extLst>
+      <p:ext uri="{BB962C8B-B14F-4D97-AF65-F5344CB8AC3E}">
+        <p14:creationId xmlns:p14="http://schemas.microsoft.com/office/powerpoint/2010/main" val="2009861710"/>
+      </p:ext>
+    </p:extLst>
+  </p:cSld>
+  <p:clrMapOvr>
+    <a:masterClrMapping/>
+  </p:clrMapOvr>
+</p:sld>
+</file>
+
+<file path=ppt/slides/slide42.xml><?xml version="1.0" encoding="utf-8"?>
+<p:sld xmlns:a="http://schemas.openxmlformats.org/drawingml/2006/main" xmlns:r="http://schemas.openxmlformats.org/officeDocument/2006/relationships" xmlns:p="http://schemas.openxmlformats.org/presentationml/2006/main">
+  <p:cSld>
+    <p:spTree>
+      <p:nvGrpSpPr>
+        <p:cNvPr id="1" name="">
+          <a:extLst>
+            <a:ext uri="{FF2B5EF4-FFF2-40B4-BE49-F238E27FC236}">
+              <a16:creationId xmlns:a16="http://schemas.microsoft.com/office/drawing/2014/main" id="{2BA88EF7-ECCD-A8C8-6C1A-48D195321624}"/>
+            </a:ext>
+          </a:extLst>
+        </p:cNvPr>
+        <p:cNvGrpSpPr/>
+        <p:nvPr/>
+      </p:nvGrpSpPr>
+      <p:grpSpPr>
+        <a:xfrm>
+          <a:off x="0" y="0"/>
+          <a:ext cx="0" cy="0"/>
+          <a:chOff x="0" y="0"/>
+          <a:chExt cx="0" cy="0"/>
+        </a:xfrm>
+      </p:grpSpPr>
+      <p:sp>
+        <p:nvSpPr>
+          <p:cNvPr id="2" name="Title 1">
+            <a:extLst>
+              <a:ext uri="{FF2B5EF4-FFF2-40B4-BE49-F238E27FC236}">
+                <a16:creationId xmlns:a16="http://schemas.microsoft.com/office/drawing/2014/main" id="{90FF1B89-42F6-3AEE-9270-F6E8CAC0B06F}"/>
+              </a:ext>
+            </a:extLst>
+          </p:cNvPr>
+          <p:cNvSpPr>
+            <a:spLocks noGrp="1"/>
+          </p:cNvSpPr>
+          <p:nvPr>
+            <p:ph type="title"/>
+          </p:nvPr>
+        </p:nvSpPr>
+        <p:spPr>
+          <a:xfrm>
+            <a:off x="838200" y="365125"/>
+            <a:ext cx="10515600" cy="916919"/>
+          </a:xfrm>
+        </p:spPr>
+        <p:txBody>
+          <a:bodyPr>
+            <a:noAutofit/>
+          </a:bodyPr>
+          <a:lstStyle/>
+          <a:p>
+            <a:r>
+              <a:rPr lang="en-US" b="1" dirty="0"/>
+              <a:t>Tool Call</a:t>
+            </a:r>
+            <a:endParaRPr lang="en-US" sz="3600" b="1" dirty="0"/>
+          </a:p>
+        </p:txBody>
+      </p:sp>
+      <p:pic>
+        <p:nvPicPr>
+          <p:cNvPr id="4" name="Content Placeholder 3">
+            <a:extLst>
+              <a:ext uri="{FF2B5EF4-FFF2-40B4-BE49-F238E27FC236}">
+                <a16:creationId xmlns:a16="http://schemas.microsoft.com/office/drawing/2014/main" id="{CA6133C6-DF5B-C2B7-5392-C876CF48A530}"/>
+              </a:ext>
+            </a:extLst>
+          </p:cNvPr>
+          <p:cNvPicPr>
+            <a:picLocks noGrp="1" noChangeAspect="1"/>
+          </p:cNvPicPr>
+          <p:nvPr>
+            <p:ph idx="1"/>
+          </p:nvPr>
+        </p:nvPicPr>
+        <p:blipFill>
+          <a:blip r:embed="rId2"/>
+          <a:stretch>
+            <a:fillRect/>
+          </a:stretch>
+        </p:blipFill>
+        <p:spPr>
+          <a:xfrm>
+            <a:off x="2563169" y="1279128"/>
+            <a:ext cx="7065661" cy="4299744"/>
+          </a:xfrm>
+        </p:spPr>
+      </p:pic>
+    </p:spTree>
+    <p:extLst>
+      <p:ext uri="{BB962C8B-B14F-4D97-AF65-F5344CB8AC3E}">
+        <p14:creationId xmlns:p14="http://schemas.microsoft.com/office/powerpoint/2010/main" val="169115780"/>
+      </p:ext>
+    </p:extLst>
+  </p:cSld>
+  <p:clrMapOvr>
+    <a:masterClrMapping/>
+  </p:clrMapOvr>
+</p:sld>
+</file>
+
+<file path=ppt/slides/slide43.xml><?xml version="1.0" encoding="utf-8"?>
+<p:sld xmlns:a="http://schemas.openxmlformats.org/drawingml/2006/main" xmlns:r="http://schemas.openxmlformats.org/officeDocument/2006/relationships" xmlns:p="http://schemas.openxmlformats.org/presentationml/2006/main">
+  <p:cSld>
+    <p:spTree>
+      <p:nvGrpSpPr>
+        <p:cNvPr id="1" name="">
+          <a:extLst>
+            <a:ext uri="{FF2B5EF4-FFF2-40B4-BE49-F238E27FC236}">
+              <a16:creationId xmlns:a16="http://schemas.microsoft.com/office/drawing/2014/main" id="{1B375E2E-CA5F-0C5E-2832-1A6B4F93506D}"/>
+            </a:ext>
+          </a:extLst>
+        </p:cNvPr>
+        <p:cNvGrpSpPr/>
+        <p:nvPr/>
+      </p:nvGrpSpPr>
+      <p:grpSpPr>
+        <a:xfrm>
+          <a:off x="0" y="0"/>
+          <a:ext cx="0" cy="0"/>
+          <a:chOff x="0" y="0"/>
+          <a:chExt cx="0" cy="0"/>
+        </a:xfrm>
+      </p:grpSpPr>
+      <p:sp>
+        <p:nvSpPr>
+          <p:cNvPr id="2" name="Title 1">
+            <a:extLst>
+              <a:ext uri="{FF2B5EF4-FFF2-40B4-BE49-F238E27FC236}">
+                <a16:creationId xmlns:a16="http://schemas.microsoft.com/office/drawing/2014/main" id="{82BE10CE-9703-CBEE-CECE-7DD6D77F95E5}"/>
+              </a:ext>
+            </a:extLst>
+          </p:cNvPr>
+          <p:cNvSpPr>
+            <a:spLocks noGrp="1"/>
+          </p:cNvSpPr>
+          <p:nvPr>
+            <p:ph type="title"/>
+          </p:nvPr>
+        </p:nvSpPr>
+        <p:spPr>
+          <a:xfrm>
+            <a:off x="838200" y="365125"/>
+            <a:ext cx="10515600" cy="916919"/>
+          </a:xfrm>
+        </p:spPr>
+        <p:txBody>
+          <a:bodyPr>
+            <a:noAutofit/>
+          </a:bodyPr>
+          <a:lstStyle/>
+          <a:p>
+            <a:r>
+              <a:rPr lang="en-US" b="1" dirty="0"/>
+              <a:t>Tool Call</a:t>
+            </a:r>
+            <a:endParaRPr lang="en-US" sz="3600" b="1" dirty="0"/>
+          </a:p>
+        </p:txBody>
+      </p:sp>
+      <p:sp>
+        <p:nvSpPr>
+          <p:cNvPr id="5" name="Content Placeholder 4">
+            <a:extLst>
+              <a:ext uri="{FF2B5EF4-FFF2-40B4-BE49-F238E27FC236}">
+                <a16:creationId xmlns:a16="http://schemas.microsoft.com/office/drawing/2014/main" id="{970C1040-C6F2-1F96-8E04-10C1B128F194}"/>
+              </a:ext>
+            </a:extLst>
+          </p:cNvPr>
+          <p:cNvSpPr>
+            <a:spLocks noGrp="1"/>
+          </p:cNvSpPr>
+          <p:nvPr>
+            <p:ph idx="1"/>
+          </p:nvPr>
+        </p:nvSpPr>
+        <p:spPr>
+          <a:xfrm>
+            <a:off x="838200" y="1282044"/>
+            <a:ext cx="10515600" cy="4894919"/>
+          </a:xfrm>
+        </p:spPr>
+        <p:txBody>
+          <a:bodyPr/>
+          <a:lstStyle/>
+          <a:p>
+            <a:pPr marL="0" indent="0">
+              <a:buNone/>
+            </a:pPr>
+            <a:r>
+              <a:rPr lang="en-US" b="1" dirty="0">
+                <a:solidFill>
+                  <a:srgbClr val="C00000"/>
+                </a:solidFill>
+              </a:rPr>
+              <a:t>How Does the LLM Use It?</a:t>
+            </a:r>
+          </a:p>
+          <a:p>
+            <a:pPr marL="514350" indent="-514350">
+              <a:buFont typeface="+mj-lt"/>
+              <a:buAutoNum type="arabicPeriod"/>
+            </a:pPr>
+            <a:r>
+              <a:rPr lang="en-US" dirty="0"/>
+              <a:t>Reads the tool schema during setup or runtime.</a:t>
+            </a:r>
+          </a:p>
+          <a:p>
+            <a:pPr marL="514350" indent="-514350">
+              <a:buFont typeface="+mj-lt"/>
+              <a:buAutoNum type="arabicPeriod"/>
+            </a:pPr>
+            <a:r>
+              <a:rPr lang="en-US" dirty="0"/>
+              <a:t>When you ask something like:</a:t>
+            </a:r>
+          </a:p>
+          <a:p>
+            <a:pPr marL="457200" lvl="1" indent="0">
+              <a:buNone/>
+            </a:pPr>
+            <a:r>
+              <a:rPr lang="en-US" dirty="0"/>
+              <a:t>"What’s the weather in Paris?", the LLM thinks:</a:t>
+            </a:r>
+          </a:p>
+          <a:p>
+            <a:pPr marL="457200" lvl="1" indent="0">
+              <a:buNone/>
+            </a:pPr>
+            <a:r>
+              <a:rPr lang="en-US" dirty="0"/>
+              <a:t>“I have a tool called </a:t>
+            </a:r>
+            <a:r>
+              <a:rPr lang="en-US" dirty="0" err="1"/>
+              <a:t>get_weather</a:t>
+            </a:r>
+            <a:r>
+              <a:rPr lang="en-US" dirty="0"/>
+              <a:t> and it needs a city. Let me call it with city: 'Paris’.”</a:t>
+            </a:r>
+          </a:p>
+          <a:p>
+            <a:pPr marL="514350" indent="-514350">
+              <a:buFont typeface="+mj-lt"/>
+              <a:buAutoNum type="arabicPeriod"/>
+            </a:pPr>
+            <a:r>
+              <a:rPr lang="en-US" dirty="0"/>
+              <a:t>It generates this tool call: </a:t>
+            </a:r>
+            <a:r>
+              <a:rPr lang="en-US" dirty="0">
+                <a:sym typeface="Wingdings" panose="05000000000000000000" pitchFamily="2" charset="2"/>
+              </a:rPr>
+              <a:t></a:t>
+            </a:r>
+            <a:endParaRPr lang="en-PK" dirty="0"/>
+          </a:p>
+        </p:txBody>
+      </p:sp>
+      <p:pic>
+        <p:nvPicPr>
+          <p:cNvPr id="8" name="Picture 7">
+            <a:extLst>
+              <a:ext uri="{FF2B5EF4-FFF2-40B4-BE49-F238E27FC236}">
+                <a16:creationId xmlns:a16="http://schemas.microsoft.com/office/drawing/2014/main" id="{17792272-8BB7-8BF4-E31D-2D51AC69BAB2}"/>
+              </a:ext>
+            </a:extLst>
+          </p:cNvPr>
+          <p:cNvPicPr>
+            <a:picLocks noChangeAspect="1"/>
+          </p:cNvPicPr>
+          <p:nvPr/>
+        </p:nvPicPr>
+        <p:blipFill>
+          <a:blip r:embed="rId2"/>
+          <a:stretch>
+            <a:fillRect/>
+          </a:stretch>
+        </p:blipFill>
+        <p:spPr>
+          <a:xfrm>
+            <a:off x="5699386" y="3578625"/>
+            <a:ext cx="5072096" cy="2598337"/>
+          </a:xfrm>
+          <a:prstGeom prst="rect">
+            <a:avLst/>
+          </a:prstGeom>
+        </p:spPr>
+      </p:pic>
+    </p:spTree>
+    <p:extLst>
+      <p:ext uri="{BB962C8B-B14F-4D97-AF65-F5344CB8AC3E}">
+        <p14:creationId xmlns:p14="http://schemas.microsoft.com/office/powerpoint/2010/main" val="2608419184"/>
+      </p:ext>
+    </p:extLst>
+  </p:cSld>
+  <p:clrMapOvr>
+    <a:masterClrMapping/>
+  </p:clrMapOvr>
+</p:sld>
+</file>
+
+<file path=ppt/slides/slide44.xml><?xml version="1.0" encoding="utf-8"?>
+<p:sld xmlns:a="http://schemas.openxmlformats.org/drawingml/2006/main" xmlns:r="http://schemas.openxmlformats.org/officeDocument/2006/relationships" xmlns:p="http://schemas.openxmlformats.org/presentationml/2006/main">
+  <p:cSld>
+    <p:spTree>
+      <p:nvGrpSpPr>
+        <p:cNvPr id="1" name="">
+          <a:extLst>
+            <a:ext uri="{FF2B5EF4-FFF2-40B4-BE49-F238E27FC236}">
+              <a16:creationId xmlns:a16="http://schemas.microsoft.com/office/drawing/2014/main" id="{D59C09E2-BE6C-6543-1DA3-8B76FD43DAB8}"/>
+            </a:ext>
+          </a:extLst>
+        </p:cNvPr>
+        <p:cNvGrpSpPr/>
+        <p:nvPr/>
+      </p:nvGrpSpPr>
+      <p:grpSpPr>
+        <a:xfrm>
+          <a:off x="0" y="0"/>
+          <a:ext cx="0" cy="0"/>
+          <a:chOff x="0" y="0"/>
+          <a:chExt cx="0" cy="0"/>
+        </a:xfrm>
+      </p:grpSpPr>
+      <p:sp>
+        <p:nvSpPr>
+          <p:cNvPr id="2" name="Title 1">
+            <a:extLst>
+              <a:ext uri="{FF2B5EF4-FFF2-40B4-BE49-F238E27FC236}">
+                <a16:creationId xmlns:a16="http://schemas.microsoft.com/office/drawing/2014/main" id="{4611EBF6-8B13-0399-EDB1-043AB86D712F}"/>
+              </a:ext>
+            </a:extLst>
+          </p:cNvPr>
+          <p:cNvSpPr>
+            <a:spLocks noGrp="1"/>
+          </p:cNvSpPr>
+          <p:nvPr>
+            <p:ph type="title"/>
+          </p:nvPr>
+        </p:nvSpPr>
+        <p:spPr>
+          <a:xfrm>
+            <a:off x="838200" y="365125"/>
+            <a:ext cx="10515600" cy="916919"/>
+          </a:xfrm>
+        </p:spPr>
+        <p:txBody>
+          <a:bodyPr>
+            <a:noAutofit/>
+          </a:bodyPr>
+          <a:lstStyle/>
+          <a:p>
+            <a:r>
+              <a:rPr lang="en-US" b="1" dirty="0"/>
+              <a:t>Tool Call</a:t>
+            </a:r>
+            <a:endParaRPr lang="en-US" sz="3600" b="1" dirty="0"/>
+          </a:p>
+        </p:txBody>
+      </p:sp>
+      <p:sp>
+        <p:nvSpPr>
+          <p:cNvPr id="5" name="Content Placeholder 4">
+            <a:extLst>
+              <a:ext uri="{FF2B5EF4-FFF2-40B4-BE49-F238E27FC236}">
+                <a16:creationId xmlns:a16="http://schemas.microsoft.com/office/drawing/2014/main" id="{2100959B-9E01-63F4-7079-3E78962C9540}"/>
+              </a:ext>
+            </a:extLst>
+          </p:cNvPr>
+          <p:cNvSpPr>
+            <a:spLocks noGrp="1"/>
+          </p:cNvSpPr>
+          <p:nvPr>
+            <p:ph idx="1"/>
+          </p:nvPr>
+        </p:nvSpPr>
+        <p:spPr>
+          <a:xfrm>
+            <a:off x="838200" y="1282044"/>
+            <a:ext cx="10515600" cy="4894919"/>
+          </a:xfrm>
+        </p:spPr>
+        <p:txBody>
+          <a:bodyPr/>
+          <a:lstStyle/>
+          <a:p>
+            <a:pPr marL="0" indent="0">
+              <a:buNone/>
+            </a:pPr>
+            <a:r>
+              <a:rPr lang="en-US" dirty="0"/>
+              <a:t>4. The system (not the LLM itself) executes the tool, gets the result (e.g., 22°C and sunny), and gives that back to the LLM.</a:t>
+            </a:r>
+          </a:p>
+          <a:p>
+            <a:pPr marL="0" indent="0">
+              <a:buNone/>
+            </a:pPr>
+            <a:r>
+              <a:rPr lang="en-US" dirty="0"/>
+              <a:t>5. The LLM then replies:</a:t>
+            </a:r>
+          </a:p>
+          <a:p>
+            <a:pPr marL="457200" lvl="1" indent="0">
+              <a:buNone/>
+            </a:pPr>
+            <a:r>
+              <a:rPr lang="en-US" dirty="0"/>
+              <a:t>“It’s 22°C and sunny in Paris right now!”</a:t>
+            </a:r>
+          </a:p>
+          <a:p>
+            <a:pPr marL="0" indent="0">
+              <a:buNone/>
+            </a:pPr>
+            <a:r>
+              <a:rPr lang="en-US" b="1" dirty="0">
+                <a:solidFill>
+                  <a:srgbClr val="C00000"/>
+                </a:solidFill>
+              </a:rPr>
+              <a:t>Where Are These Schemas Used?</a:t>
+            </a:r>
+          </a:p>
+          <a:p>
+            <a:r>
+              <a:rPr lang="en-US" b="1" dirty="0"/>
+              <a:t>OpenAI Function Calling</a:t>
+            </a:r>
+            <a:endParaRPr lang="en-US" dirty="0"/>
+          </a:p>
+          <a:p>
+            <a:r>
+              <a:rPr lang="en-US" b="1" dirty="0" err="1"/>
+              <a:t>LangChain</a:t>
+            </a:r>
+            <a:r>
+              <a:rPr lang="en-US" b="1" dirty="0"/>
+              <a:t> Tools</a:t>
+            </a:r>
+            <a:endParaRPr lang="en-US" dirty="0"/>
+          </a:p>
+          <a:p>
+            <a:r>
+              <a:rPr lang="en-US" b="1" dirty="0" err="1"/>
+              <a:t>AutoGPT</a:t>
+            </a:r>
+            <a:r>
+              <a:rPr lang="en-US" b="1" dirty="0"/>
+              <a:t> / Agentic frameworks</a:t>
+            </a:r>
+            <a:endParaRPr lang="en-US" dirty="0"/>
+          </a:p>
+          <a:p>
+            <a:r>
+              <a:rPr lang="en-US" b="1" dirty="0"/>
+              <a:t>Custom APIs</a:t>
+            </a:r>
+            <a:r>
+              <a:rPr lang="en-US" dirty="0"/>
+              <a:t> in enterprise AI setups</a:t>
+            </a:r>
+          </a:p>
+          <a:p>
+            <a:pPr marL="0" indent="0">
+              <a:buNone/>
+            </a:pPr>
+            <a:endParaRPr lang="en-US" dirty="0"/>
+          </a:p>
+        </p:txBody>
+      </p:sp>
+    </p:spTree>
+    <p:extLst>
+      <p:ext uri="{BB962C8B-B14F-4D97-AF65-F5344CB8AC3E}">
+        <p14:creationId xmlns:p14="http://schemas.microsoft.com/office/powerpoint/2010/main" val="3597864855"/>
+      </p:ext>
+    </p:extLst>
+  </p:cSld>
+  <p:clrMapOvr>
+    <a:masterClrMapping/>
+  </p:clrMapOvr>
+</p:sld>
+</file>
+
+<file path=ppt/slides/slide45.xml><?xml version="1.0" encoding="utf-8"?>
+<p:sld xmlns:a="http://schemas.openxmlformats.org/drawingml/2006/main" xmlns:r="http://schemas.openxmlformats.org/officeDocument/2006/relationships" xmlns:p="http://schemas.openxmlformats.org/presentationml/2006/main">
+  <p:cSld>
+    <p:spTree>
+      <p:nvGrpSpPr>
+        <p:cNvPr id="1" name="">
+          <a:extLst>
+            <a:ext uri="{FF2B5EF4-FFF2-40B4-BE49-F238E27FC236}">
+              <a16:creationId xmlns:a16="http://schemas.microsoft.com/office/drawing/2014/main" id="{F1CE4F4A-B6B4-231A-A7CD-4623F991E43A}"/>
+            </a:ext>
+          </a:extLst>
+        </p:cNvPr>
+        <p:cNvGrpSpPr/>
+        <p:nvPr/>
+      </p:nvGrpSpPr>
+      <p:grpSpPr>
+        <a:xfrm>
+          <a:off x="0" y="0"/>
+          <a:ext cx="0" cy="0"/>
+          <a:chOff x="0" y="0"/>
+          <a:chExt cx="0" cy="0"/>
+        </a:xfrm>
+      </p:grpSpPr>
+      <p:sp>
+        <p:nvSpPr>
+          <p:cNvPr id="2" name="Title 1">
+            <a:extLst>
+              <a:ext uri="{FF2B5EF4-FFF2-40B4-BE49-F238E27FC236}">
+                <a16:creationId xmlns:a16="http://schemas.microsoft.com/office/drawing/2014/main" id="{6452922F-9967-2F2E-B70C-F399EC54FCF2}"/>
+              </a:ext>
+            </a:extLst>
+          </p:cNvPr>
+          <p:cNvSpPr>
+            <a:spLocks noGrp="1"/>
+          </p:cNvSpPr>
+          <p:nvPr>
+            <p:ph type="title"/>
+          </p:nvPr>
+        </p:nvSpPr>
+        <p:spPr>
+          <a:xfrm>
+            <a:off x="838200" y="365125"/>
+            <a:ext cx="10515600" cy="916919"/>
+          </a:xfrm>
+        </p:spPr>
+        <p:txBody>
+          <a:bodyPr>
+            <a:noAutofit/>
+          </a:bodyPr>
+          <a:lstStyle/>
+          <a:p>
+            <a:r>
+              <a:rPr lang="en-US" sz="3600" b="1" dirty="0"/>
+              <a:t>Stateless Nature of the API</a:t>
+            </a:r>
+          </a:p>
+        </p:txBody>
+      </p:sp>
+      <p:sp>
+        <p:nvSpPr>
+          <p:cNvPr id="5" name="Content Placeholder 4">
+            <a:extLst>
+              <a:ext uri="{FF2B5EF4-FFF2-40B4-BE49-F238E27FC236}">
+                <a16:creationId xmlns:a16="http://schemas.microsoft.com/office/drawing/2014/main" id="{9F5EBDD1-E09C-AAD8-9B40-5CDA4D89229C}"/>
+              </a:ext>
+            </a:extLst>
+          </p:cNvPr>
+          <p:cNvSpPr>
+            <a:spLocks noGrp="1"/>
+          </p:cNvSpPr>
+          <p:nvPr>
+            <p:ph idx="1"/>
+          </p:nvPr>
+        </p:nvSpPr>
+        <p:spPr>
+          <a:xfrm>
+            <a:off x="838200" y="1282044"/>
+            <a:ext cx="10515600" cy="4894919"/>
+          </a:xfrm>
+        </p:spPr>
+        <p:txBody>
+          <a:bodyPr/>
+          <a:lstStyle/>
+          <a:p>
+            <a:r>
+              <a:rPr lang="en-US" dirty="0"/>
+              <a:t>LLMs are stateless, it means it don’t have memory to recall last conversation until and unless you made it stateful.</a:t>
+            </a:r>
+          </a:p>
+          <a:p>
+            <a:r>
+              <a:rPr lang="en-US" dirty="0"/>
+              <a:t>To make stateful LLMs send all conversation in every request.</a:t>
+            </a:r>
+          </a:p>
+          <a:p>
+            <a:r>
+              <a:rPr lang="en-US" dirty="0"/>
+              <a:t>So, OpenAI made OpenAI SDK over </a:t>
+            </a:r>
+            <a:r>
+              <a:rPr lang="en-US" dirty="0" err="1"/>
+              <a:t>ChatCompletionAPI</a:t>
+            </a:r>
+            <a:r>
+              <a:rPr lang="en-US" dirty="0"/>
+              <a:t> (stateless layer), which remember all session. You don’t need to send all your previous conversion to it. </a:t>
+            </a:r>
+          </a:p>
+        </p:txBody>
+      </p:sp>
+    </p:spTree>
+    <p:extLst>
+      <p:ext uri="{BB962C8B-B14F-4D97-AF65-F5344CB8AC3E}">
+        <p14:creationId xmlns:p14="http://schemas.microsoft.com/office/powerpoint/2010/main" val="3777476769"/>
+      </p:ext>
+    </p:extLst>
+  </p:cSld>
+  <p:clrMapOvr>
+    <a:masterClrMapping/>
+  </p:clrMapOvr>
+</p:sld>
+</file>
+
+<file path=ppt/slides/slide46.xml><?xml version="1.0" encoding="utf-8"?>
+<p:sld xmlns:a="http://schemas.openxmlformats.org/drawingml/2006/main" xmlns:r="http://schemas.openxmlformats.org/officeDocument/2006/relationships" xmlns:p="http://schemas.openxmlformats.org/presentationml/2006/main">
+  <p:cSld>
+    <p:spTree>
+      <p:nvGrpSpPr>
+        <p:cNvPr id="1" name="">
+          <a:extLst>
+            <a:ext uri="{FF2B5EF4-FFF2-40B4-BE49-F238E27FC236}">
+              <a16:creationId xmlns:a16="http://schemas.microsoft.com/office/drawing/2014/main" id="{83CB0C36-4B24-3BE3-01B4-D67E7BD9DCD2}"/>
+            </a:ext>
+          </a:extLst>
+        </p:cNvPr>
+        <p:cNvGrpSpPr/>
+        <p:nvPr/>
+      </p:nvGrpSpPr>
+      <p:grpSpPr>
+        <a:xfrm>
+          <a:off x="0" y="0"/>
+          <a:ext cx="0" cy="0"/>
+          <a:chOff x="0" y="0"/>
+          <a:chExt cx="0" cy="0"/>
+        </a:xfrm>
+      </p:grpSpPr>
+      <p:sp>
+        <p:nvSpPr>
+          <p:cNvPr id="2" name="Title 1">
+            <a:extLst>
+              <a:ext uri="{FF2B5EF4-FFF2-40B4-BE49-F238E27FC236}">
+                <a16:creationId xmlns:a16="http://schemas.microsoft.com/office/drawing/2014/main" id="{19BB8E67-CD25-15D2-1624-1EA81E3C162C}"/>
+              </a:ext>
+            </a:extLst>
+          </p:cNvPr>
+          <p:cNvSpPr>
+            <a:spLocks noGrp="1"/>
+          </p:cNvSpPr>
+          <p:nvPr>
+            <p:ph type="title"/>
+          </p:nvPr>
+        </p:nvSpPr>
+        <p:spPr>
+          <a:xfrm>
+            <a:off x="838200" y="365125"/>
+            <a:ext cx="10515600" cy="916919"/>
+          </a:xfrm>
+        </p:spPr>
+        <p:txBody>
+          <a:bodyPr>
+            <a:noAutofit/>
+          </a:bodyPr>
+          <a:lstStyle/>
+          <a:p>
+            <a:r>
+              <a:rPr lang="en-US" sz="3600" b="1" dirty="0"/>
+              <a:t>Agent Loop</a:t>
+            </a:r>
+          </a:p>
+        </p:txBody>
+      </p:sp>
+      <p:sp>
+        <p:nvSpPr>
+          <p:cNvPr id="5" name="Content Placeholder 4">
+            <a:extLst>
+              <a:ext uri="{FF2B5EF4-FFF2-40B4-BE49-F238E27FC236}">
+                <a16:creationId xmlns:a16="http://schemas.microsoft.com/office/drawing/2014/main" id="{6BD8DB60-AE2C-FBF3-1553-E05BD022ECEC}"/>
+              </a:ext>
+            </a:extLst>
+          </p:cNvPr>
+          <p:cNvSpPr>
+            <a:spLocks noGrp="1"/>
+          </p:cNvSpPr>
+          <p:nvPr>
+            <p:ph idx="1"/>
+          </p:nvPr>
+        </p:nvSpPr>
+        <p:spPr>
+          <a:xfrm>
+            <a:off x="838200" y="1282044"/>
+            <a:ext cx="10515600" cy="4894919"/>
+          </a:xfrm>
+        </p:spPr>
+        <p:txBody>
+          <a:bodyPr>
+            <a:normAutofit/>
+          </a:bodyPr>
+          <a:lstStyle/>
+          <a:p>
+            <a:pPr marL="0" indent="0">
+              <a:buNone/>
+            </a:pPr>
+            <a:r>
+              <a:rPr lang="en-US" dirty="0"/>
+              <a:t>An Agent Loop is when an AI agent (like ChatGPT acting like a smart assistant) keeps doing a cycle of:</a:t>
+            </a:r>
+          </a:p>
+          <a:p>
+            <a:pPr marL="514350" indent="-514350">
+              <a:buFont typeface="+mj-lt"/>
+              <a:buAutoNum type="arabicPeriod"/>
+            </a:pPr>
+            <a:r>
+              <a:rPr lang="en-US" dirty="0"/>
+              <a:t>Thinking 🧠</a:t>
+            </a:r>
+          </a:p>
+          <a:p>
+            <a:pPr marL="514350" indent="-514350">
+              <a:buFont typeface="+mj-lt"/>
+              <a:buAutoNum type="arabicPeriod"/>
+            </a:pPr>
+            <a:r>
+              <a:rPr lang="en-US" dirty="0"/>
+              <a:t>Taking action (like calling a tool) 🛠️</a:t>
+            </a:r>
+          </a:p>
+          <a:p>
+            <a:pPr marL="514350" indent="-514350">
+              <a:buFont typeface="+mj-lt"/>
+              <a:buAutoNum type="arabicPeriod"/>
+            </a:pPr>
+            <a:r>
+              <a:rPr lang="en-US" dirty="0"/>
+              <a:t>Observing the result 👀</a:t>
+            </a:r>
+          </a:p>
+          <a:p>
+            <a:pPr marL="514350" indent="-514350">
+              <a:buFont typeface="+mj-lt"/>
+              <a:buAutoNum type="arabicPeriod"/>
+            </a:pPr>
+            <a:r>
+              <a:rPr lang="en-US" dirty="0"/>
+              <a:t>Thinking again based on the new result...</a:t>
+            </a:r>
+          </a:p>
+          <a:p>
+            <a:pPr marL="514350" indent="-514350">
+              <a:buFont typeface="+mj-lt"/>
+              <a:buAutoNum type="arabicPeriod"/>
+            </a:pPr>
+            <a:r>
+              <a:rPr lang="en-US" dirty="0"/>
+              <a:t>Repeat 🔁</a:t>
+            </a:r>
+          </a:p>
+          <a:p>
+            <a:pPr marL="0" indent="0">
+              <a:buNone/>
+            </a:pPr>
+            <a:r>
+              <a:rPr lang="en-US" dirty="0"/>
+              <a:t>Until it reaches a final answer or goal ✅.</a:t>
+            </a:r>
+          </a:p>
+          <a:p>
+            <a:pPr marL="0" indent="0">
+              <a:buNone/>
+            </a:pPr>
+            <a:r>
+              <a:rPr lang="en-US" b="1" dirty="0">
+                <a:solidFill>
+                  <a:srgbClr val="C00000"/>
+                </a:solidFill>
+              </a:rPr>
+              <a:t>Thought → Action → Observation → [repeat until done]</a:t>
+            </a:r>
+          </a:p>
+        </p:txBody>
+      </p:sp>
+    </p:spTree>
+    <p:extLst>
+      <p:ext uri="{BB962C8B-B14F-4D97-AF65-F5344CB8AC3E}">
+        <p14:creationId xmlns:p14="http://schemas.microsoft.com/office/powerpoint/2010/main" val="3697046097"/>
+      </p:ext>
+    </p:extLst>
+  </p:cSld>
+  <p:clrMapOvr>
+    <a:masterClrMapping/>
+  </p:clrMapOvr>
+</p:sld>
+</file>
+
+<file path=ppt/slides/slide47.xml><?xml version="1.0" encoding="utf-8"?>
+<p:sld xmlns:a="http://schemas.openxmlformats.org/drawingml/2006/main" xmlns:r="http://schemas.openxmlformats.org/officeDocument/2006/relationships" xmlns:p="http://schemas.openxmlformats.org/presentationml/2006/main">
+  <p:cSld>
+    <p:spTree>
+      <p:nvGrpSpPr>
+        <p:cNvPr id="1" name="">
+          <a:extLst>
+            <a:ext uri="{FF2B5EF4-FFF2-40B4-BE49-F238E27FC236}">
+              <a16:creationId xmlns:a16="http://schemas.microsoft.com/office/drawing/2014/main" id="{1EBD239F-0BAC-6CEE-6D4A-8622088B2263}"/>
+            </a:ext>
+          </a:extLst>
+        </p:cNvPr>
+        <p:cNvGrpSpPr/>
+        <p:nvPr/>
+      </p:nvGrpSpPr>
+      <p:grpSpPr>
+        <a:xfrm>
+          <a:off x="0" y="0"/>
+          <a:ext cx="0" cy="0"/>
+          <a:chOff x="0" y="0"/>
+          <a:chExt cx="0" cy="0"/>
+        </a:xfrm>
+      </p:grpSpPr>
+      <p:sp>
+        <p:nvSpPr>
+          <p:cNvPr id="2" name="Title 1">
+            <a:extLst>
+              <a:ext uri="{FF2B5EF4-FFF2-40B4-BE49-F238E27FC236}">
+                <a16:creationId xmlns:a16="http://schemas.microsoft.com/office/drawing/2014/main" id="{C40659AC-3698-9232-5D6E-E34B14178A20}"/>
+              </a:ext>
+            </a:extLst>
+          </p:cNvPr>
+          <p:cNvSpPr>
+            <a:spLocks noGrp="1"/>
+          </p:cNvSpPr>
+          <p:nvPr>
+            <p:ph type="title"/>
+          </p:nvPr>
+        </p:nvSpPr>
+        <p:spPr>
+          <a:xfrm>
+            <a:off x="838200" y="365125"/>
+            <a:ext cx="10515600" cy="916919"/>
+          </a:xfrm>
+        </p:spPr>
+        <p:txBody>
+          <a:bodyPr>
+            <a:noAutofit/>
+          </a:bodyPr>
+          <a:lstStyle/>
+          <a:p>
+            <a:r>
+              <a:rPr lang="en-US" sz="3600" b="1" dirty="0"/>
+              <a:t>Agent Loop</a:t>
+            </a:r>
+          </a:p>
+        </p:txBody>
+      </p:sp>
+      <p:sp>
+        <p:nvSpPr>
+          <p:cNvPr id="5" name="Content Placeholder 4">
+            <a:extLst>
+              <a:ext uri="{FF2B5EF4-FFF2-40B4-BE49-F238E27FC236}">
+                <a16:creationId xmlns:a16="http://schemas.microsoft.com/office/drawing/2014/main" id="{5E10637A-4950-1F5B-56C7-1B34C1C5FF34}"/>
+              </a:ext>
+            </a:extLst>
+          </p:cNvPr>
+          <p:cNvSpPr>
+            <a:spLocks noGrp="1"/>
+          </p:cNvSpPr>
+          <p:nvPr>
+            <p:ph idx="1"/>
+          </p:nvPr>
+        </p:nvSpPr>
+        <p:spPr>
+          <a:xfrm>
+            <a:off x="838200" y="1282044"/>
+            <a:ext cx="10515600" cy="4894919"/>
+          </a:xfrm>
+        </p:spPr>
+        <p:txBody>
+          <a:bodyPr>
+            <a:normAutofit/>
+          </a:bodyPr>
+          <a:lstStyle/>
+          <a:p>
+            <a:r>
+              <a:rPr lang="en-US" dirty="0"/>
+              <a:t>Agent has short term state, mean all conversation, so whatever task agent will do using tools, it will do by itself.</a:t>
+            </a:r>
+          </a:p>
+          <a:p>
+            <a:r>
+              <a:rPr lang="en-US" dirty="0"/>
+              <a:t>Lang chain and </a:t>
+            </a:r>
+            <a:r>
+              <a:rPr lang="en-US" dirty="0" err="1"/>
+              <a:t>Autogen</a:t>
+            </a:r>
+            <a:r>
+              <a:rPr lang="en-US" dirty="0"/>
+              <a:t> also were also doing the same</a:t>
+            </a:r>
+          </a:p>
+          <a:p>
+            <a:pPr marL="0" indent="0">
+              <a:buNone/>
+            </a:pPr>
+            <a:endParaRPr lang="en-US" dirty="0"/>
+          </a:p>
+        </p:txBody>
+      </p:sp>
+      <p:grpSp>
+        <p:nvGrpSpPr>
+          <p:cNvPr id="29" name="Group 28">
+            <a:extLst>
+              <a:ext uri="{FF2B5EF4-FFF2-40B4-BE49-F238E27FC236}">
+                <a16:creationId xmlns:a16="http://schemas.microsoft.com/office/drawing/2014/main" id="{76EB2358-010F-E47D-F9E9-991C6D297713}"/>
+              </a:ext>
+            </a:extLst>
+          </p:cNvPr>
+          <p:cNvGrpSpPr/>
+          <p:nvPr/>
+        </p:nvGrpSpPr>
+        <p:grpSpPr>
+          <a:xfrm>
+            <a:off x="1645535" y="3072876"/>
+            <a:ext cx="9361025" cy="3237729"/>
+            <a:chOff x="1992775" y="2760360"/>
+            <a:chExt cx="9361025" cy="3237729"/>
+          </a:xfrm>
+        </p:grpSpPr>
+        <p:grpSp>
+          <p:nvGrpSpPr>
+            <p:cNvPr id="12" name="Group 11">
+              <a:extLst>
+                <a:ext uri="{FF2B5EF4-FFF2-40B4-BE49-F238E27FC236}">
+                  <a16:creationId xmlns:a16="http://schemas.microsoft.com/office/drawing/2014/main" id="{50AFBB9B-DA91-21FF-7CA3-0905AAC5FC89}"/>
+                </a:ext>
+              </a:extLst>
+            </p:cNvPr>
+            <p:cNvGrpSpPr/>
+            <p:nvPr/>
+          </p:nvGrpSpPr>
+          <p:grpSpPr>
+            <a:xfrm>
+              <a:off x="1992775" y="2928497"/>
+              <a:ext cx="6261904" cy="2990974"/>
+              <a:chOff x="1076445" y="2188697"/>
+              <a:chExt cx="6261904" cy="2990974"/>
+            </a:xfrm>
+          </p:grpSpPr>
+          <p:sp>
+            <p:nvSpPr>
+              <p:cNvPr id="3" name="Rectangle: Rounded Corners 2">
+                <a:extLst>
+                  <a:ext uri="{FF2B5EF4-FFF2-40B4-BE49-F238E27FC236}">
+                    <a16:creationId xmlns:a16="http://schemas.microsoft.com/office/drawing/2014/main" id="{8F4B754E-E79B-D67A-D20D-C2665A898C84}"/>
+                  </a:ext>
+                </a:extLst>
+              </p:cNvPr>
+              <p:cNvSpPr/>
+              <p:nvPr/>
+            </p:nvSpPr>
+            <p:spPr>
+              <a:xfrm>
+                <a:off x="3634450" y="2188697"/>
+                <a:ext cx="3703899" cy="554503"/>
+              </a:xfrm>
+              <a:prstGeom prst="roundRect">
+                <a:avLst/>
+              </a:prstGeom>
+            </p:spPr>
+            <p:style>
+              <a:lnRef idx="1">
+                <a:schemeClr val="accent4"/>
+              </a:lnRef>
+              <a:fillRef idx="2">
+                <a:schemeClr val="accent4"/>
+              </a:fillRef>
+              <a:effectRef idx="1">
+                <a:schemeClr val="accent4"/>
+              </a:effectRef>
+              <a:fontRef idx="minor">
+                <a:schemeClr val="dk1"/>
+              </a:fontRef>
+            </p:style>
+            <p:txBody>
+              <a:bodyPr rtlCol="0" anchor="ctr"/>
+              <a:lstStyle/>
+              <a:p>
+                <a:pPr algn="ctr"/>
+                <a:r>
+                  <a:rPr lang="en-US" dirty="0"/>
+                  <a:t>Agent Loop (OpenAI SDK)</a:t>
+                </a:r>
+                <a:endParaRPr lang="en-PK" dirty="0"/>
+              </a:p>
+            </p:txBody>
+          </p:sp>
+          <p:sp>
+            <p:nvSpPr>
+              <p:cNvPr id="4" name="Rectangle: Rounded Corners 3">
+                <a:extLst>
+                  <a:ext uri="{FF2B5EF4-FFF2-40B4-BE49-F238E27FC236}">
+                    <a16:creationId xmlns:a16="http://schemas.microsoft.com/office/drawing/2014/main" id="{C59CFEA9-7520-E832-0D2B-5D9A7E36CEC1}"/>
+                  </a:ext>
+                </a:extLst>
+              </p:cNvPr>
+              <p:cNvSpPr/>
+              <p:nvPr/>
+            </p:nvSpPr>
+            <p:spPr>
+              <a:xfrm>
+                <a:off x="3634449" y="3000854"/>
+                <a:ext cx="3703899" cy="554503"/>
+              </a:xfrm>
+              <a:prstGeom prst="roundRect">
+                <a:avLst/>
+              </a:prstGeom>
+            </p:spPr>
+            <p:style>
+              <a:lnRef idx="1">
+                <a:schemeClr val="accent4"/>
+              </a:lnRef>
+              <a:fillRef idx="2">
+                <a:schemeClr val="accent4"/>
+              </a:fillRef>
+              <a:effectRef idx="1">
+                <a:schemeClr val="accent4"/>
+              </a:effectRef>
+              <a:fontRef idx="minor">
+                <a:schemeClr val="dk1"/>
+              </a:fontRef>
+            </p:style>
+            <p:txBody>
+              <a:bodyPr rtlCol="0" anchor="ctr"/>
+              <a:lstStyle/>
+              <a:p>
+                <a:pPr algn="ctr"/>
+                <a:r>
+                  <a:rPr lang="en-US" dirty="0"/>
+                  <a:t>Chat Completion/Response API</a:t>
+                </a:r>
+                <a:endParaRPr lang="en-PK" dirty="0"/>
+              </a:p>
+            </p:txBody>
+          </p:sp>
+          <p:sp>
+            <p:nvSpPr>
+              <p:cNvPr id="6" name="Rectangle: Rounded Corners 5">
+                <a:extLst>
+                  <a:ext uri="{FF2B5EF4-FFF2-40B4-BE49-F238E27FC236}">
+                    <a16:creationId xmlns:a16="http://schemas.microsoft.com/office/drawing/2014/main" id="{CA227CC4-1B64-CEBC-59F3-E0857DFC6ADB}"/>
+                  </a:ext>
+                </a:extLst>
+              </p:cNvPr>
+              <p:cNvSpPr/>
+              <p:nvPr/>
+            </p:nvSpPr>
+            <p:spPr>
+              <a:xfrm>
+                <a:off x="3634448" y="3813011"/>
+                <a:ext cx="3703899" cy="554503"/>
+              </a:xfrm>
+              <a:prstGeom prst="roundRect">
+                <a:avLst/>
+              </a:prstGeom>
+            </p:spPr>
+            <p:style>
+              <a:lnRef idx="1">
+                <a:schemeClr val="accent4"/>
+              </a:lnRef>
+              <a:fillRef idx="2">
+                <a:schemeClr val="accent4"/>
+              </a:fillRef>
+              <a:effectRef idx="1">
+                <a:schemeClr val="accent4"/>
+              </a:effectRef>
+              <a:fontRef idx="minor">
+                <a:schemeClr val="dk1"/>
+              </a:fontRef>
+            </p:style>
+            <p:txBody>
+              <a:bodyPr rtlCol="0" anchor="ctr"/>
+              <a:lstStyle/>
+              <a:p>
+                <a:pPr algn="ctr"/>
+                <a:r>
+                  <a:rPr lang="en-US" dirty="0"/>
+                  <a:t>Rest API</a:t>
+                </a:r>
+                <a:endParaRPr lang="en-PK" dirty="0"/>
+              </a:p>
+            </p:txBody>
+          </p:sp>
+          <p:sp>
+            <p:nvSpPr>
+              <p:cNvPr id="7" name="Rectangle: Rounded Corners 6">
+                <a:extLst>
+                  <a:ext uri="{FF2B5EF4-FFF2-40B4-BE49-F238E27FC236}">
+                    <a16:creationId xmlns:a16="http://schemas.microsoft.com/office/drawing/2014/main" id="{3EBB4544-36E5-C105-1833-81A8F62648DE}"/>
+                  </a:ext>
+                </a:extLst>
+              </p:cNvPr>
+              <p:cNvSpPr/>
+              <p:nvPr/>
+            </p:nvSpPr>
+            <p:spPr>
+              <a:xfrm>
+                <a:off x="3634447" y="4625168"/>
+                <a:ext cx="3703899" cy="554503"/>
+              </a:xfrm>
+              <a:prstGeom prst="roundRect">
+                <a:avLst/>
+              </a:prstGeom>
+            </p:spPr>
+            <p:style>
+              <a:lnRef idx="1">
+                <a:schemeClr val="accent4"/>
+              </a:lnRef>
+              <a:fillRef idx="2">
+                <a:schemeClr val="accent4"/>
+              </a:fillRef>
+              <a:effectRef idx="1">
+                <a:schemeClr val="accent4"/>
+              </a:effectRef>
+              <a:fontRef idx="minor">
+                <a:schemeClr val="dk1"/>
+              </a:fontRef>
+            </p:style>
+            <p:txBody>
+              <a:bodyPr rtlCol="0" anchor="ctr"/>
+              <a:lstStyle/>
+              <a:p>
+                <a:pPr algn="ctr"/>
+                <a:r>
+                  <a:rPr lang="en-US" dirty="0"/>
+                  <a:t>LLM (Stateless)</a:t>
+                </a:r>
+                <a:endParaRPr lang="en-PK" dirty="0"/>
+              </a:p>
+            </p:txBody>
+          </p:sp>
+          <p:sp>
+            <p:nvSpPr>
+              <p:cNvPr id="8" name="Rectangle 7">
+                <a:extLst>
+                  <a:ext uri="{FF2B5EF4-FFF2-40B4-BE49-F238E27FC236}">
+                    <a16:creationId xmlns:a16="http://schemas.microsoft.com/office/drawing/2014/main" id="{10E4625A-9C40-953A-20F0-24B753F6753B}"/>
+                  </a:ext>
+                </a:extLst>
+              </p:cNvPr>
+              <p:cNvSpPr/>
+              <p:nvPr/>
+            </p:nvSpPr>
+            <p:spPr>
+              <a:xfrm>
+                <a:off x="1076445" y="4625168"/>
+                <a:ext cx="1481560" cy="554503"/>
+              </a:xfrm>
+              <a:prstGeom prst="rect">
+                <a:avLst/>
+              </a:prstGeom>
+            </p:spPr>
+            <p:style>
+              <a:lnRef idx="1">
+                <a:schemeClr val="accent5"/>
+              </a:lnRef>
+              <a:fillRef idx="2">
+                <a:schemeClr val="accent5"/>
+              </a:fillRef>
+              <a:effectRef idx="1">
+                <a:schemeClr val="accent5"/>
+              </a:effectRef>
+              <a:fontRef idx="minor">
+                <a:schemeClr val="dk1"/>
+              </a:fontRef>
+            </p:style>
+            <p:txBody>
+              <a:bodyPr rtlCol="0" anchor="ctr"/>
+              <a:lstStyle/>
+              <a:p>
+                <a:pPr algn="ctr"/>
+                <a:r>
+                  <a:rPr lang="en-US" dirty="0"/>
+                  <a:t>Bottom Layer</a:t>
+                </a:r>
+                <a:endParaRPr lang="en-PK" dirty="0"/>
+              </a:p>
+            </p:txBody>
+          </p:sp>
+          <p:sp>
+            <p:nvSpPr>
+              <p:cNvPr id="9" name="Rectangle 8">
+                <a:extLst>
+                  <a:ext uri="{FF2B5EF4-FFF2-40B4-BE49-F238E27FC236}">
+                    <a16:creationId xmlns:a16="http://schemas.microsoft.com/office/drawing/2014/main" id="{AA78AD74-EF4F-9869-7178-E3876CFBB88F}"/>
+                  </a:ext>
+                </a:extLst>
+              </p:cNvPr>
+              <p:cNvSpPr/>
+              <p:nvPr/>
+            </p:nvSpPr>
+            <p:spPr>
+              <a:xfrm>
+                <a:off x="1076445" y="3813011"/>
+                <a:ext cx="1481560" cy="554503"/>
+              </a:xfrm>
+              <a:prstGeom prst="rect">
+                <a:avLst/>
+              </a:prstGeom>
+            </p:spPr>
+            <p:style>
+              <a:lnRef idx="1">
+                <a:schemeClr val="accent5"/>
+              </a:lnRef>
+              <a:fillRef idx="2">
+                <a:schemeClr val="accent5"/>
+              </a:fillRef>
+              <a:effectRef idx="1">
+                <a:schemeClr val="accent5"/>
+              </a:effectRef>
+              <a:fontRef idx="minor">
+                <a:schemeClr val="dk1"/>
+              </a:fontRef>
+            </p:style>
+            <p:txBody>
+              <a:bodyPr rtlCol="0" anchor="ctr"/>
+              <a:lstStyle/>
+              <a:p>
+                <a:pPr algn="ctr"/>
+                <a:r>
+                  <a:rPr lang="en-US" dirty="0"/>
+                  <a:t>First Layer</a:t>
+                </a:r>
+                <a:endParaRPr lang="en-PK" dirty="0"/>
+              </a:p>
+            </p:txBody>
+          </p:sp>
+          <p:sp>
+            <p:nvSpPr>
+              <p:cNvPr id="10" name="Rectangle 9">
+                <a:extLst>
+                  <a:ext uri="{FF2B5EF4-FFF2-40B4-BE49-F238E27FC236}">
+                    <a16:creationId xmlns:a16="http://schemas.microsoft.com/office/drawing/2014/main" id="{B394B370-8CDC-2E59-1959-83B76FD3D094}"/>
+                  </a:ext>
+                </a:extLst>
+              </p:cNvPr>
+              <p:cNvSpPr/>
+              <p:nvPr/>
+            </p:nvSpPr>
+            <p:spPr>
+              <a:xfrm>
+                <a:off x="1076445" y="3000853"/>
+                <a:ext cx="1481560" cy="554503"/>
+              </a:xfrm>
+              <a:prstGeom prst="rect">
+                <a:avLst/>
+              </a:prstGeom>
+            </p:spPr>
+            <p:style>
+              <a:lnRef idx="1">
+                <a:schemeClr val="accent5"/>
+              </a:lnRef>
+              <a:fillRef idx="2">
+                <a:schemeClr val="accent5"/>
+              </a:fillRef>
+              <a:effectRef idx="1">
+                <a:schemeClr val="accent5"/>
+              </a:effectRef>
+              <a:fontRef idx="minor">
+                <a:schemeClr val="dk1"/>
+              </a:fontRef>
+            </p:style>
+            <p:txBody>
+              <a:bodyPr rtlCol="0" anchor="ctr"/>
+              <a:lstStyle/>
+              <a:p>
+                <a:pPr algn="ctr"/>
+                <a:r>
+                  <a:rPr lang="en-US" dirty="0"/>
+                  <a:t>Second Layer</a:t>
+                </a:r>
+                <a:endParaRPr lang="en-PK" dirty="0"/>
+              </a:p>
+            </p:txBody>
+          </p:sp>
+          <p:sp>
+            <p:nvSpPr>
+              <p:cNvPr id="11" name="Rectangle 10">
+                <a:extLst>
+                  <a:ext uri="{FF2B5EF4-FFF2-40B4-BE49-F238E27FC236}">
+                    <a16:creationId xmlns:a16="http://schemas.microsoft.com/office/drawing/2014/main" id="{90CF84FE-FEE6-830B-323D-AFABDE0541DB}"/>
+                  </a:ext>
+                </a:extLst>
+              </p:cNvPr>
+              <p:cNvSpPr/>
+              <p:nvPr/>
+            </p:nvSpPr>
+            <p:spPr>
+              <a:xfrm>
+                <a:off x="1076445" y="2188697"/>
+                <a:ext cx="1481560" cy="554503"/>
+              </a:xfrm>
+              <a:prstGeom prst="rect">
+                <a:avLst/>
+              </a:prstGeom>
+            </p:spPr>
+            <p:style>
+              <a:lnRef idx="1">
+                <a:schemeClr val="accent5"/>
+              </a:lnRef>
+              <a:fillRef idx="2">
+                <a:schemeClr val="accent5"/>
+              </a:fillRef>
+              <a:effectRef idx="1">
+                <a:schemeClr val="accent5"/>
+              </a:effectRef>
+              <a:fontRef idx="minor">
+                <a:schemeClr val="dk1"/>
+              </a:fontRef>
+            </p:style>
+            <p:txBody>
+              <a:bodyPr rtlCol="0" anchor="ctr"/>
+              <a:lstStyle/>
+              <a:p>
+                <a:pPr algn="ctr"/>
+                <a:r>
+                  <a:rPr lang="en-US" dirty="0"/>
+                  <a:t>Top Layer</a:t>
+                </a:r>
+                <a:endParaRPr lang="en-PK" dirty="0"/>
+              </a:p>
+            </p:txBody>
+          </p:sp>
+        </p:grpSp>
+        <p:sp>
+          <p:nvSpPr>
+            <p:cNvPr id="13" name="Rectangle 12">
+              <a:extLst>
+                <a:ext uri="{FF2B5EF4-FFF2-40B4-BE49-F238E27FC236}">
+                  <a16:creationId xmlns:a16="http://schemas.microsoft.com/office/drawing/2014/main" id="{9CEB76DB-EF08-4302-D9F6-3B84809DD3DD}"/>
+                </a:ext>
+              </a:extLst>
+            </p:cNvPr>
+            <p:cNvSpPr/>
+            <p:nvPr/>
+          </p:nvSpPr>
+          <p:spPr>
+            <a:xfrm>
+              <a:off x="8717667" y="5107314"/>
+              <a:ext cx="2636133" cy="890775"/>
+            </a:xfrm>
+            <a:prstGeom prst="rect">
+              <a:avLst/>
+            </a:prstGeom>
+          </p:spPr>
+          <p:style>
+            <a:lnRef idx="1">
+              <a:schemeClr val="accent6"/>
+            </a:lnRef>
+            <a:fillRef idx="2">
+              <a:schemeClr val="accent6"/>
+            </a:fillRef>
+            <a:effectRef idx="1">
+              <a:schemeClr val="accent6"/>
+            </a:effectRef>
+            <a:fontRef idx="minor">
+              <a:schemeClr val="dk1"/>
+            </a:fontRef>
+          </p:style>
+          <p:txBody>
+            <a:bodyPr rtlCol="0" anchor="ctr"/>
+            <a:lstStyle/>
+            <a:p>
+              <a:r>
+                <a:rPr lang="en-US" dirty="0"/>
+                <a:t>Output</a:t>
+              </a:r>
+            </a:p>
+            <a:p>
+              <a:pPr marL="285750" indent="-285750">
+                <a:buFontTx/>
+                <a:buChar char="-"/>
+              </a:pPr>
+              <a:r>
+                <a:rPr lang="en-US" dirty="0"/>
+                <a:t>Modality (text/audio)</a:t>
+              </a:r>
+            </a:p>
+            <a:p>
+              <a:pPr marL="285750" indent="-285750">
+                <a:buFontTx/>
+                <a:buChar char="-"/>
+              </a:pPr>
+              <a:r>
+                <a:rPr lang="en-US" dirty="0"/>
+                <a:t>Action (Tool call)</a:t>
+              </a:r>
+              <a:endParaRPr lang="en-PK" dirty="0"/>
+            </a:p>
+          </p:txBody>
+        </p:sp>
+        <p:sp>
+          <p:nvSpPr>
+            <p:cNvPr id="14" name="Rectangle 13">
+              <a:extLst>
+                <a:ext uri="{FF2B5EF4-FFF2-40B4-BE49-F238E27FC236}">
+                  <a16:creationId xmlns:a16="http://schemas.microsoft.com/office/drawing/2014/main" id="{33C70F62-EA02-D697-DECA-15EDCF470D4E}"/>
+                </a:ext>
+              </a:extLst>
+            </p:cNvPr>
+            <p:cNvSpPr/>
+            <p:nvPr/>
+          </p:nvSpPr>
+          <p:spPr>
+            <a:xfrm>
+              <a:off x="8717666" y="2760360"/>
+              <a:ext cx="2636133" cy="1429675"/>
+            </a:xfrm>
+            <a:prstGeom prst="rect">
+              <a:avLst/>
+            </a:prstGeom>
+          </p:spPr>
+          <p:style>
+            <a:lnRef idx="1">
+              <a:schemeClr val="accent6"/>
+            </a:lnRef>
+            <a:fillRef idx="2">
+              <a:schemeClr val="accent6"/>
+            </a:fillRef>
+            <a:effectRef idx="1">
+              <a:schemeClr val="accent6"/>
+            </a:effectRef>
+            <a:fontRef idx="minor">
+              <a:schemeClr val="dk1"/>
+            </a:fontRef>
+          </p:style>
+          <p:txBody>
+            <a:bodyPr rtlCol="0" anchor="ctr"/>
+            <a:lstStyle/>
+            <a:p>
+              <a:r>
+                <a:rPr lang="en-US" dirty="0"/>
+                <a:t>Agent Loop</a:t>
+              </a:r>
+            </a:p>
+            <a:p>
+              <a:pPr marL="285750" indent="-285750">
+                <a:buFontTx/>
+                <a:buChar char="-"/>
+              </a:pPr>
+              <a:r>
+                <a:rPr lang="en-US" dirty="0"/>
+                <a:t>System Prompt</a:t>
+              </a:r>
+            </a:p>
+            <a:p>
+              <a:pPr marL="285750" indent="-285750">
+                <a:buFontTx/>
+                <a:buChar char="-"/>
+              </a:pPr>
+              <a:r>
+                <a:rPr lang="en-US" dirty="0"/>
+                <a:t>User Request</a:t>
+              </a:r>
+            </a:p>
+            <a:p>
+              <a:pPr marL="285750" indent="-285750">
+                <a:buFontTx/>
+                <a:buChar char="-"/>
+              </a:pPr>
+              <a:r>
+                <a:rPr lang="en-US" dirty="0"/>
+                <a:t>Tool Calling</a:t>
+              </a:r>
+            </a:p>
+            <a:p>
+              <a:pPr marL="285750" indent="-285750">
+                <a:buFontTx/>
+                <a:buChar char="-"/>
+              </a:pPr>
+              <a:r>
+                <a:rPr lang="en-US" dirty="0" err="1"/>
+                <a:t>HandOff</a:t>
+              </a:r>
+              <a:endParaRPr lang="en-US" dirty="0"/>
+            </a:p>
+          </p:txBody>
+        </p:sp>
+        <p:cxnSp>
+          <p:nvCxnSpPr>
+            <p:cNvPr id="16" name="Straight Arrow Connector 15">
+              <a:extLst>
+                <a:ext uri="{FF2B5EF4-FFF2-40B4-BE49-F238E27FC236}">
+                  <a16:creationId xmlns:a16="http://schemas.microsoft.com/office/drawing/2014/main" id="{39E81895-E339-2C88-9AD7-8F8F75B3BBA7}"/>
+                </a:ext>
+              </a:extLst>
+            </p:cNvPr>
+            <p:cNvCxnSpPr>
+              <a:stCxn id="14" idx="1"/>
+              <a:endCxn id="3" idx="3"/>
+            </p:cNvCxnSpPr>
+            <p:nvPr/>
+          </p:nvCxnSpPr>
+          <p:spPr>
+            <a:xfrm flipH="1" flipV="1">
+              <a:off x="8254679" y="3205749"/>
+              <a:ext cx="462987" cy="269449"/>
+            </a:xfrm>
+            <a:prstGeom prst="straightConnector1">
+              <a:avLst/>
+            </a:prstGeom>
+            <a:ln>
+              <a:tailEnd type="triangle"/>
+            </a:ln>
+          </p:spPr>
+          <p:style>
+            <a:lnRef idx="3">
+              <a:schemeClr val="dk1"/>
+            </a:lnRef>
+            <a:fillRef idx="0">
+              <a:schemeClr val="dk1"/>
+            </a:fillRef>
+            <a:effectRef idx="2">
+              <a:schemeClr val="dk1"/>
+            </a:effectRef>
+            <a:fontRef idx="minor">
+              <a:schemeClr val="tx1"/>
+            </a:fontRef>
+          </p:style>
+        </p:cxnSp>
+        <p:cxnSp>
+          <p:nvCxnSpPr>
+            <p:cNvPr id="17" name="Straight Arrow Connector 16">
+              <a:extLst>
+                <a:ext uri="{FF2B5EF4-FFF2-40B4-BE49-F238E27FC236}">
+                  <a16:creationId xmlns:a16="http://schemas.microsoft.com/office/drawing/2014/main" id="{7088FFFC-EEFC-551A-C35E-624D996EDF19}"/>
+                </a:ext>
+              </a:extLst>
+            </p:cNvPr>
+            <p:cNvCxnSpPr>
+              <a:cxnSpLocks/>
+              <a:stCxn id="13" idx="1"/>
+              <a:endCxn id="7" idx="3"/>
+            </p:cNvCxnSpPr>
+            <p:nvPr/>
+          </p:nvCxnSpPr>
+          <p:spPr>
+            <a:xfrm flipH="1">
+              <a:off x="8254676" y="5552702"/>
+              <a:ext cx="462991" cy="89518"/>
+            </a:xfrm>
+            <a:prstGeom prst="straightConnector1">
+              <a:avLst/>
+            </a:prstGeom>
+            <a:ln>
+              <a:tailEnd type="triangle"/>
+            </a:ln>
+          </p:spPr>
+          <p:style>
+            <a:lnRef idx="3">
+              <a:schemeClr val="dk1"/>
+            </a:lnRef>
+            <a:fillRef idx="0">
+              <a:schemeClr val="dk1"/>
+            </a:fillRef>
+            <a:effectRef idx="2">
+              <a:schemeClr val="dk1"/>
+            </a:effectRef>
+            <a:fontRef idx="minor">
+              <a:schemeClr val="tx1"/>
+            </a:fontRef>
+          </p:style>
+        </p:cxnSp>
+        <p:cxnSp>
+          <p:nvCxnSpPr>
+            <p:cNvPr id="20" name="Straight Arrow Connector 19">
+              <a:extLst>
+                <a:ext uri="{FF2B5EF4-FFF2-40B4-BE49-F238E27FC236}">
+                  <a16:creationId xmlns:a16="http://schemas.microsoft.com/office/drawing/2014/main" id="{668D5D31-394E-4568-E7AF-84A542FBF985}"/>
+                </a:ext>
+              </a:extLst>
+            </p:cNvPr>
+            <p:cNvCxnSpPr>
+              <a:cxnSpLocks/>
+              <a:stCxn id="7" idx="0"/>
+              <a:endCxn id="6" idx="2"/>
+            </p:cNvCxnSpPr>
+            <p:nvPr/>
+          </p:nvCxnSpPr>
+          <p:spPr>
+            <a:xfrm flipV="1">
+              <a:off x="6402727" y="5107314"/>
+              <a:ext cx="1" cy="257654"/>
+            </a:xfrm>
+            <a:prstGeom prst="straightConnector1">
+              <a:avLst/>
+            </a:prstGeom>
+            <a:ln>
+              <a:tailEnd type="triangle"/>
+            </a:ln>
+          </p:spPr>
+          <p:style>
+            <a:lnRef idx="3">
+              <a:schemeClr val="dk1"/>
+            </a:lnRef>
+            <a:fillRef idx="0">
+              <a:schemeClr val="dk1"/>
+            </a:fillRef>
+            <a:effectRef idx="2">
+              <a:schemeClr val="dk1"/>
+            </a:effectRef>
+            <a:fontRef idx="minor">
+              <a:schemeClr val="tx1"/>
+            </a:fontRef>
+          </p:style>
+        </p:cxnSp>
+        <p:cxnSp>
+          <p:nvCxnSpPr>
+            <p:cNvPr id="23" name="Straight Arrow Connector 22">
+              <a:extLst>
+                <a:ext uri="{FF2B5EF4-FFF2-40B4-BE49-F238E27FC236}">
+                  <a16:creationId xmlns:a16="http://schemas.microsoft.com/office/drawing/2014/main" id="{166502B8-B638-82E8-5F65-DDDDDC568F4A}"/>
+                </a:ext>
+              </a:extLst>
+            </p:cNvPr>
+            <p:cNvCxnSpPr>
+              <a:cxnSpLocks/>
+              <a:stCxn id="6" idx="0"/>
+              <a:endCxn id="4" idx="2"/>
+            </p:cNvCxnSpPr>
+            <p:nvPr/>
+          </p:nvCxnSpPr>
+          <p:spPr>
+            <a:xfrm flipV="1">
+              <a:off x="6402728" y="4295157"/>
+              <a:ext cx="1" cy="257654"/>
+            </a:xfrm>
+            <a:prstGeom prst="straightConnector1">
+              <a:avLst/>
+            </a:prstGeom>
+            <a:ln>
+              <a:tailEnd type="triangle"/>
+            </a:ln>
+          </p:spPr>
+          <p:style>
+            <a:lnRef idx="3">
+              <a:schemeClr val="dk1"/>
+            </a:lnRef>
+            <a:fillRef idx="0">
+              <a:schemeClr val="dk1"/>
+            </a:fillRef>
+            <a:effectRef idx="2">
+              <a:schemeClr val="dk1"/>
+            </a:effectRef>
+            <a:fontRef idx="minor">
+              <a:schemeClr val="tx1"/>
+            </a:fontRef>
+          </p:style>
+        </p:cxnSp>
+        <p:cxnSp>
+          <p:nvCxnSpPr>
+            <p:cNvPr id="26" name="Straight Arrow Connector 25">
+              <a:extLst>
+                <a:ext uri="{FF2B5EF4-FFF2-40B4-BE49-F238E27FC236}">
+                  <a16:creationId xmlns:a16="http://schemas.microsoft.com/office/drawing/2014/main" id="{8F7C8E4F-0A1F-397C-A776-BE9865D57BDE}"/>
+                </a:ext>
+              </a:extLst>
+            </p:cNvPr>
+            <p:cNvCxnSpPr>
+              <a:cxnSpLocks/>
+              <a:stCxn id="4" idx="0"/>
+              <a:endCxn id="3" idx="2"/>
+            </p:cNvCxnSpPr>
+            <p:nvPr/>
+          </p:nvCxnSpPr>
+          <p:spPr>
+            <a:xfrm flipV="1">
+              <a:off x="6402729" y="3483000"/>
+              <a:ext cx="1" cy="257654"/>
+            </a:xfrm>
+            <a:prstGeom prst="straightConnector1">
+              <a:avLst/>
+            </a:prstGeom>
+            <a:ln>
+              <a:tailEnd type="triangle"/>
+            </a:ln>
+          </p:spPr>
+          <p:style>
+            <a:lnRef idx="3">
+              <a:schemeClr val="dk1"/>
+            </a:lnRef>
+            <a:fillRef idx="0">
+              <a:schemeClr val="dk1"/>
+            </a:fillRef>
+            <a:effectRef idx="2">
+              <a:schemeClr val="dk1"/>
+            </a:effectRef>
+            <a:fontRef idx="minor">
+              <a:schemeClr val="tx1"/>
+            </a:fontRef>
+          </p:style>
+        </p:cxnSp>
+      </p:grpSp>
+    </p:spTree>
+    <p:extLst>
+      <p:ext uri="{BB962C8B-B14F-4D97-AF65-F5344CB8AC3E}">
+        <p14:creationId xmlns:p14="http://schemas.microsoft.com/office/powerpoint/2010/main" val="695556118"/>
+      </p:ext>
+    </p:extLst>
+  </p:cSld>
+  <p:clrMapOvr>
+    <a:masterClrMapping/>
+  </p:clrMapOvr>
+</p:sld>
+</file>
+
+<file path=ppt/slides/slide48.xml><?xml version="1.0" encoding="utf-8"?>
+<p:sld xmlns:a="http://schemas.openxmlformats.org/drawingml/2006/main" xmlns:r="http://schemas.openxmlformats.org/officeDocument/2006/relationships" xmlns:p="http://schemas.openxmlformats.org/presentationml/2006/main">
+  <p:cSld>
+    <p:spTree>
+      <p:nvGrpSpPr>
+        <p:cNvPr id="1" name="">
+          <a:extLst>
+            <a:ext uri="{FF2B5EF4-FFF2-40B4-BE49-F238E27FC236}">
+              <a16:creationId xmlns:a16="http://schemas.microsoft.com/office/drawing/2014/main" id="{A8717257-DA3F-3415-5598-43AC2FDFB303}"/>
+            </a:ext>
+          </a:extLst>
+        </p:cNvPr>
+        <p:cNvGrpSpPr/>
+        <p:nvPr/>
+      </p:nvGrpSpPr>
+      <p:grpSpPr>
+        <a:xfrm>
+          <a:off x="0" y="0"/>
+          <a:ext cx="0" cy="0"/>
+          <a:chOff x="0" y="0"/>
+          <a:chExt cx="0" cy="0"/>
+        </a:xfrm>
+      </p:grpSpPr>
+      <p:sp>
+        <p:nvSpPr>
+          <p:cNvPr id="2" name="Title 1">
+            <a:extLst>
+              <a:ext uri="{FF2B5EF4-FFF2-40B4-BE49-F238E27FC236}">
+                <a16:creationId xmlns:a16="http://schemas.microsoft.com/office/drawing/2014/main" id="{0A68EA8A-9278-7B4F-64D2-F791E1EC63FA}"/>
+              </a:ext>
+            </a:extLst>
+          </p:cNvPr>
+          <p:cNvSpPr>
+            <a:spLocks noGrp="1"/>
+          </p:cNvSpPr>
+          <p:nvPr>
+            <p:ph type="title"/>
+          </p:nvPr>
+        </p:nvSpPr>
+        <p:spPr>
+          <a:xfrm>
+            <a:off x="838200" y="365125"/>
+            <a:ext cx="10515600" cy="916919"/>
+          </a:xfrm>
+        </p:spPr>
+        <p:txBody>
+          <a:bodyPr>
+            <a:noAutofit/>
+          </a:bodyPr>
+          <a:lstStyle/>
+          <a:p>
+            <a:r>
+              <a:rPr lang="en-US" sz="3600" b="1" dirty="0"/>
+              <a:t>Agent Loop / stateless LLMs</a:t>
+            </a:r>
+          </a:p>
+        </p:txBody>
+      </p:sp>
+      <p:sp>
+        <p:nvSpPr>
+          <p:cNvPr id="5" name="Content Placeholder 4">
+            <a:extLst>
+              <a:ext uri="{FF2B5EF4-FFF2-40B4-BE49-F238E27FC236}">
+                <a16:creationId xmlns:a16="http://schemas.microsoft.com/office/drawing/2014/main" id="{BF913B8E-BFD1-5F42-9BE5-08D875CE4E14}"/>
+              </a:ext>
+            </a:extLst>
+          </p:cNvPr>
+          <p:cNvSpPr>
+            <a:spLocks noGrp="1"/>
+          </p:cNvSpPr>
+          <p:nvPr>
+            <p:ph idx="1"/>
+          </p:nvPr>
+        </p:nvSpPr>
+        <p:spPr>
+          <a:xfrm>
+            <a:off x="838200" y="1282044"/>
+            <a:ext cx="10515600" cy="4894919"/>
+          </a:xfrm>
+        </p:spPr>
+        <p:txBody>
+          <a:bodyPr>
+            <a:normAutofit/>
+          </a:bodyPr>
+          <a:lstStyle/>
+          <a:p>
+            <a:r>
+              <a:rPr lang="en-US" dirty="0"/>
+              <a:t>All tools/functions will be called within this loop and all will be done by using OpenAI SDK.</a:t>
+            </a:r>
+          </a:p>
+          <a:p>
+            <a:r>
+              <a:rPr lang="en-US" b="1" i="1" dirty="0">
+                <a:solidFill>
+                  <a:srgbClr val="C00000"/>
+                </a:solidFill>
+              </a:rPr>
+              <a:t>First thing is</a:t>
+            </a:r>
+            <a:r>
+              <a:rPr lang="en-US" dirty="0"/>
+              <a:t> “Tools are called by Agent loop itself, depend on the user query.”</a:t>
+            </a:r>
+          </a:p>
+          <a:p>
+            <a:r>
+              <a:rPr lang="en-US" dirty="0"/>
+              <a:t>As we set LLMs have stateless protocol, so </a:t>
+            </a:r>
+            <a:r>
+              <a:rPr lang="en-US" b="1" dirty="0"/>
+              <a:t>how can we make agents which don’t remember anything?</a:t>
+            </a:r>
+            <a:r>
+              <a:rPr lang="en-US" dirty="0"/>
+              <a:t> </a:t>
+            </a:r>
+          </a:p>
+          <a:p>
+            <a:r>
+              <a:rPr lang="en-US" dirty="0"/>
+              <a:t>To resolve this problem, LLMs set that you can proceed 2 types of requests simultaneously, first is called </a:t>
+            </a:r>
+            <a:r>
+              <a:rPr lang="en-US" b="1" dirty="0"/>
+              <a:t>system prompt</a:t>
+            </a:r>
+            <a:r>
+              <a:rPr lang="en-US" dirty="0"/>
+              <a:t> other is </a:t>
+            </a:r>
+            <a:r>
+              <a:rPr lang="en-US" b="1" dirty="0"/>
+              <a:t>user prompt</a:t>
+            </a:r>
+            <a:r>
+              <a:rPr lang="en-US" dirty="0"/>
+              <a:t>.</a:t>
+            </a:r>
+          </a:p>
+          <a:p>
+            <a:r>
+              <a:rPr lang="en-US" dirty="0"/>
+              <a:t>So, the </a:t>
+            </a:r>
+            <a:r>
+              <a:rPr lang="en-US" b="1" i="1" dirty="0">
+                <a:solidFill>
+                  <a:srgbClr val="C00000"/>
+                </a:solidFill>
+              </a:rPr>
+              <a:t>second thing is</a:t>
+            </a:r>
+            <a:r>
+              <a:rPr lang="en-US" dirty="0"/>
+              <a:t>, “There are two types of prompts”</a:t>
+            </a:r>
+          </a:p>
+        </p:txBody>
+      </p:sp>
+    </p:spTree>
+    <p:extLst>
+      <p:ext uri="{BB962C8B-B14F-4D97-AF65-F5344CB8AC3E}">
+        <p14:creationId xmlns:p14="http://schemas.microsoft.com/office/powerpoint/2010/main" val="3726623678"/>
+      </p:ext>
+    </p:extLst>
+  </p:cSld>
+  <p:clrMapOvr>
+    <a:masterClrMapping/>
+  </p:clrMapOvr>
+</p:sld>
+</file>
+
+<file path=ppt/slides/slide49.xml><?xml version="1.0" encoding="utf-8"?>
+<p:sld xmlns:a="http://schemas.openxmlformats.org/drawingml/2006/main" xmlns:r="http://schemas.openxmlformats.org/officeDocument/2006/relationships" xmlns:p="http://schemas.openxmlformats.org/presentationml/2006/main">
+  <p:cSld>
+    <p:spTree>
+      <p:nvGrpSpPr>
+        <p:cNvPr id="1" name="">
+          <a:extLst>
+            <a:ext uri="{FF2B5EF4-FFF2-40B4-BE49-F238E27FC236}">
+              <a16:creationId xmlns:a16="http://schemas.microsoft.com/office/drawing/2014/main" id="{9AF7ADD4-5D67-CB74-3BC1-E4DFF8F02B3A}"/>
+            </a:ext>
+          </a:extLst>
+        </p:cNvPr>
+        <p:cNvGrpSpPr/>
+        <p:nvPr/>
+      </p:nvGrpSpPr>
+      <p:grpSpPr>
+        <a:xfrm>
+          <a:off x="0" y="0"/>
+          <a:ext cx="0" cy="0"/>
+          <a:chOff x="0" y="0"/>
+          <a:chExt cx="0" cy="0"/>
+        </a:xfrm>
+      </p:grpSpPr>
+      <p:sp>
+        <p:nvSpPr>
+          <p:cNvPr id="2" name="Title 1">
+            <a:extLst>
+              <a:ext uri="{FF2B5EF4-FFF2-40B4-BE49-F238E27FC236}">
+                <a16:creationId xmlns:a16="http://schemas.microsoft.com/office/drawing/2014/main" id="{2CC79E90-D7F3-591D-9669-35889424A29F}"/>
+              </a:ext>
+            </a:extLst>
+          </p:cNvPr>
+          <p:cNvSpPr>
+            <a:spLocks noGrp="1"/>
+          </p:cNvSpPr>
+          <p:nvPr>
+            <p:ph type="title"/>
+          </p:nvPr>
+        </p:nvSpPr>
+        <p:spPr>
+          <a:xfrm>
+            <a:off x="838200" y="365125"/>
+            <a:ext cx="10515600" cy="916919"/>
+          </a:xfrm>
+        </p:spPr>
+        <p:txBody>
+          <a:bodyPr>
+            <a:noAutofit/>
+          </a:bodyPr>
+          <a:lstStyle/>
+          <a:p>
+            <a:r>
+              <a:rPr lang="en-US" sz="3600" b="1" dirty="0"/>
+              <a:t>Agent Loop / stateless LLMs</a:t>
+            </a:r>
+          </a:p>
+        </p:txBody>
+      </p:sp>
+      <p:sp>
+        <p:nvSpPr>
+          <p:cNvPr id="5" name="Content Placeholder 4">
+            <a:extLst>
+              <a:ext uri="{FF2B5EF4-FFF2-40B4-BE49-F238E27FC236}">
+                <a16:creationId xmlns:a16="http://schemas.microsoft.com/office/drawing/2014/main" id="{BB20F167-931A-AA33-A332-2ECE81F0C0E2}"/>
+              </a:ext>
+            </a:extLst>
+          </p:cNvPr>
+          <p:cNvSpPr>
+            <a:spLocks noGrp="1"/>
+          </p:cNvSpPr>
+          <p:nvPr>
+            <p:ph idx="1"/>
+          </p:nvPr>
+        </p:nvSpPr>
+        <p:spPr>
+          <a:xfrm>
+            <a:off x="838200" y="1282044"/>
+            <a:ext cx="10515600" cy="4894919"/>
+          </a:xfrm>
+        </p:spPr>
+        <p:txBody>
+          <a:bodyPr>
+            <a:normAutofit fontScale="92500" lnSpcReduction="10000"/>
+          </a:bodyPr>
+          <a:lstStyle/>
+          <a:p>
+            <a:pPr marL="0" indent="0">
+              <a:buNone/>
+            </a:pPr>
+            <a:r>
+              <a:rPr lang="en-US" b="1" dirty="0">
+                <a:solidFill>
+                  <a:srgbClr val="C00000"/>
+                </a:solidFill>
+              </a:rPr>
+              <a:t>System Prompt</a:t>
+            </a:r>
+          </a:p>
+          <a:p>
+            <a:r>
+              <a:rPr lang="en-US" dirty="0"/>
+              <a:t>A </a:t>
+            </a:r>
+            <a:r>
+              <a:rPr lang="en-US" b="1" dirty="0"/>
+              <a:t>system prompt</a:t>
+            </a:r>
+            <a:r>
+              <a:rPr lang="en-US" dirty="0"/>
+              <a:t> is like a set of instructions or rules given to the AI before it starts the conversation.</a:t>
+            </a:r>
+          </a:p>
+          <a:p>
+            <a:r>
+              <a:rPr lang="en-US" u="sng" dirty="0"/>
+              <a:t>Example system prompt:</a:t>
+            </a:r>
+          </a:p>
+          <a:p>
+            <a:pPr lvl="1"/>
+            <a:r>
+              <a:rPr lang="en-US" dirty="0"/>
+              <a:t>“You are a helpful and friendly assistant who speaks simply and clearly.”🧠</a:t>
+            </a:r>
+          </a:p>
+          <a:p>
+            <a:r>
+              <a:rPr lang="en-US" dirty="0"/>
+              <a:t>The agent reads this first and keeps it in mind throughout the chat.</a:t>
+            </a:r>
+          </a:p>
+          <a:p>
+            <a:pPr marL="0" indent="0">
+              <a:buNone/>
+            </a:pPr>
+            <a:r>
+              <a:rPr lang="en-US" b="1" dirty="0">
+                <a:solidFill>
+                  <a:srgbClr val="C00000"/>
+                </a:solidFill>
+              </a:rPr>
+              <a:t>User Prompt</a:t>
+            </a:r>
+          </a:p>
+          <a:p>
+            <a:r>
+              <a:rPr lang="en-US" dirty="0"/>
+              <a:t>A </a:t>
+            </a:r>
+            <a:r>
+              <a:rPr lang="en-US" b="1" dirty="0"/>
+              <a:t>user prompt</a:t>
+            </a:r>
+            <a:r>
+              <a:rPr lang="en-US" dirty="0"/>
+              <a:t> is what the user says or asks during the conversation.</a:t>
+            </a:r>
+          </a:p>
+          <a:p>
+            <a:r>
+              <a:rPr lang="en-US" u="sng" dirty="0"/>
+              <a:t>Example user prompt:</a:t>
+            </a:r>
+          </a:p>
+          <a:p>
+            <a:pPr lvl="1"/>
+            <a:r>
+              <a:rPr lang="en-US" dirty="0"/>
+              <a:t>“Can you explain how gravity works in simple terms?”</a:t>
+            </a:r>
+          </a:p>
+          <a:p>
+            <a:r>
+              <a:rPr lang="en-US" dirty="0"/>
+              <a:t>The AI uses both the system prompt and user prompt together to decide how to answer.</a:t>
+            </a:r>
+          </a:p>
+          <a:p>
+            <a:endParaRPr lang="en-US" dirty="0"/>
+          </a:p>
+          <a:p>
+            <a:endParaRPr lang="en-US" dirty="0"/>
+          </a:p>
+        </p:txBody>
+      </p:sp>
+    </p:spTree>
+    <p:extLst>
+      <p:ext uri="{BB962C8B-B14F-4D97-AF65-F5344CB8AC3E}">
+        <p14:creationId xmlns:p14="http://schemas.microsoft.com/office/powerpoint/2010/main" val="617939289"/>
+      </p:ext>
+    </p:extLst>
+  </p:cSld>
+  <p:clrMapOvr>
+    <a:masterClrMapping/>
+  </p:clrMapOvr>
+</p:sld>
+</file>
+
 <file path=ppt/slides/slide5.xml><?xml version="1.0" encoding="utf-8"?>
 <p:sld xmlns:a="http://schemas.openxmlformats.org/drawingml/2006/main" xmlns:r="http://schemas.openxmlformats.org/officeDocument/2006/relationships" xmlns:p="http://schemas.openxmlformats.org/presentationml/2006/main">
   <p:cSld>
@@ -9468,6 +12756,2767 @@
     <p:extLst>
       <p:ext uri="{BB962C8B-B14F-4D97-AF65-F5344CB8AC3E}">
         <p14:creationId xmlns:p14="http://schemas.microsoft.com/office/powerpoint/2010/main" val="3571747165"/>
+      </p:ext>
+    </p:extLst>
+  </p:cSld>
+  <p:clrMapOvr>
+    <a:masterClrMapping/>
+  </p:clrMapOvr>
+</p:sld>
+</file>
+
+<file path=ppt/slides/slide50.xml><?xml version="1.0" encoding="utf-8"?>
+<p:sld xmlns:a="http://schemas.openxmlformats.org/drawingml/2006/main" xmlns:r="http://schemas.openxmlformats.org/officeDocument/2006/relationships" xmlns:p="http://schemas.openxmlformats.org/presentationml/2006/main">
+  <p:cSld>
+    <p:spTree>
+      <p:nvGrpSpPr>
+        <p:cNvPr id="1" name="">
+          <a:extLst>
+            <a:ext uri="{FF2B5EF4-FFF2-40B4-BE49-F238E27FC236}">
+              <a16:creationId xmlns:a16="http://schemas.microsoft.com/office/drawing/2014/main" id="{D788BCF7-A8C3-0D0A-E7A6-1FFDCD0D2F81}"/>
+            </a:ext>
+          </a:extLst>
+        </p:cNvPr>
+        <p:cNvGrpSpPr/>
+        <p:nvPr/>
+      </p:nvGrpSpPr>
+      <p:grpSpPr>
+        <a:xfrm>
+          <a:off x="0" y="0"/>
+          <a:ext cx="0" cy="0"/>
+          <a:chOff x="0" y="0"/>
+          <a:chExt cx="0" cy="0"/>
+        </a:xfrm>
+      </p:grpSpPr>
+      <p:sp>
+        <p:nvSpPr>
+          <p:cNvPr id="2" name="Title 1">
+            <a:extLst>
+              <a:ext uri="{FF2B5EF4-FFF2-40B4-BE49-F238E27FC236}">
+                <a16:creationId xmlns:a16="http://schemas.microsoft.com/office/drawing/2014/main" id="{8BE2852F-64E0-D4AB-0FF9-392451FB1BD2}"/>
+              </a:ext>
+            </a:extLst>
+          </p:cNvPr>
+          <p:cNvSpPr>
+            <a:spLocks noGrp="1"/>
+          </p:cNvSpPr>
+          <p:nvPr>
+            <p:ph type="title"/>
+          </p:nvPr>
+        </p:nvSpPr>
+        <p:spPr>
+          <a:xfrm>
+            <a:off x="838200" y="365125"/>
+            <a:ext cx="10515600" cy="916919"/>
+          </a:xfrm>
+        </p:spPr>
+        <p:txBody>
+          <a:bodyPr>
+            <a:noAutofit/>
+          </a:bodyPr>
+          <a:lstStyle/>
+          <a:p>
+            <a:r>
+              <a:rPr lang="en-US" sz="3600" b="1" dirty="0"/>
+              <a:t>Agent Loop / stateless LLMs</a:t>
+            </a:r>
+          </a:p>
+        </p:txBody>
+      </p:sp>
+      <p:sp>
+        <p:nvSpPr>
+          <p:cNvPr id="5" name="Content Placeholder 4">
+            <a:extLst>
+              <a:ext uri="{FF2B5EF4-FFF2-40B4-BE49-F238E27FC236}">
+                <a16:creationId xmlns:a16="http://schemas.microsoft.com/office/drawing/2014/main" id="{7A9BD816-8080-6CC8-6F1D-79438A082539}"/>
+              </a:ext>
+            </a:extLst>
+          </p:cNvPr>
+          <p:cNvSpPr>
+            <a:spLocks noGrp="1"/>
+          </p:cNvSpPr>
+          <p:nvPr>
+            <p:ph idx="1"/>
+          </p:nvPr>
+        </p:nvSpPr>
+        <p:spPr>
+          <a:xfrm>
+            <a:off x="838200" y="1282044"/>
+            <a:ext cx="10515600" cy="4894919"/>
+          </a:xfrm>
+        </p:spPr>
+        <p:txBody>
+          <a:bodyPr>
+            <a:normAutofit lnSpcReduction="10000"/>
+          </a:bodyPr>
+          <a:lstStyle/>
+          <a:p>
+            <a:pPr marL="0" indent="0">
+              <a:buNone/>
+            </a:pPr>
+            <a:r>
+              <a:rPr lang="en-US" b="1" dirty="0">
+                <a:solidFill>
+                  <a:srgbClr val="C00000"/>
+                </a:solidFill>
+              </a:rPr>
+              <a:t>Do you need to send the system prompt every time in Chat Completion API?</a:t>
+            </a:r>
+          </a:p>
+          <a:p>
+            <a:pPr marL="0" indent="0">
+              <a:buNone/>
+            </a:pPr>
+            <a:r>
+              <a:rPr lang="en-US" dirty="0"/>
+              <a:t>Yes, if you want the AI to remember the instructions.</a:t>
+            </a:r>
+          </a:p>
+          <a:p>
+            <a:pPr marL="0" indent="0">
+              <a:buNone/>
+            </a:pPr>
+            <a:r>
+              <a:rPr lang="en-US" dirty="0"/>
+              <a:t>The Chat Completion API does not store memory between requests. So:</a:t>
+            </a:r>
+          </a:p>
+          <a:p>
+            <a:r>
+              <a:rPr lang="en-US" dirty="0"/>
+              <a:t>If you want consistent behavior, you should include the system prompt in every request as the first message (with "role": "system").</a:t>
+            </a:r>
+          </a:p>
+          <a:p>
+            <a:r>
+              <a:rPr lang="en-US" dirty="0"/>
+              <a:t>Think of it like reminding the AI: “Here’s who you are again, and now here’s what the user wants.”</a:t>
+            </a:r>
+          </a:p>
+          <a:p>
+            <a:r>
+              <a:rPr lang="en-US" b="1" i="1" dirty="0">
+                <a:solidFill>
+                  <a:srgbClr val="C00000"/>
+                </a:solidFill>
+              </a:rPr>
+              <a:t>Third thing</a:t>
+            </a:r>
+            <a:r>
+              <a:rPr lang="en-US" dirty="0"/>
+              <a:t> is, “function calling”</a:t>
+            </a:r>
+          </a:p>
+          <a:p>
+            <a:r>
+              <a:rPr lang="en-US" dirty="0"/>
+              <a:t>All these three things are </a:t>
+            </a:r>
+            <a:r>
+              <a:rPr lang="en-US" b="1" dirty="0"/>
+              <a:t>abstract</a:t>
+            </a:r>
+            <a:r>
+              <a:rPr lang="en-US" dirty="0"/>
+              <a:t> (hide) in OpenAI SDK.</a:t>
+            </a:r>
+          </a:p>
+        </p:txBody>
+      </p:sp>
+    </p:spTree>
+    <p:extLst>
+      <p:ext uri="{BB962C8B-B14F-4D97-AF65-F5344CB8AC3E}">
+        <p14:creationId xmlns:p14="http://schemas.microsoft.com/office/powerpoint/2010/main" val="4011598877"/>
+      </p:ext>
+    </p:extLst>
+  </p:cSld>
+  <p:clrMapOvr>
+    <a:masterClrMapping/>
+  </p:clrMapOvr>
+</p:sld>
+</file>
+
+<file path=ppt/slides/slide51.xml><?xml version="1.0" encoding="utf-8"?>
+<p:sld xmlns:a="http://schemas.openxmlformats.org/drawingml/2006/main" xmlns:r="http://schemas.openxmlformats.org/officeDocument/2006/relationships" xmlns:p="http://schemas.openxmlformats.org/presentationml/2006/main">
+  <p:cSld>
+    <p:spTree>
+      <p:nvGrpSpPr>
+        <p:cNvPr id="1" name="">
+          <a:extLst>
+            <a:ext uri="{FF2B5EF4-FFF2-40B4-BE49-F238E27FC236}">
+              <a16:creationId xmlns:a16="http://schemas.microsoft.com/office/drawing/2014/main" id="{64C43812-3941-830C-9B08-1120352626A8}"/>
+            </a:ext>
+          </a:extLst>
+        </p:cNvPr>
+        <p:cNvGrpSpPr/>
+        <p:nvPr/>
+      </p:nvGrpSpPr>
+      <p:grpSpPr>
+        <a:xfrm>
+          <a:off x="0" y="0"/>
+          <a:ext cx="0" cy="0"/>
+          <a:chOff x="0" y="0"/>
+          <a:chExt cx="0" cy="0"/>
+        </a:xfrm>
+      </p:grpSpPr>
+      <p:sp>
+        <p:nvSpPr>
+          <p:cNvPr id="2" name="Title 1">
+            <a:extLst>
+              <a:ext uri="{FF2B5EF4-FFF2-40B4-BE49-F238E27FC236}">
+                <a16:creationId xmlns:a16="http://schemas.microsoft.com/office/drawing/2014/main" id="{F6031CEC-E2D0-42C8-6E12-A501C5E978AD}"/>
+              </a:ext>
+            </a:extLst>
+          </p:cNvPr>
+          <p:cNvSpPr>
+            <a:spLocks noGrp="1"/>
+          </p:cNvSpPr>
+          <p:nvPr>
+            <p:ph type="title"/>
+          </p:nvPr>
+        </p:nvSpPr>
+        <p:spPr>
+          <a:xfrm>
+            <a:off x="838200" y="365125"/>
+            <a:ext cx="10515600" cy="916919"/>
+          </a:xfrm>
+        </p:spPr>
+        <p:txBody>
+          <a:bodyPr>
+            <a:noAutofit/>
+          </a:bodyPr>
+          <a:lstStyle/>
+          <a:p>
+            <a:r>
+              <a:rPr lang="en-US" sz="3600" b="1" dirty="0"/>
+              <a:t>Handoff</a:t>
+            </a:r>
+          </a:p>
+        </p:txBody>
+      </p:sp>
+      <p:sp>
+        <p:nvSpPr>
+          <p:cNvPr id="5" name="Content Placeholder 4">
+            <a:extLst>
+              <a:ext uri="{FF2B5EF4-FFF2-40B4-BE49-F238E27FC236}">
+                <a16:creationId xmlns:a16="http://schemas.microsoft.com/office/drawing/2014/main" id="{F849EEC8-9F14-0414-4F54-CD4D9BF37E4C}"/>
+              </a:ext>
+            </a:extLst>
+          </p:cNvPr>
+          <p:cNvSpPr>
+            <a:spLocks noGrp="1"/>
+          </p:cNvSpPr>
+          <p:nvPr>
+            <p:ph idx="1"/>
+          </p:nvPr>
+        </p:nvSpPr>
+        <p:spPr>
+          <a:xfrm>
+            <a:off x="838200" y="1282044"/>
+            <a:ext cx="10515600" cy="4894919"/>
+          </a:xfrm>
+        </p:spPr>
+        <p:txBody>
+          <a:bodyPr>
+            <a:normAutofit lnSpcReduction="10000"/>
+          </a:bodyPr>
+          <a:lstStyle/>
+          <a:p>
+            <a:r>
+              <a:rPr lang="en-US" dirty="0"/>
+              <a:t>In the OpenAI SDK, especially in the context of multi-agent workflows or tool-using agents, a handoff means passing control or a task from one agent (or function/tool) to another based on logic or capability.</a:t>
+            </a:r>
+          </a:p>
+          <a:p>
+            <a:r>
+              <a:rPr lang="en-US" b="1" dirty="0"/>
+              <a:t>Handoff</a:t>
+            </a:r>
+            <a:r>
+              <a:rPr lang="en-US" dirty="0"/>
+              <a:t> = When one agent (or function within an agent) </a:t>
+            </a:r>
+            <a:r>
+              <a:rPr lang="en-US" b="1" dirty="0"/>
+              <a:t>decides it can't complete a task</a:t>
+            </a:r>
+            <a:r>
+              <a:rPr lang="en-US" dirty="0"/>
+              <a:t> and </a:t>
+            </a:r>
+            <a:r>
+              <a:rPr lang="en-US" b="1" dirty="0"/>
+              <a:t>delegates it</a:t>
+            </a:r>
+            <a:r>
+              <a:rPr lang="en-US" dirty="0"/>
+              <a:t> — either to:</a:t>
+            </a:r>
+          </a:p>
+          <a:p>
+            <a:pPr lvl="1"/>
+            <a:r>
+              <a:rPr lang="en-US" dirty="0"/>
+              <a:t>A human (human handoff),</a:t>
+            </a:r>
+          </a:p>
+          <a:p>
+            <a:pPr lvl="1"/>
+            <a:r>
+              <a:rPr lang="en-US" dirty="0"/>
+              <a:t>Another AI agent (agent-to-agent handoff),</a:t>
+            </a:r>
+          </a:p>
+          <a:p>
+            <a:pPr lvl="1"/>
+            <a:r>
+              <a:rPr lang="en-US" dirty="0"/>
+              <a:t>Or a tool/function (tool/function handoff).</a:t>
+            </a:r>
+          </a:p>
+          <a:p>
+            <a:r>
+              <a:rPr lang="en-US" dirty="0"/>
+              <a:t>Agent is the combination of </a:t>
+            </a:r>
+            <a:r>
+              <a:rPr lang="en-US" u="sng" dirty="0"/>
+              <a:t>system prompt,  user prompt, tool description/calling</a:t>
+            </a:r>
+            <a:r>
+              <a:rPr lang="en-US" dirty="0"/>
+              <a:t>.</a:t>
+            </a:r>
+          </a:p>
+          <a:p>
+            <a:r>
+              <a:rPr lang="en-US" dirty="0"/>
+              <a:t>Handoff is done in tool calling and handoff itself is a kind of tool calling but it abstraction is separate.</a:t>
+            </a:r>
+          </a:p>
+        </p:txBody>
+      </p:sp>
+    </p:spTree>
+    <p:extLst>
+      <p:ext uri="{BB962C8B-B14F-4D97-AF65-F5344CB8AC3E}">
+        <p14:creationId xmlns:p14="http://schemas.microsoft.com/office/powerpoint/2010/main" val="53538885"/>
+      </p:ext>
+    </p:extLst>
+  </p:cSld>
+  <p:clrMapOvr>
+    <a:masterClrMapping/>
+  </p:clrMapOvr>
+</p:sld>
+</file>
+
+<file path=ppt/slides/slide52.xml><?xml version="1.0" encoding="utf-8"?>
+<p:sld xmlns:a="http://schemas.openxmlformats.org/drawingml/2006/main" xmlns:r="http://schemas.openxmlformats.org/officeDocument/2006/relationships" xmlns:p="http://schemas.openxmlformats.org/presentationml/2006/main">
+  <p:cSld>
+    <p:spTree>
+      <p:nvGrpSpPr>
+        <p:cNvPr id="1" name="">
+          <a:extLst>
+            <a:ext uri="{FF2B5EF4-FFF2-40B4-BE49-F238E27FC236}">
+              <a16:creationId xmlns:a16="http://schemas.microsoft.com/office/drawing/2014/main" id="{B485868C-36F3-FD66-5804-A0E32AE177B1}"/>
+            </a:ext>
+          </a:extLst>
+        </p:cNvPr>
+        <p:cNvGrpSpPr/>
+        <p:nvPr/>
+      </p:nvGrpSpPr>
+      <p:grpSpPr>
+        <a:xfrm>
+          <a:off x="0" y="0"/>
+          <a:ext cx="0" cy="0"/>
+          <a:chOff x="0" y="0"/>
+          <a:chExt cx="0" cy="0"/>
+        </a:xfrm>
+      </p:grpSpPr>
+      <p:sp>
+        <p:nvSpPr>
+          <p:cNvPr id="2" name="Title 1">
+            <a:extLst>
+              <a:ext uri="{FF2B5EF4-FFF2-40B4-BE49-F238E27FC236}">
+                <a16:creationId xmlns:a16="http://schemas.microsoft.com/office/drawing/2014/main" id="{F408D41D-1C2F-1AD7-B342-EBAF23FB595E}"/>
+              </a:ext>
+            </a:extLst>
+          </p:cNvPr>
+          <p:cNvSpPr>
+            <a:spLocks noGrp="1"/>
+          </p:cNvSpPr>
+          <p:nvPr>
+            <p:ph type="title"/>
+          </p:nvPr>
+        </p:nvSpPr>
+        <p:spPr>
+          <a:xfrm>
+            <a:off x="838200" y="365125"/>
+            <a:ext cx="10515600" cy="916919"/>
+          </a:xfrm>
+        </p:spPr>
+        <p:txBody>
+          <a:bodyPr>
+            <a:noAutofit/>
+          </a:bodyPr>
+          <a:lstStyle/>
+          <a:p>
+            <a:r>
+              <a:rPr lang="en-US" sz="3600" b="1" dirty="0"/>
+              <a:t>Handoff</a:t>
+            </a:r>
+          </a:p>
+        </p:txBody>
+      </p:sp>
+      <p:sp>
+        <p:nvSpPr>
+          <p:cNvPr id="5" name="Content Placeholder 4">
+            <a:extLst>
+              <a:ext uri="{FF2B5EF4-FFF2-40B4-BE49-F238E27FC236}">
+                <a16:creationId xmlns:a16="http://schemas.microsoft.com/office/drawing/2014/main" id="{101FA02A-D5F3-10E8-A26C-443273FB5B4D}"/>
+              </a:ext>
+            </a:extLst>
+          </p:cNvPr>
+          <p:cNvSpPr>
+            <a:spLocks noGrp="1"/>
+          </p:cNvSpPr>
+          <p:nvPr>
+            <p:ph idx="1"/>
+          </p:nvPr>
+        </p:nvSpPr>
+        <p:spPr>
+          <a:xfrm>
+            <a:off x="838200" y="1282044"/>
+            <a:ext cx="10515600" cy="4894919"/>
+          </a:xfrm>
+        </p:spPr>
+        <p:txBody>
+          <a:bodyPr>
+            <a:normAutofit/>
+          </a:bodyPr>
+          <a:lstStyle/>
+          <a:p>
+            <a:r>
+              <a:rPr lang="en-US" dirty="0"/>
+              <a:t>The handoff and tool calling implementation are same from inside because same API is used in both.</a:t>
+            </a:r>
+          </a:p>
+          <a:p>
+            <a:r>
+              <a:rPr lang="en-US" dirty="0"/>
+              <a:t>There are 4 </a:t>
+            </a:r>
+            <a:r>
+              <a:rPr lang="en-US" u="sng" dirty="0"/>
+              <a:t>types of messages</a:t>
+            </a:r>
+            <a:r>
+              <a:rPr lang="en-US" dirty="0"/>
+              <a:t> to understand loop, it’s all about talk between agent and LLMs</a:t>
+            </a:r>
+          </a:p>
+          <a:p>
+            <a:pPr marL="514350" indent="-514350">
+              <a:buFont typeface="+mj-lt"/>
+              <a:buAutoNum type="arabicPeriod"/>
+            </a:pPr>
+            <a:r>
+              <a:rPr lang="en-US" dirty="0"/>
+              <a:t>System Prompt/Instruction/Persona</a:t>
+            </a:r>
+          </a:p>
+          <a:p>
+            <a:pPr marL="514350" indent="-514350">
+              <a:buFont typeface="+mj-lt"/>
+              <a:buAutoNum type="arabicPeriod"/>
+            </a:pPr>
+            <a:r>
+              <a:rPr lang="en-US" dirty="0"/>
+              <a:t>User Prompt/Your Questions</a:t>
+            </a:r>
+          </a:p>
+          <a:p>
+            <a:pPr marL="514350" indent="-514350">
+              <a:buFont typeface="+mj-lt"/>
+              <a:buAutoNum type="arabicPeriod"/>
+            </a:pPr>
+            <a:r>
+              <a:rPr lang="en-US" dirty="0"/>
+              <a:t>Tool Message (process tool to give answer)</a:t>
+            </a:r>
+          </a:p>
+          <a:p>
+            <a:pPr marL="514350" indent="-514350">
+              <a:buFont typeface="+mj-lt"/>
+              <a:buAutoNum type="arabicPeriod"/>
+            </a:pPr>
+            <a:r>
+              <a:rPr lang="en-US" dirty="0"/>
+              <a:t>Assistant message/AI message/Agent Reply to user</a:t>
+            </a:r>
+          </a:p>
+          <a:p>
+            <a:endParaRPr lang="en-US" dirty="0"/>
+          </a:p>
+        </p:txBody>
+      </p:sp>
+    </p:spTree>
+    <p:extLst>
+      <p:ext uri="{BB962C8B-B14F-4D97-AF65-F5344CB8AC3E}">
+        <p14:creationId xmlns:p14="http://schemas.microsoft.com/office/powerpoint/2010/main" val="2369354112"/>
+      </p:ext>
+    </p:extLst>
+  </p:cSld>
+  <p:clrMapOvr>
+    <a:masterClrMapping/>
+  </p:clrMapOvr>
+</p:sld>
+</file>
+
+<file path=ppt/slides/slide53.xml><?xml version="1.0" encoding="utf-8"?>
+<p:sld xmlns:a="http://schemas.openxmlformats.org/drawingml/2006/main" xmlns:r="http://schemas.openxmlformats.org/officeDocument/2006/relationships" xmlns:p="http://schemas.openxmlformats.org/presentationml/2006/main">
+  <p:cSld>
+    <p:spTree>
+      <p:nvGrpSpPr>
+        <p:cNvPr id="1" name="">
+          <a:extLst>
+            <a:ext uri="{FF2B5EF4-FFF2-40B4-BE49-F238E27FC236}">
+              <a16:creationId xmlns:a16="http://schemas.microsoft.com/office/drawing/2014/main" id="{729584FF-C091-59A6-2D92-082041600A7A}"/>
+            </a:ext>
+          </a:extLst>
+        </p:cNvPr>
+        <p:cNvGrpSpPr/>
+        <p:nvPr/>
+      </p:nvGrpSpPr>
+      <p:grpSpPr>
+        <a:xfrm>
+          <a:off x="0" y="0"/>
+          <a:ext cx="0" cy="0"/>
+          <a:chOff x="0" y="0"/>
+          <a:chExt cx="0" cy="0"/>
+        </a:xfrm>
+      </p:grpSpPr>
+      <p:sp>
+        <p:nvSpPr>
+          <p:cNvPr id="2" name="Title 1">
+            <a:extLst>
+              <a:ext uri="{FF2B5EF4-FFF2-40B4-BE49-F238E27FC236}">
+                <a16:creationId xmlns:a16="http://schemas.microsoft.com/office/drawing/2014/main" id="{1CE98345-B4A7-7A6E-55A8-7CB593756BE9}"/>
+              </a:ext>
+            </a:extLst>
+          </p:cNvPr>
+          <p:cNvSpPr>
+            <a:spLocks noGrp="1"/>
+          </p:cNvSpPr>
+          <p:nvPr>
+            <p:ph type="title"/>
+          </p:nvPr>
+        </p:nvSpPr>
+        <p:spPr>
+          <a:xfrm>
+            <a:off x="838200" y="365125"/>
+            <a:ext cx="10515600" cy="916919"/>
+          </a:xfrm>
+        </p:spPr>
+        <p:txBody>
+          <a:bodyPr>
+            <a:noAutofit/>
+          </a:bodyPr>
+          <a:lstStyle/>
+          <a:p>
+            <a:r>
+              <a:rPr lang="en-US" sz="3600" b="1" dirty="0"/>
+              <a:t>Memory (Long term)</a:t>
+            </a:r>
+          </a:p>
+        </p:txBody>
+      </p:sp>
+      <p:sp>
+        <p:nvSpPr>
+          <p:cNvPr id="5" name="Content Placeholder 4">
+            <a:extLst>
+              <a:ext uri="{FF2B5EF4-FFF2-40B4-BE49-F238E27FC236}">
+                <a16:creationId xmlns:a16="http://schemas.microsoft.com/office/drawing/2014/main" id="{364D3F65-2AFC-F246-D0F6-F9B8742E589A}"/>
+              </a:ext>
+            </a:extLst>
+          </p:cNvPr>
+          <p:cNvSpPr>
+            <a:spLocks noGrp="1"/>
+          </p:cNvSpPr>
+          <p:nvPr>
+            <p:ph idx="1"/>
+          </p:nvPr>
+        </p:nvSpPr>
+        <p:spPr>
+          <a:xfrm>
+            <a:off x="838200" y="1282044"/>
+            <a:ext cx="10515600" cy="4894919"/>
+          </a:xfrm>
+        </p:spPr>
+        <p:txBody>
+          <a:bodyPr>
+            <a:normAutofit/>
+          </a:bodyPr>
+          <a:lstStyle/>
+          <a:p>
+            <a:pPr marL="0" indent="0">
+              <a:buNone/>
+            </a:pPr>
+            <a:r>
+              <a:rPr lang="en-US" dirty="0"/>
+              <a:t>Memory Layer</a:t>
+            </a:r>
+          </a:p>
+          <a:p>
+            <a:r>
+              <a:rPr lang="en-US" dirty="0"/>
+              <a:t>Agent learn from interactions.</a:t>
+            </a:r>
+          </a:p>
+          <a:p>
+            <a:r>
+              <a:rPr lang="en-US" dirty="0"/>
+              <a:t>Toward RSI…</a:t>
+            </a:r>
+          </a:p>
+          <a:p>
+            <a:pPr marL="0" indent="0">
+              <a:buNone/>
+            </a:pPr>
+            <a:endParaRPr lang="en-US" dirty="0"/>
+          </a:p>
+          <a:p>
+            <a:endParaRPr lang="en-US" dirty="0"/>
+          </a:p>
+          <a:p>
+            <a:endParaRPr lang="en-US" dirty="0"/>
+          </a:p>
+        </p:txBody>
+      </p:sp>
+      <p:grpSp>
+        <p:nvGrpSpPr>
+          <p:cNvPr id="28" name="Group 27">
+            <a:extLst>
+              <a:ext uri="{FF2B5EF4-FFF2-40B4-BE49-F238E27FC236}">
+                <a16:creationId xmlns:a16="http://schemas.microsoft.com/office/drawing/2014/main" id="{F4385378-E6F9-1206-8DD5-1327BE792A98}"/>
+              </a:ext>
+            </a:extLst>
+          </p:cNvPr>
+          <p:cNvGrpSpPr/>
+          <p:nvPr/>
+        </p:nvGrpSpPr>
+        <p:grpSpPr>
+          <a:xfrm>
+            <a:off x="3784899" y="5601249"/>
+            <a:ext cx="219960" cy="313200"/>
+            <a:chOff x="3784899" y="5601249"/>
+            <a:chExt cx="219960" cy="313200"/>
+          </a:xfrm>
+        </p:grpSpPr>
+        <mc:AlternateContent xmlns:mc="http://schemas.openxmlformats.org/markup-compatibility/2006">
+          <mc:Choice xmlns:p14="http://schemas.microsoft.com/office/powerpoint/2010/main" Requires="p14">
+            <p:contentPart p14:bwMode="auto" r:id="rId2">
+              <p14:nvContentPartPr>
+                <p14:cNvPr id="26" name="Ink 25">
+                  <a:extLst>
+                    <a:ext uri="{FF2B5EF4-FFF2-40B4-BE49-F238E27FC236}">
+                      <a16:creationId xmlns:a16="http://schemas.microsoft.com/office/drawing/2014/main" id="{AE499F19-9420-E103-B280-CC7C4C19233C}"/>
+                    </a:ext>
+                  </a:extLst>
+                </p14:cNvPr>
+                <p14:cNvContentPartPr/>
+                <p14:nvPr/>
+              </p14:nvContentPartPr>
+              <p14:xfrm>
+                <a:off x="3903699" y="5601249"/>
+                <a:ext cx="77760" cy="221400"/>
+              </p14:xfrm>
+            </p:contentPart>
+          </mc:Choice>
+          <mc:Fallback>
+            <p:pic>
+              <p:nvPicPr>
+                <p:cNvPr id="26" name="Ink 25">
+                  <a:extLst>
+                    <a:ext uri="{FF2B5EF4-FFF2-40B4-BE49-F238E27FC236}">
+                      <a16:creationId xmlns:a16="http://schemas.microsoft.com/office/drawing/2014/main" id="{AE499F19-9420-E103-B280-CC7C4C19233C}"/>
+                    </a:ext>
+                  </a:extLst>
+                </p:cNvPr>
+                <p:cNvPicPr/>
+                <p:nvPr/>
+              </p:nvPicPr>
+              <p:blipFill>
+                <a:blip r:embed="rId3"/>
+                <a:stretch>
+                  <a:fillRect/>
+                </a:stretch>
+              </p:blipFill>
+              <p:spPr>
+                <a:xfrm>
+                  <a:off x="3897579" y="5595129"/>
+                  <a:ext cx="90000" cy="233640"/>
+                </a:xfrm>
+                <a:prstGeom prst="rect">
+                  <a:avLst/>
+                </a:prstGeom>
+              </p:spPr>
+            </p:pic>
+          </mc:Fallback>
+        </mc:AlternateContent>
+        <mc:AlternateContent xmlns:mc="http://schemas.openxmlformats.org/markup-compatibility/2006">
+          <mc:Choice xmlns:p14="http://schemas.microsoft.com/office/powerpoint/2010/main" Requires="p14">
+            <p:contentPart p14:bwMode="auto" r:id="rId4">
+              <p14:nvContentPartPr>
+                <p14:cNvPr id="27" name="Ink 26">
+                  <a:extLst>
+                    <a:ext uri="{FF2B5EF4-FFF2-40B4-BE49-F238E27FC236}">
+                      <a16:creationId xmlns:a16="http://schemas.microsoft.com/office/drawing/2014/main" id="{9A1C3F21-7AD4-14BD-198B-5EEFB1A0BEBE}"/>
+                    </a:ext>
+                  </a:extLst>
+                </p14:cNvPr>
+                <p14:cNvContentPartPr/>
+                <p14:nvPr/>
+              </p14:nvContentPartPr>
+              <p14:xfrm>
+                <a:off x="3784899" y="5845329"/>
+                <a:ext cx="219960" cy="69120"/>
+              </p14:xfrm>
+            </p:contentPart>
+          </mc:Choice>
+          <mc:Fallback>
+            <p:pic>
+              <p:nvPicPr>
+                <p:cNvPr id="27" name="Ink 26">
+                  <a:extLst>
+                    <a:ext uri="{FF2B5EF4-FFF2-40B4-BE49-F238E27FC236}">
+                      <a16:creationId xmlns:a16="http://schemas.microsoft.com/office/drawing/2014/main" id="{9A1C3F21-7AD4-14BD-198B-5EEFB1A0BEBE}"/>
+                    </a:ext>
+                  </a:extLst>
+                </p:cNvPr>
+                <p:cNvPicPr/>
+                <p:nvPr/>
+              </p:nvPicPr>
+              <p:blipFill>
+                <a:blip r:embed="rId5"/>
+                <a:stretch>
+                  <a:fillRect/>
+                </a:stretch>
+              </p:blipFill>
+              <p:spPr>
+                <a:xfrm>
+                  <a:off x="3778779" y="5839209"/>
+                  <a:ext cx="232200" cy="81360"/>
+                </a:xfrm>
+                <a:prstGeom prst="rect">
+                  <a:avLst/>
+                </a:prstGeom>
+              </p:spPr>
+            </p:pic>
+          </mc:Fallback>
+        </mc:AlternateContent>
+      </p:grpSp>
+      <p:grpSp>
+        <p:nvGrpSpPr>
+          <p:cNvPr id="38" name="Group 37">
+            <a:extLst>
+              <a:ext uri="{FF2B5EF4-FFF2-40B4-BE49-F238E27FC236}">
+                <a16:creationId xmlns:a16="http://schemas.microsoft.com/office/drawing/2014/main" id="{7D895FC3-12F8-E94C-1EDD-1234A8B013BD}"/>
+              </a:ext>
+            </a:extLst>
+          </p:cNvPr>
+          <p:cNvGrpSpPr/>
+          <p:nvPr/>
+        </p:nvGrpSpPr>
+        <p:grpSpPr>
+          <a:xfrm>
+            <a:off x="1415487" y="2396137"/>
+            <a:ext cx="9361025" cy="4462442"/>
+            <a:chOff x="1415487" y="2396137"/>
+            <a:chExt cx="9361025" cy="4462442"/>
+          </a:xfrm>
+        </p:grpSpPr>
+        <p:grpSp>
+          <p:nvGrpSpPr>
+            <p:cNvPr id="3" name="Group 2">
+              <a:extLst>
+                <a:ext uri="{FF2B5EF4-FFF2-40B4-BE49-F238E27FC236}">
+                  <a16:creationId xmlns:a16="http://schemas.microsoft.com/office/drawing/2014/main" id="{5CAC3B3E-A7D5-193A-E98A-A38457BE09A9}"/>
+                </a:ext>
+              </a:extLst>
+            </p:cNvPr>
+            <p:cNvGrpSpPr/>
+            <p:nvPr/>
+          </p:nvGrpSpPr>
+          <p:grpSpPr>
+            <a:xfrm>
+              <a:off x="1415487" y="2939234"/>
+              <a:ext cx="9361025" cy="3237729"/>
+              <a:chOff x="1992775" y="2760360"/>
+              <a:chExt cx="9361025" cy="3237729"/>
+            </a:xfrm>
+          </p:grpSpPr>
+          <p:grpSp>
+            <p:nvGrpSpPr>
+              <p:cNvPr id="4" name="Group 3">
+                <a:extLst>
+                  <a:ext uri="{FF2B5EF4-FFF2-40B4-BE49-F238E27FC236}">
+                    <a16:creationId xmlns:a16="http://schemas.microsoft.com/office/drawing/2014/main" id="{9CE5C178-7318-F48C-2E32-CE3865C95C2D}"/>
+                  </a:ext>
+                </a:extLst>
+              </p:cNvPr>
+              <p:cNvGrpSpPr/>
+              <p:nvPr/>
+            </p:nvGrpSpPr>
+            <p:grpSpPr>
+              <a:xfrm>
+                <a:off x="1992775" y="2928497"/>
+                <a:ext cx="6261904" cy="2990974"/>
+                <a:chOff x="1076445" y="2188697"/>
+                <a:chExt cx="6261904" cy="2990974"/>
+              </a:xfrm>
+            </p:grpSpPr>
+            <p:sp>
+              <p:nvSpPr>
+                <p:cNvPr id="13" name="Rectangle: Rounded Corners 12">
+                  <a:extLst>
+                    <a:ext uri="{FF2B5EF4-FFF2-40B4-BE49-F238E27FC236}">
+                      <a16:creationId xmlns:a16="http://schemas.microsoft.com/office/drawing/2014/main" id="{0563CA0C-208F-F3EC-761A-0BDD2B958330}"/>
+                    </a:ext>
+                  </a:extLst>
+                </p:cNvPr>
+                <p:cNvSpPr/>
+                <p:nvPr/>
+              </p:nvSpPr>
+              <p:spPr>
+                <a:xfrm>
+                  <a:off x="3634450" y="2188697"/>
+                  <a:ext cx="3703899" cy="554503"/>
+                </a:xfrm>
+                <a:prstGeom prst="roundRect">
+                  <a:avLst/>
+                </a:prstGeom>
+              </p:spPr>
+              <p:style>
+                <a:lnRef idx="1">
+                  <a:schemeClr val="accent4"/>
+                </a:lnRef>
+                <a:fillRef idx="2">
+                  <a:schemeClr val="accent4"/>
+                </a:fillRef>
+                <a:effectRef idx="1">
+                  <a:schemeClr val="accent4"/>
+                </a:effectRef>
+                <a:fontRef idx="minor">
+                  <a:schemeClr val="dk1"/>
+                </a:fontRef>
+              </p:style>
+              <p:txBody>
+                <a:bodyPr rtlCol="0" anchor="ctr"/>
+                <a:lstStyle/>
+                <a:p>
+                  <a:pPr algn="ctr"/>
+                  <a:r>
+                    <a:rPr lang="en-US" dirty="0"/>
+                    <a:t>Agent Loop (OpenAI SDK)</a:t>
+                  </a:r>
+                  <a:endParaRPr lang="en-PK" dirty="0"/>
+                </a:p>
+              </p:txBody>
+            </p:sp>
+            <p:sp>
+              <p:nvSpPr>
+                <p:cNvPr id="14" name="Rectangle: Rounded Corners 13">
+                  <a:extLst>
+                    <a:ext uri="{FF2B5EF4-FFF2-40B4-BE49-F238E27FC236}">
+                      <a16:creationId xmlns:a16="http://schemas.microsoft.com/office/drawing/2014/main" id="{1D597399-F400-05DF-BDF8-ADFE5115BB49}"/>
+                    </a:ext>
+                  </a:extLst>
+                </p:cNvPr>
+                <p:cNvSpPr/>
+                <p:nvPr/>
+              </p:nvSpPr>
+              <p:spPr>
+                <a:xfrm>
+                  <a:off x="3634449" y="3000854"/>
+                  <a:ext cx="3703899" cy="554503"/>
+                </a:xfrm>
+                <a:prstGeom prst="roundRect">
+                  <a:avLst/>
+                </a:prstGeom>
+              </p:spPr>
+              <p:style>
+                <a:lnRef idx="1">
+                  <a:schemeClr val="accent4"/>
+                </a:lnRef>
+                <a:fillRef idx="2">
+                  <a:schemeClr val="accent4"/>
+                </a:fillRef>
+                <a:effectRef idx="1">
+                  <a:schemeClr val="accent4"/>
+                </a:effectRef>
+                <a:fontRef idx="minor">
+                  <a:schemeClr val="dk1"/>
+                </a:fontRef>
+              </p:style>
+              <p:txBody>
+                <a:bodyPr rtlCol="0" anchor="ctr"/>
+                <a:lstStyle/>
+                <a:p>
+                  <a:pPr algn="ctr"/>
+                  <a:r>
+                    <a:rPr lang="en-US" dirty="0"/>
+                    <a:t>Chat Completion/Response API</a:t>
+                  </a:r>
+                  <a:endParaRPr lang="en-PK" dirty="0"/>
+                </a:p>
+              </p:txBody>
+            </p:sp>
+            <p:sp>
+              <p:nvSpPr>
+                <p:cNvPr id="15" name="Rectangle: Rounded Corners 14">
+                  <a:extLst>
+                    <a:ext uri="{FF2B5EF4-FFF2-40B4-BE49-F238E27FC236}">
+                      <a16:creationId xmlns:a16="http://schemas.microsoft.com/office/drawing/2014/main" id="{36151656-EC71-F85A-F66E-5873FDF99662}"/>
+                    </a:ext>
+                  </a:extLst>
+                </p:cNvPr>
+                <p:cNvSpPr/>
+                <p:nvPr/>
+              </p:nvSpPr>
+              <p:spPr>
+                <a:xfrm>
+                  <a:off x="3634448" y="3813011"/>
+                  <a:ext cx="3703899" cy="554503"/>
+                </a:xfrm>
+                <a:prstGeom prst="roundRect">
+                  <a:avLst/>
+                </a:prstGeom>
+              </p:spPr>
+              <p:style>
+                <a:lnRef idx="1">
+                  <a:schemeClr val="accent4"/>
+                </a:lnRef>
+                <a:fillRef idx="2">
+                  <a:schemeClr val="accent4"/>
+                </a:fillRef>
+                <a:effectRef idx="1">
+                  <a:schemeClr val="accent4"/>
+                </a:effectRef>
+                <a:fontRef idx="minor">
+                  <a:schemeClr val="dk1"/>
+                </a:fontRef>
+              </p:style>
+              <p:txBody>
+                <a:bodyPr rtlCol="0" anchor="ctr"/>
+                <a:lstStyle/>
+                <a:p>
+                  <a:pPr algn="ctr"/>
+                  <a:r>
+                    <a:rPr lang="en-US" dirty="0"/>
+                    <a:t>Rest API</a:t>
+                  </a:r>
+                  <a:endParaRPr lang="en-PK" dirty="0"/>
+                </a:p>
+              </p:txBody>
+            </p:sp>
+            <p:sp>
+              <p:nvSpPr>
+                <p:cNvPr id="16" name="Rectangle: Rounded Corners 15">
+                  <a:extLst>
+                    <a:ext uri="{FF2B5EF4-FFF2-40B4-BE49-F238E27FC236}">
+                      <a16:creationId xmlns:a16="http://schemas.microsoft.com/office/drawing/2014/main" id="{3501E95E-C8C5-C438-34F3-7EF96302BC00}"/>
+                    </a:ext>
+                  </a:extLst>
+                </p:cNvPr>
+                <p:cNvSpPr/>
+                <p:nvPr/>
+              </p:nvSpPr>
+              <p:spPr>
+                <a:xfrm>
+                  <a:off x="3634447" y="4625168"/>
+                  <a:ext cx="3703899" cy="554503"/>
+                </a:xfrm>
+                <a:prstGeom prst="roundRect">
+                  <a:avLst/>
+                </a:prstGeom>
+              </p:spPr>
+              <p:style>
+                <a:lnRef idx="1">
+                  <a:schemeClr val="accent4"/>
+                </a:lnRef>
+                <a:fillRef idx="2">
+                  <a:schemeClr val="accent4"/>
+                </a:fillRef>
+                <a:effectRef idx="1">
+                  <a:schemeClr val="accent4"/>
+                </a:effectRef>
+                <a:fontRef idx="minor">
+                  <a:schemeClr val="dk1"/>
+                </a:fontRef>
+              </p:style>
+              <p:txBody>
+                <a:bodyPr rtlCol="0" anchor="ctr"/>
+                <a:lstStyle/>
+                <a:p>
+                  <a:pPr algn="ctr"/>
+                  <a:r>
+                    <a:rPr lang="en-US" dirty="0"/>
+                    <a:t>LLM (Stateless)</a:t>
+                  </a:r>
+                  <a:endParaRPr lang="en-PK" dirty="0"/>
+                </a:p>
+              </p:txBody>
+            </p:sp>
+            <p:sp>
+              <p:nvSpPr>
+                <p:cNvPr id="17" name="Rectangle 16">
+                  <a:extLst>
+                    <a:ext uri="{FF2B5EF4-FFF2-40B4-BE49-F238E27FC236}">
+                      <a16:creationId xmlns:a16="http://schemas.microsoft.com/office/drawing/2014/main" id="{E442B90C-1C40-3AEC-342C-054BA980BDF6}"/>
+                    </a:ext>
+                  </a:extLst>
+                </p:cNvPr>
+                <p:cNvSpPr/>
+                <p:nvPr/>
+              </p:nvSpPr>
+              <p:spPr>
+                <a:xfrm>
+                  <a:off x="1076445" y="4625168"/>
+                  <a:ext cx="1481560" cy="554503"/>
+                </a:xfrm>
+                <a:prstGeom prst="rect">
+                  <a:avLst/>
+                </a:prstGeom>
+              </p:spPr>
+              <p:style>
+                <a:lnRef idx="1">
+                  <a:schemeClr val="accent5"/>
+                </a:lnRef>
+                <a:fillRef idx="2">
+                  <a:schemeClr val="accent5"/>
+                </a:fillRef>
+                <a:effectRef idx="1">
+                  <a:schemeClr val="accent5"/>
+                </a:effectRef>
+                <a:fontRef idx="minor">
+                  <a:schemeClr val="dk1"/>
+                </a:fontRef>
+              </p:style>
+              <p:txBody>
+                <a:bodyPr rtlCol="0" anchor="ctr"/>
+                <a:lstStyle/>
+                <a:p>
+                  <a:pPr algn="ctr"/>
+                  <a:r>
+                    <a:rPr lang="en-US" dirty="0"/>
+                    <a:t>Bottom Layer</a:t>
+                  </a:r>
+                  <a:endParaRPr lang="en-PK" dirty="0"/>
+                </a:p>
+              </p:txBody>
+            </p:sp>
+            <p:sp>
+              <p:nvSpPr>
+                <p:cNvPr id="18" name="Rectangle 17">
+                  <a:extLst>
+                    <a:ext uri="{FF2B5EF4-FFF2-40B4-BE49-F238E27FC236}">
+                      <a16:creationId xmlns:a16="http://schemas.microsoft.com/office/drawing/2014/main" id="{58FBFFB2-9844-33EB-7955-723DC6B6C310}"/>
+                    </a:ext>
+                  </a:extLst>
+                </p:cNvPr>
+                <p:cNvSpPr/>
+                <p:nvPr/>
+              </p:nvSpPr>
+              <p:spPr>
+                <a:xfrm>
+                  <a:off x="1076445" y="3813011"/>
+                  <a:ext cx="1481560" cy="554503"/>
+                </a:xfrm>
+                <a:prstGeom prst="rect">
+                  <a:avLst/>
+                </a:prstGeom>
+              </p:spPr>
+              <p:style>
+                <a:lnRef idx="1">
+                  <a:schemeClr val="accent5"/>
+                </a:lnRef>
+                <a:fillRef idx="2">
+                  <a:schemeClr val="accent5"/>
+                </a:fillRef>
+                <a:effectRef idx="1">
+                  <a:schemeClr val="accent5"/>
+                </a:effectRef>
+                <a:fontRef idx="minor">
+                  <a:schemeClr val="dk1"/>
+                </a:fontRef>
+              </p:style>
+              <p:txBody>
+                <a:bodyPr rtlCol="0" anchor="ctr"/>
+                <a:lstStyle/>
+                <a:p>
+                  <a:pPr algn="ctr"/>
+                  <a:r>
+                    <a:rPr lang="en-US" dirty="0"/>
+                    <a:t>First Layer</a:t>
+                  </a:r>
+                  <a:endParaRPr lang="en-PK" dirty="0"/>
+                </a:p>
+              </p:txBody>
+            </p:sp>
+            <p:sp>
+              <p:nvSpPr>
+                <p:cNvPr id="19" name="Rectangle 18">
+                  <a:extLst>
+                    <a:ext uri="{FF2B5EF4-FFF2-40B4-BE49-F238E27FC236}">
+                      <a16:creationId xmlns:a16="http://schemas.microsoft.com/office/drawing/2014/main" id="{63B1146E-A164-04A5-1BB9-A3B74333D848}"/>
+                    </a:ext>
+                  </a:extLst>
+                </p:cNvPr>
+                <p:cNvSpPr/>
+                <p:nvPr/>
+              </p:nvSpPr>
+              <p:spPr>
+                <a:xfrm>
+                  <a:off x="1076445" y="3000853"/>
+                  <a:ext cx="1481560" cy="554503"/>
+                </a:xfrm>
+                <a:prstGeom prst="rect">
+                  <a:avLst/>
+                </a:prstGeom>
+              </p:spPr>
+              <p:style>
+                <a:lnRef idx="1">
+                  <a:schemeClr val="accent5"/>
+                </a:lnRef>
+                <a:fillRef idx="2">
+                  <a:schemeClr val="accent5"/>
+                </a:fillRef>
+                <a:effectRef idx="1">
+                  <a:schemeClr val="accent5"/>
+                </a:effectRef>
+                <a:fontRef idx="minor">
+                  <a:schemeClr val="dk1"/>
+                </a:fontRef>
+              </p:style>
+              <p:txBody>
+                <a:bodyPr rtlCol="0" anchor="ctr"/>
+                <a:lstStyle/>
+                <a:p>
+                  <a:pPr algn="ctr"/>
+                  <a:r>
+                    <a:rPr lang="en-US" dirty="0"/>
+                    <a:t>Second Layer</a:t>
+                  </a:r>
+                  <a:endParaRPr lang="en-PK" dirty="0"/>
+                </a:p>
+              </p:txBody>
+            </p:sp>
+            <p:sp>
+              <p:nvSpPr>
+                <p:cNvPr id="20" name="Rectangle 19">
+                  <a:extLst>
+                    <a:ext uri="{FF2B5EF4-FFF2-40B4-BE49-F238E27FC236}">
+                      <a16:creationId xmlns:a16="http://schemas.microsoft.com/office/drawing/2014/main" id="{A3B24601-18C4-9C44-0463-3A7CEA1CAD87}"/>
+                    </a:ext>
+                  </a:extLst>
+                </p:cNvPr>
+                <p:cNvSpPr/>
+                <p:nvPr/>
+              </p:nvSpPr>
+              <p:spPr>
+                <a:xfrm>
+                  <a:off x="1076445" y="2188697"/>
+                  <a:ext cx="1481560" cy="554503"/>
+                </a:xfrm>
+                <a:prstGeom prst="rect">
+                  <a:avLst/>
+                </a:prstGeom>
+              </p:spPr>
+              <p:style>
+                <a:lnRef idx="1">
+                  <a:schemeClr val="accent5"/>
+                </a:lnRef>
+                <a:fillRef idx="2">
+                  <a:schemeClr val="accent5"/>
+                </a:fillRef>
+                <a:effectRef idx="1">
+                  <a:schemeClr val="accent5"/>
+                </a:effectRef>
+                <a:fontRef idx="minor">
+                  <a:schemeClr val="dk1"/>
+                </a:fontRef>
+              </p:style>
+              <p:txBody>
+                <a:bodyPr rtlCol="0" anchor="ctr"/>
+                <a:lstStyle/>
+                <a:p>
+                  <a:pPr algn="ctr"/>
+                  <a:r>
+                    <a:rPr lang="en-US" dirty="0"/>
+                    <a:t>Top Layer</a:t>
+                  </a:r>
+                  <a:endParaRPr lang="en-PK" dirty="0"/>
+                </a:p>
+              </p:txBody>
+            </p:sp>
+          </p:grpSp>
+          <p:sp>
+            <p:nvSpPr>
+              <p:cNvPr id="6" name="Rectangle 5">
+                <a:extLst>
+                  <a:ext uri="{FF2B5EF4-FFF2-40B4-BE49-F238E27FC236}">
+                    <a16:creationId xmlns:a16="http://schemas.microsoft.com/office/drawing/2014/main" id="{6CA2EC24-24E2-A79D-B167-E03BBFC5E1CF}"/>
+                  </a:ext>
+                </a:extLst>
+              </p:cNvPr>
+              <p:cNvSpPr/>
+              <p:nvPr/>
+            </p:nvSpPr>
+            <p:spPr>
+              <a:xfrm>
+                <a:off x="8717667" y="5107314"/>
+                <a:ext cx="2636133" cy="890775"/>
+              </a:xfrm>
+              <a:prstGeom prst="rect">
+                <a:avLst/>
+              </a:prstGeom>
+            </p:spPr>
+            <p:style>
+              <a:lnRef idx="1">
+                <a:schemeClr val="accent6"/>
+              </a:lnRef>
+              <a:fillRef idx="2">
+                <a:schemeClr val="accent6"/>
+              </a:fillRef>
+              <a:effectRef idx="1">
+                <a:schemeClr val="accent6"/>
+              </a:effectRef>
+              <a:fontRef idx="minor">
+                <a:schemeClr val="dk1"/>
+              </a:fontRef>
+            </p:style>
+            <p:txBody>
+              <a:bodyPr rtlCol="0" anchor="ctr"/>
+              <a:lstStyle/>
+              <a:p>
+                <a:r>
+                  <a:rPr lang="en-US" dirty="0"/>
+                  <a:t>Output</a:t>
+                </a:r>
+              </a:p>
+              <a:p>
+                <a:pPr marL="285750" indent="-285750">
+                  <a:buFontTx/>
+                  <a:buChar char="-"/>
+                </a:pPr>
+                <a:r>
+                  <a:rPr lang="en-US" dirty="0"/>
+                  <a:t>Modality (text/audio)</a:t>
+                </a:r>
+              </a:p>
+              <a:p>
+                <a:pPr marL="285750" indent="-285750">
+                  <a:buFontTx/>
+                  <a:buChar char="-"/>
+                </a:pPr>
+                <a:r>
+                  <a:rPr lang="en-US" dirty="0"/>
+                  <a:t>Action (Tool call)</a:t>
+                </a:r>
+                <a:endParaRPr lang="en-PK" dirty="0"/>
+              </a:p>
+            </p:txBody>
+          </p:sp>
+          <p:sp>
+            <p:nvSpPr>
+              <p:cNvPr id="7" name="Rectangle 6">
+                <a:extLst>
+                  <a:ext uri="{FF2B5EF4-FFF2-40B4-BE49-F238E27FC236}">
+                    <a16:creationId xmlns:a16="http://schemas.microsoft.com/office/drawing/2014/main" id="{73EA8056-7BBF-90B7-1A4D-D5830DA11C34}"/>
+                  </a:ext>
+                </a:extLst>
+              </p:cNvPr>
+              <p:cNvSpPr/>
+              <p:nvPr/>
+            </p:nvSpPr>
+            <p:spPr>
+              <a:xfrm>
+                <a:off x="8717666" y="2760360"/>
+                <a:ext cx="2636133" cy="1429675"/>
+              </a:xfrm>
+              <a:prstGeom prst="rect">
+                <a:avLst/>
+              </a:prstGeom>
+            </p:spPr>
+            <p:style>
+              <a:lnRef idx="1">
+                <a:schemeClr val="accent6"/>
+              </a:lnRef>
+              <a:fillRef idx="2">
+                <a:schemeClr val="accent6"/>
+              </a:fillRef>
+              <a:effectRef idx="1">
+                <a:schemeClr val="accent6"/>
+              </a:effectRef>
+              <a:fontRef idx="minor">
+                <a:schemeClr val="dk1"/>
+              </a:fontRef>
+            </p:style>
+            <p:txBody>
+              <a:bodyPr rtlCol="0" anchor="ctr"/>
+              <a:lstStyle/>
+              <a:p>
+                <a:r>
+                  <a:rPr lang="en-US" dirty="0"/>
+                  <a:t>Agent Loop</a:t>
+                </a:r>
+              </a:p>
+              <a:p>
+                <a:pPr marL="285750" indent="-285750">
+                  <a:buFontTx/>
+                  <a:buChar char="-"/>
+                </a:pPr>
+                <a:r>
+                  <a:rPr lang="en-US" dirty="0"/>
+                  <a:t>System Prompt</a:t>
+                </a:r>
+              </a:p>
+              <a:p>
+                <a:pPr marL="285750" indent="-285750">
+                  <a:buFontTx/>
+                  <a:buChar char="-"/>
+                </a:pPr>
+                <a:r>
+                  <a:rPr lang="en-US" dirty="0"/>
+                  <a:t>User Request</a:t>
+                </a:r>
+              </a:p>
+              <a:p>
+                <a:pPr marL="285750" indent="-285750">
+                  <a:buFontTx/>
+                  <a:buChar char="-"/>
+                </a:pPr>
+                <a:r>
+                  <a:rPr lang="en-US" dirty="0"/>
+                  <a:t>Tool Calling</a:t>
+                </a:r>
+              </a:p>
+              <a:p>
+                <a:pPr marL="285750" indent="-285750">
+                  <a:buFontTx/>
+                  <a:buChar char="-"/>
+                </a:pPr>
+                <a:r>
+                  <a:rPr lang="en-US" dirty="0" err="1"/>
+                  <a:t>HandOff</a:t>
+                </a:r>
+                <a:endParaRPr lang="en-US" dirty="0"/>
+              </a:p>
+            </p:txBody>
+          </p:sp>
+          <p:cxnSp>
+            <p:nvCxnSpPr>
+              <p:cNvPr id="8" name="Straight Arrow Connector 7">
+                <a:extLst>
+                  <a:ext uri="{FF2B5EF4-FFF2-40B4-BE49-F238E27FC236}">
+                    <a16:creationId xmlns:a16="http://schemas.microsoft.com/office/drawing/2014/main" id="{687A93A9-76B4-64E3-95A4-E27109276AFE}"/>
+                  </a:ext>
+                </a:extLst>
+              </p:cNvPr>
+              <p:cNvCxnSpPr>
+                <a:stCxn id="7" idx="1"/>
+                <a:endCxn id="13" idx="3"/>
+              </p:cNvCxnSpPr>
+              <p:nvPr/>
+            </p:nvCxnSpPr>
+            <p:spPr>
+              <a:xfrm flipH="1" flipV="1">
+                <a:off x="8254679" y="3205749"/>
+                <a:ext cx="462987" cy="269449"/>
+              </a:xfrm>
+              <a:prstGeom prst="straightConnector1">
+                <a:avLst/>
+              </a:prstGeom>
+              <a:ln>
+                <a:tailEnd type="triangle"/>
+              </a:ln>
+            </p:spPr>
+            <p:style>
+              <a:lnRef idx="3">
+                <a:schemeClr val="dk1"/>
+              </a:lnRef>
+              <a:fillRef idx="0">
+                <a:schemeClr val="dk1"/>
+              </a:fillRef>
+              <a:effectRef idx="2">
+                <a:schemeClr val="dk1"/>
+              </a:effectRef>
+              <a:fontRef idx="minor">
+                <a:schemeClr val="tx1"/>
+              </a:fontRef>
+            </p:style>
+          </p:cxnSp>
+          <p:cxnSp>
+            <p:nvCxnSpPr>
+              <p:cNvPr id="9" name="Straight Arrow Connector 8">
+                <a:extLst>
+                  <a:ext uri="{FF2B5EF4-FFF2-40B4-BE49-F238E27FC236}">
+                    <a16:creationId xmlns:a16="http://schemas.microsoft.com/office/drawing/2014/main" id="{6B06BEAE-D0F4-FD79-7315-166F45B9E5C3}"/>
+                  </a:ext>
+                </a:extLst>
+              </p:cNvPr>
+              <p:cNvCxnSpPr>
+                <a:cxnSpLocks/>
+                <a:stCxn id="6" idx="1"/>
+                <a:endCxn id="16" idx="3"/>
+              </p:cNvCxnSpPr>
+              <p:nvPr/>
+            </p:nvCxnSpPr>
+            <p:spPr>
+              <a:xfrm flipH="1">
+                <a:off x="8254676" y="5552702"/>
+                <a:ext cx="462991" cy="89518"/>
+              </a:xfrm>
+              <a:prstGeom prst="straightConnector1">
+                <a:avLst/>
+              </a:prstGeom>
+              <a:ln>
+                <a:tailEnd type="triangle"/>
+              </a:ln>
+            </p:spPr>
+            <p:style>
+              <a:lnRef idx="3">
+                <a:schemeClr val="dk1"/>
+              </a:lnRef>
+              <a:fillRef idx="0">
+                <a:schemeClr val="dk1"/>
+              </a:fillRef>
+              <a:effectRef idx="2">
+                <a:schemeClr val="dk1"/>
+              </a:effectRef>
+              <a:fontRef idx="minor">
+                <a:schemeClr val="tx1"/>
+              </a:fontRef>
+            </p:style>
+          </p:cxnSp>
+          <p:cxnSp>
+            <p:nvCxnSpPr>
+              <p:cNvPr id="10" name="Straight Arrow Connector 9">
+                <a:extLst>
+                  <a:ext uri="{FF2B5EF4-FFF2-40B4-BE49-F238E27FC236}">
+                    <a16:creationId xmlns:a16="http://schemas.microsoft.com/office/drawing/2014/main" id="{495B605F-C8A8-D9BD-53F3-202484158F68}"/>
+                  </a:ext>
+                </a:extLst>
+              </p:cNvPr>
+              <p:cNvCxnSpPr>
+                <a:cxnSpLocks/>
+                <a:stCxn id="16" idx="0"/>
+                <a:endCxn id="15" idx="2"/>
+              </p:cNvCxnSpPr>
+              <p:nvPr/>
+            </p:nvCxnSpPr>
+            <p:spPr>
+              <a:xfrm flipV="1">
+                <a:off x="6402727" y="5107314"/>
+                <a:ext cx="1" cy="257654"/>
+              </a:xfrm>
+              <a:prstGeom prst="straightConnector1">
+                <a:avLst/>
+              </a:prstGeom>
+              <a:ln>
+                <a:tailEnd type="triangle"/>
+              </a:ln>
+            </p:spPr>
+            <p:style>
+              <a:lnRef idx="3">
+                <a:schemeClr val="dk1"/>
+              </a:lnRef>
+              <a:fillRef idx="0">
+                <a:schemeClr val="dk1"/>
+              </a:fillRef>
+              <a:effectRef idx="2">
+                <a:schemeClr val="dk1"/>
+              </a:effectRef>
+              <a:fontRef idx="minor">
+                <a:schemeClr val="tx1"/>
+              </a:fontRef>
+            </p:style>
+          </p:cxnSp>
+          <p:cxnSp>
+            <p:nvCxnSpPr>
+              <p:cNvPr id="11" name="Straight Arrow Connector 10">
+                <a:extLst>
+                  <a:ext uri="{FF2B5EF4-FFF2-40B4-BE49-F238E27FC236}">
+                    <a16:creationId xmlns:a16="http://schemas.microsoft.com/office/drawing/2014/main" id="{391CCA73-7F25-84BC-3497-EF07F3F0FF1E}"/>
+                  </a:ext>
+                </a:extLst>
+              </p:cNvPr>
+              <p:cNvCxnSpPr>
+                <a:cxnSpLocks/>
+                <a:stCxn id="15" idx="0"/>
+                <a:endCxn id="14" idx="2"/>
+              </p:cNvCxnSpPr>
+              <p:nvPr/>
+            </p:nvCxnSpPr>
+            <p:spPr>
+              <a:xfrm flipV="1">
+                <a:off x="6402728" y="4295157"/>
+                <a:ext cx="1" cy="257654"/>
+              </a:xfrm>
+              <a:prstGeom prst="straightConnector1">
+                <a:avLst/>
+              </a:prstGeom>
+              <a:ln>
+                <a:tailEnd type="triangle"/>
+              </a:ln>
+            </p:spPr>
+            <p:style>
+              <a:lnRef idx="3">
+                <a:schemeClr val="dk1"/>
+              </a:lnRef>
+              <a:fillRef idx="0">
+                <a:schemeClr val="dk1"/>
+              </a:fillRef>
+              <a:effectRef idx="2">
+                <a:schemeClr val="dk1"/>
+              </a:effectRef>
+              <a:fontRef idx="minor">
+                <a:schemeClr val="tx1"/>
+              </a:fontRef>
+            </p:style>
+          </p:cxnSp>
+          <p:cxnSp>
+            <p:nvCxnSpPr>
+              <p:cNvPr id="12" name="Straight Arrow Connector 11">
+                <a:extLst>
+                  <a:ext uri="{FF2B5EF4-FFF2-40B4-BE49-F238E27FC236}">
+                    <a16:creationId xmlns:a16="http://schemas.microsoft.com/office/drawing/2014/main" id="{3694B259-B1C2-10D0-0C99-E7681215331B}"/>
+                  </a:ext>
+                </a:extLst>
+              </p:cNvPr>
+              <p:cNvCxnSpPr>
+                <a:cxnSpLocks/>
+                <a:stCxn id="14" idx="0"/>
+                <a:endCxn id="13" idx="2"/>
+              </p:cNvCxnSpPr>
+              <p:nvPr/>
+            </p:nvCxnSpPr>
+            <p:spPr>
+              <a:xfrm flipV="1">
+                <a:off x="6402729" y="3483000"/>
+                <a:ext cx="1" cy="257654"/>
+              </a:xfrm>
+              <a:prstGeom prst="straightConnector1">
+                <a:avLst/>
+              </a:prstGeom>
+              <a:ln>
+                <a:tailEnd type="triangle"/>
+              </a:ln>
+            </p:spPr>
+            <p:style>
+              <a:lnRef idx="3">
+                <a:schemeClr val="dk1"/>
+              </a:lnRef>
+              <a:fillRef idx="0">
+                <a:schemeClr val="dk1"/>
+              </a:fillRef>
+              <a:effectRef idx="2">
+                <a:schemeClr val="dk1"/>
+              </a:effectRef>
+              <a:fontRef idx="minor">
+                <a:schemeClr val="tx1"/>
+              </a:fontRef>
+            </p:style>
+          </p:cxnSp>
+        </p:grpSp>
+        <p:sp>
+          <p:nvSpPr>
+            <p:cNvPr id="21" name="Rectangle: Rounded Corners 20">
+              <a:extLst>
+                <a:ext uri="{FF2B5EF4-FFF2-40B4-BE49-F238E27FC236}">
+                  <a16:creationId xmlns:a16="http://schemas.microsoft.com/office/drawing/2014/main" id="{0AB3D2B0-28EB-C007-13C0-572D8BE064B4}"/>
+                </a:ext>
+              </a:extLst>
+            </p:cNvPr>
+            <p:cNvSpPr/>
+            <p:nvPr/>
+          </p:nvSpPr>
+          <p:spPr>
+            <a:xfrm>
+              <a:off x="3973488" y="2396137"/>
+              <a:ext cx="3703899" cy="484639"/>
+            </a:xfrm>
+            <a:prstGeom prst="roundRect">
+              <a:avLst/>
+            </a:prstGeom>
+          </p:spPr>
+          <p:style>
+            <a:lnRef idx="1">
+              <a:schemeClr val="accent2"/>
+            </a:lnRef>
+            <a:fillRef idx="2">
+              <a:schemeClr val="accent2"/>
+            </a:fillRef>
+            <a:effectRef idx="1">
+              <a:schemeClr val="accent2"/>
+            </a:effectRef>
+            <a:fontRef idx="minor">
+              <a:schemeClr val="dk1"/>
+            </a:fontRef>
+          </p:style>
+          <p:txBody>
+            <a:bodyPr rtlCol="0" anchor="ctr"/>
+            <a:lstStyle/>
+            <a:p>
+              <a:pPr algn="ctr"/>
+              <a:r>
+                <a:rPr lang="en-US" dirty="0"/>
+                <a:t>Long Term Memory Layer</a:t>
+              </a:r>
+              <a:endParaRPr lang="en-PK" dirty="0"/>
+            </a:p>
+          </p:txBody>
+        </p:sp>
+        <mc:AlternateContent xmlns:mc="http://schemas.openxmlformats.org/markup-compatibility/2006">
+          <mc:Choice xmlns:p14="http://schemas.microsoft.com/office/powerpoint/2010/main" Requires="p14">
+            <p:contentPart p14:bwMode="auto" r:id="rId6">
+              <p14:nvContentPartPr>
+                <p14:cNvPr id="25" name="Ink 24">
+                  <a:extLst>
+                    <a:ext uri="{FF2B5EF4-FFF2-40B4-BE49-F238E27FC236}">
+                      <a16:creationId xmlns:a16="http://schemas.microsoft.com/office/drawing/2014/main" id="{219D2EA5-FD2A-1026-771B-C27B0BB49045}"/>
+                    </a:ext>
+                  </a:extLst>
+                </p14:cNvPr>
+                <p14:cNvContentPartPr/>
+                <p14:nvPr/>
+              </p14:nvContentPartPr>
+              <p14:xfrm>
+                <a:off x="3189305" y="2661849"/>
+                <a:ext cx="804034" cy="3161880"/>
+              </p14:xfrm>
+            </p:contentPart>
+          </mc:Choice>
+          <mc:Fallback>
+            <p:pic>
+              <p:nvPicPr>
+                <p:cNvPr id="25" name="Ink 24">
+                  <a:extLst>
+                    <a:ext uri="{FF2B5EF4-FFF2-40B4-BE49-F238E27FC236}">
+                      <a16:creationId xmlns:a16="http://schemas.microsoft.com/office/drawing/2014/main" id="{219D2EA5-FD2A-1026-771B-C27B0BB49045}"/>
+                    </a:ext>
+                  </a:extLst>
+                </p:cNvPr>
+                <p:cNvPicPr/>
+                <p:nvPr/>
+              </p:nvPicPr>
+              <p:blipFill>
+                <a:blip r:embed="rId7"/>
+                <a:stretch>
+                  <a:fillRect/>
+                </a:stretch>
+              </p:blipFill>
+              <p:spPr>
+                <a:xfrm>
+                  <a:off x="3183184" y="2655729"/>
+                  <a:ext cx="816276" cy="3174120"/>
+                </a:xfrm>
+                <a:prstGeom prst="rect">
+                  <a:avLst/>
+                </a:prstGeom>
+              </p:spPr>
+            </p:pic>
+          </mc:Fallback>
+        </mc:AlternateContent>
+        <p:sp>
+          <p:nvSpPr>
+            <p:cNvPr id="29" name="TextBox 28">
+              <a:extLst>
+                <a:ext uri="{FF2B5EF4-FFF2-40B4-BE49-F238E27FC236}">
+                  <a16:creationId xmlns:a16="http://schemas.microsoft.com/office/drawing/2014/main" id="{21E882B8-56D3-BFC5-6A20-F95BFB96929A}"/>
+                </a:ext>
+              </a:extLst>
+            </p:cNvPr>
+            <p:cNvSpPr txBox="1"/>
+            <p:nvPr/>
+          </p:nvSpPr>
+          <p:spPr>
+            <a:xfrm>
+              <a:off x="2897047" y="5658250"/>
+              <a:ext cx="1113248" cy="1200329"/>
+            </a:xfrm>
+            <a:prstGeom prst="rect">
+              <a:avLst/>
+            </a:prstGeom>
+            <a:noFill/>
+          </p:spPr>
+          <p:txBody>
+            <a:bodyPr wrap="square" rtlCol="0">
+              <a:spAutoFit/>
+            </a:bodyPr>
+            <a:lstStyle/>
+            <a:p>
+              <a:r>
+                <a:rPr lang="en-US" dirty="0">
+                  <a:solidFill>
+                    <a:srgbClr val="C00000"/>
+                  </a:solidFill>
+                </a:rPr>
+                <a:t>Memory layer also talk with LLM</a:t>
+              </a:r>
+              <a:endParaRPr lang="en-PK" dirty="0">
+                <a:solidFill>
+                  <a:srgbClr val="C00000"/>
+                </a:solidFill>
+              </a:endParaRPr>
+            </a:p>
+          </p:txBody>
+        </p:sp>
+        <p:cxnSp>
+          <p:nvCxnSpPr>
+            <p:cNvPr id="30" name="Straight Arrow Connector 29">
+              <a:extLst>
+                <a:ext uri="{FF2B5EF4-FFF2-40B4-BE49-F238E27FC236}">
+                  <a16:creationId xmlns:a16="http://schemas.microsoft.com/office/drawing/2014/main" id="{EAAD80A1-DC2D-352D-D6C4-573CC4C38BB2}"/>
+                </a:ext>
+              </a:extLst>
+            </p:cNvPr>
+            <p:cNvCxnSpPr>
+              <a:cxnSpLocks/>
+              <a:stCxn id="13" idx="0"/>
+              <a:endCxn id="21" idx="2"/>
+            </p:cNvCxnSpPr>
+            <p:nvPr/>
+          </p:nvCxnSpPr>
+          <p:spPr>
+            <a:xfrm flipH="1" flipV="1">
+              <a:off x="5825438" y="2880776"/>
+              <a:ext cx="4" cy="226595"/>
+            </a:xfrm>
+            <a:prstGeom prst="straightConnector1">
+              <a:avLst/>
+            </a:prstGeom>
+            <a:ln>
+              <a:tailEnd type="triangle"/>
+            </a:ln>
+          </p:spPr>
+          <p:style>
+            <a:lnRef idx="3">
+              <a:schemeClr val="dk1"/>
+            </a:lnRef>
+            <a:fillRef idx="0">
+              <a:schemeClr val="dk1"/>
+            </a:fillRef>
+            <a:effectRef idx="2">
+              <a:schemeClr val="dk1"/>
+            </a:effectRef>
+            <a:fontRef idx="minor">
+              <a:schemeClr val="tx1"/>
+            </a:fontRef>
+          </p:style>
+        </p:cxnSp>
+        <p:cxnSp>
+          <p:nvCxnSpPr>
+            <p:cNvPr id="33" name="Straight Arrow Connector 32">
+              <a:extLst>
+                <a:ext uri="{FF2B5EF4-FFF2-40B4-BE49-F238E27FC236}">
+                  <a16:creationId xmlns:a16="http://schemas.microsoft.com/office/drawing/2014/main" id="{8EA1CB27-6F5A-8876-865A-8D3CBE9D774B}"/>
+                </a:ext>
+              </a:extLst>
+            </p:cNvPr>
+            <p:cNvCxnSpPr>
+              <a:cxnSpLocks/>
+            </p:cNvCxnSpPr>
+            <p:nvPr/>
+          </p:nvCxnSpPr>
+          <p:spPr>
+            <a:xfrm>
+              <a:off x="5977838" y="2880776"/>
+              <a:ext cx="0" cy="226595"/>
+            </a:xfrm>
+            <a:prstGeom prst="straightConnector1">
+              <a:avLst/>
+            </a:prstGeom>
+            <a:ln>
+              <a:tailEnd type="triangle"/>
+            </a:ln>
+          </p:spPr>
+          <p:style>
+            <a:lnRef idx="3">
+              <a:schemeClr val="dk1"/>
+            </a:lnRef>
+            <a:fillRef idx="0">
+              <a:schemeClr val="dk1"/>
+            </a:fillRef>
+            <a:effectRef idx="2">
+              <a:schemeClr val="dk1"/>
+            </a:effectRef>
+            <a:fontRef idx="minor">
+              <a:schemeClr val="tx1"/>
+            </a:fontRef>
+          </p:style>
+        </p:cxnSp>
+      </p:grpSp>
+    </p:spTree>
+    <p:extLst>
+      <p:ext uri="{BB962C8B-B14F-4D97-AF65-F5344CB8AC3E}">
+        <p14:creationId xmlns:p14="http://schemas.microsoft.com/office/powerpoint/2010/main" val="1757659902"/>
+      </p:ext>
+    </p:extLst>
+  </p:cSld>
+  <p:clrMapOvr>
+    <a:masterClrMapping/>
+  </p:clrMapOvr>
+</p:sld>
+</file>
+
+<file path=ppt/slides/slide54.xml><?xml version="1.0" encoding="utf-8"?>
+<p:sld xmlns:a="http://schemas.openxmlformats.org/drawingml/2006/main" xmlns:r="http://schemas.openxmlformats.org/officeDocument/2006/relationships" xmlns:p="http://schemas.openxmlformats.org/presentationml/2006/main">
+  <p:cSld>
+    <p:spTree>
+      <p:nvGrpSpPr>
+        <p:cNvPr id="1" name="">
+          <a:extLst>
+            <a:ext uri="{FF2B5EF4-FFF2-40B4-BE49-F238E27FC236}">
+              <a16:creationId xmlns:a16="http://schemas.microsoft.com/office/drawing/2014/main" id="{840B62D1-F08B-3544-7E70-59585B081370}"/>
+            </a:ext>
+          </a:extLst>
+        </p:cNvPr>
+        <p:cNvGrpSpPr/>
+        <p:nvPr/>
+      </p:nvGrpSpPr>
+      <p:grpSpPr>
+        <a:xfrm>
+          <a:off x="0" y="0"/>
+          <a:ext cx="0" cy="0"/>
+          <a:chOff x="0" y="0"/>
+          <a:chExt cx="0" cy="0"/>
+        </a:xfrm>
+      </p:grpSpPr>
+      <p:sp>
+        <p:nvSpPr>
+          <p:cNvPr id="2" name="Title 1">
+            <a:extLst>
+              <a:ext uri="{FF2B5EF4-FFF2-40B4-BE49-F238E27FC236}">
+                <a16:creationId xmlns:a16="http://schemas.microsoft.com/office/drawing/2014/main" id="{4316C8DE-4A6B-2DD5-AD9A-713D2FFFF90D}"/>
+              </a:ext>
+            </a:extLst>
+          </p:cNvPr>
+          <p:cNvSpPr>
+            <a:spLocks noGrp="1"/>
+          </p:cNvSpPr>
+          <p:nvPr>
+            <p:ph type="title"/>
+          </p:nvPr>
+        </p:nvSpPr>
+        <p:spPr>
+          <a:xfrm>
+            <a:off x="838200" y="365125"/>
+            <a:ext cx="10515600" cy="916919"/>
+          </a:xfrm>
+        </p:spPr>
+        <p:txBody>
+          <a:bodyPr>
+            <a:noAutofit/>
+          </a:bodyPr>
+          <a:lstStyle/>
+          <a:p>
+            <a:r>
+              <a:rPr lang="en-US" sz="3600" b="1" dirty="0"/>
+              <a:t>Memory (Long term)</a:t>
+            </a:r>
+          </a:p>
+        </p:txBody>
+      </p:sp>
+      <p:sp>
+        <p:nvSpPr>
+          <p:cNvPr id="5" name="Content Placeholder 4">
+            <a:extLst>
+              <a:ext uri="{FF2B5EF4-FFF2-40B4-BE49-F238E27FC236}">
+                <a16:creationId xmlns:a16="http://schemas.microsoft.com/office/drawing/2014/main" id="{0CFD3F22-81CC-197F-64FC-CEC5A8D2687C}"/>
+              </a:ext>
+            </a:extLst>
+          </p:cNvPr>
+          <p:cNvSpPr>
+            <a:spLocks noGrp="1"/>
+          </p:cNvSpPr>
+          <p:nvPr>
+            <p:ph idx="1"/>
+          </p:nvPr>
+        </p:nvSpPr>
+        <p:spPr>
+          <a:xfrm>
+            <a:off x="838200" y="1282044"/>
+            <a:ext cx="10515600" cy="4894919"/>
+          </a:xfrm>
+        </p:spPr>
+        <p:txBody>
+          <a:bodyPr>
+            <a:normAutofit/>
+          </a:bodyPr>
+          <a:lstStyle/>
+          <a:p>
+            <a:r>
+              <a:rPr lang="en-US" dirty="0"/>
+              <a:t>In the </a:t>
+            </a:r>
+            <a:r>
+              <a:rPr lang="en-US" b="1" dirty="0"/>
+              <a:t>OpenAI Assistants / Agents system</a:t>
+            </a:r>
+            <a:r>
+              <a:rPr lang="en-US" dirty="0"/>
+              <a:t>, "memory" means:</a:t>
+            </a:r>
+          </a:p>
+          <a:p>
+            <a:r>
+              <a:rPr lang="en-US" dirty="0"/>
+              <a:t>The ability for an agent to </a:t>
+            </a:r>
+            <a:r>
+              <a:rPr lang="en-US" b="1" dirty="0"/>
+              <a:t>remember facts, preferences, or events</a:t>
+            </a:r>
+            <a:r>
+              <a:rPr lang="en-US" dirty="0"/>
+              <a:t> from </a:t>
+            </a:r>
+            <a:r>
+              <a:rPr lang="en-US" b="1" dirty="0"/>
+              <a:t>past conversations</a:t>
+            </a:r>
+            <a:r>
+              <a:rPr lang="en-US" dirty="0"/>
+              <a:t> and use them in future interactions — like a human would.</a:t>
+            </a:r>
+          </a:p>
+          <a:p>
+            <a:r>
+              <a:rPr lang="en-US" dirty="0"/>
+              <a:t>This allows the agent to </a:t>
+            </a:r>
+            <a:r>
+              <a:rPr lang="en-US" b="1" dirty="0"/>
+              <a:t>build context over time</a:t>
+            </a:r>
+            <a:r>
+              <a:rPr lang="en-US" dirty="0"/>
+              <a:t>, not just within one conversation.</a:t>
+            </a:r>
+          </a:p>
+          <a:p>
+            <a:r>
+              <a:rPr lang="en-US" dirty="0"/>
+              <a:t>You can available memory in tool calling and in system prompt</a:t>
+            </a:r>
+          </a:p>
+          <a:p>
+            <a:r>
+              <a:rPr lang="en-US" dirty="0"/>
+              <a:t>Memory layer is also talk with LLM</a:t>
+            </a:r>
+          </a:p>
+          <a:p>
+            <a:pPr marL="0" indent="0">
+              <a:buNone/>
+            </a:pPr>
+            <a:endParaRPr lang="en-US" dirty="0"/>
+          </a:p>
+        </p:txBody>
+      </p:sp>
+    </p:spTree>
+    <p:extLst>
+      <p:ext uri="{BB962C8B-B14F-4D97-AF65-F5344CB8AC3E}">
+        <p14:creationId xmlns:p14="http://schemas.microsoft.com/office/powerpoint/2010/main" val="3606092845"/>
+      </p:ext>
+    </p:extLst>
+  </p:cSld>
+  <p:clrMapOvr>
+    <a:masterClrMapping/>
+  </p:clrMapOvr>
+</p:sld>
+</file>
+
+<file path=ppt/slides/slide55.xml><?xml version="1.0" encoding="utf-8"?>
+<p:sld xmlns:a="http://schemas.openxmlformats.org/drawingml/2006/main" xmlns:r="http://schemas.openxmlformats.org/officeDocument/2006/relationships" xmlns:p="http://schemas.openxmlformats.org/presentationml/2006/main">
+  <p:cSld>
+    <p:spTree>
+      <p:nvGrpSpPr>
+        <p:cNvPr id="1" name="">
+          <a:extLst>
+            <a:ext uri="{FF2B5EF4-FFF2-40B4-BE49-F238E27FC236}">
+              <a16:creationId xmlns:a16="http://schemas.microsoft.com/office/drawing/2014/main" id="{D49EBB08-BBFB-C8D8-5DF0-549C4A5EFB62}"/>
+            </a:ext>
+          </a:extLst>
+        </p:cNvPr>
+        <p:cNvGrpSpPr/>
+        <p:nvPr/>
+      </p:nvGrpSpPr>
+      <p:grpSpPr>
+        <a:xfrm>
+          <a:off x="0" y="0"/>
+          <a:ext cx="0" cy="0"/>
+          <a:chOff x="0" y="0"/>
+          <a:chExt cx="0" cy="0"/>
+        </a:xfrm>
+      </p:grpSpPr>
+      <p:sp>
+        <p:nvSpPr>
+          <p:cNvPr id="2" name="Title 1">
+            <a:extLst>
+              <a:ext uri="{FF2B5EF4-FFF2-40B4-BE49-F238E27FC236}">
+                <a16:creationId xmlns:a16="http://schemas.microsoft.com/office/drawing/2014/main" id="{8D08E918-083F-19D9-0E3E-914E58FFC7FA}"/>
+              </a:ext>
+            </a:extLst>
+          </p:cNvPr>
+          <p:cNvSpPr>
+            <a:spLocks noGrp="1"/>
+          </p:cNvSpPr>
+          <p:nvPr>
+            <p:ph type="title"/>
+          </p:nvPr>
+        </p:nvSpPr>
+        <p:spPr>
+          <a:xfrm>
+            <a:off x="838200" y="365125"/>
+            <a:ext cx="10515600" cy="916919"/>
+          </a:xfrm>
+        </p:spPr>
+        <p:txBody>
+          <a:bodyPr>
+            <a:noAutofit/>
+          </a:bodyPr>
+          <a:lstStyle/>
+          <a:p>
+            <a:r>
+              <a:rPr lang="en-US" sz="3600" b="1" dirty="0"/>
+              <a:t>Memory (Long term)</a:t>
+            </a:r>
+          </a:p>
+        </p:txBody>
+      </p:sp>
+      <p:sp>
+        <p:nvSpPr>
+          <p:cNvPr id="5" name="Content Placeholder 4">
+            <a:extLst>
+              <a:ext uri="{FF2B5EF4-FFF2-40B4-BE49-F238E27FC236}">
+                <a16:creationId xmlns:a16="http://schemas.microsoft.com/office/drawing/2014/main" id="{46469C67-1AB3-EF40-3F9E-39B062F14F73}"/>
+              </a:ext>
+            </a:extLst>
+          </p:cNvPr>
+          <p:cNvSpPr>
+            <a:spLocks noGrp="1"/>
+          </p:cNvSpPr>
+          <p:nvPr>
+            <p:ph idx="1"/>
+          </p:nvPr>
+        </p:nvSpPr>
+        <p:spPr>
+          <a:xfrm>
+            <a:off x="838200" y="1282044"/>
+            <a:ext cx="10515600" cy="4894919"/>
+          </a:xfrm>
+        </p:spPr>
+        <p:txBody>
+          <a:bodyPr>
+            <a:normAutofit/>
+          </a:bodyPr>
+          <a:lstStyle/>
+          <a:p>
+            <a:pPr marL="0" indent="0">
+              <a:buNone/>
+            </a:pPr>
+            <a:r>
+              <a:rPr lang="en-US" b="1" dirty="0">
+                <a:solidFill>
+                  <a:srgbClr val="C00000"/>
+                </a:solidFill>
+              </a:rPr>
+              <a:t>What is RSI in this context?</a:t>
+            </a:r>
+          </a:p>
+          <a:p>
+            <a:r>
+              <a:rPr lang="en-US" b="1" dirty="0"/>
+              <a:t>RSI = Retrieval System Interface</a:t>
+            </a:r>
+          </a:p>
+          <a:p>
+            <a:r>
+              <a:rPr lang="en-US" dirty="0"/>
+              <a:t>It’s a part of the architecture that supports memory by retrieving relevant past information (like user history, prior chats, facts) when the agent needs it.</a:t>
+            </a:r>
+          </a:p>
+          <a:p>
+            <a:r>
+              <a:rPr lang="en-US" i="1" dirty="0"/>
+              <a:t>✅ In simple terms:</a:t>
+            </a:r>
+          </a:p>
+          <a:p>
+            <a:r>
+              <a:rPr lang="en-US" dirty="0"/>
+              <a:t>RSI is the system that helps the agent "remember" things by retrieving stored information (from vector databases, notes, past interactions, etc.) and feeding it into the current conversation.</a:t>
+            </a:r>
+          </a:p>
+        </p:txBody>
+      </p:sp>
+    </p:spTree>
+    <p:extLst>
+      <p:ext uri="{BB962C8B-B14F-4D97-AF65-F5344CB8AC3E}">
+        <p14:creationId xmlns:p14="http://schemas.microsoft.com/office/powerpoint/2010/main" val="3097835114"/>
+      </p:ext>
+    </p:extLst>
+  </p:cSld>
+  <p:clrMapOvr>
+    <a:masterClrMapping/>
+  </p:clrMapOvr>
+</p:sld>
+</file>
+
+<file path=ppt/slides/slide56.xml><?xml version="1.0" encoding="utf-8"?>
+<p:sld xmlns:a="http://schemas.openxmlformats.org/drawingml/2006/main" xmlns:r="http://schemas.openxmlformats.org/officeDocument/2006/relationships" xmlns:p="http://schemas.openxmlformats.org/presentationml/2006/main">
+  <p:cSld>
+    <p:spTree>
+      <p:nvGrpSpPr>
+        <p:cNvPr id="1" name="">
+          <a:extLst>
+            <a:ext uri="{FF2B5EF4-FFF2-40B4-BE49-F238E27FC236}">
+              <a16:creationId xmlns:a16="http://schemas.microsoft.com/office/drawing/2014/main" id="{B96B831A-CE1A-4D73-2A15-21A7EFB679B3}"/>
+            </a:ext>
+          </a:extLst>
+        </p:cNvPr>
+        <p:cNvGrpSpPr/>
+        <p:nvPr/>
+      </p:nvGrpSpPr>
+      <p:grpSpPr>
+        <a:xfrm>
+          <a:off x="0" y="0"/>
+          <a:ext cx="0" cy="0"/>
+          <a:chOff x="0" y="0"/>
+          <a:chExt cx="0" cy="0"/>
+        </a:xfrm>
+      </p:grpSpPr>
+      <p:sp>
+        <p:nvSpPr>
+          <p:cNvPr id="2" name="Title 1">
+            <a:extLst>
+              <a:ext uri="{FF2B5EF4-FFF2-40B4-BE49-F238E27FC236}">
+                <a16:creationId xmlns:a16="http://schemas.microsoft.com/office/drawing/2014/main" id="{A3CB76AD-C7D3-7AA5-5844-4FA7D33A78A6}"/>
+              </a:ext>
+            </a:extLst>
+          </p:cNvPr>
+          <p:cNvSpPr>
+            <a:spLocks noGrp="1"/>
+          </p:cNvSpPr>
+          <p:nvPr>
+            <p:ph type="title"/>
+          </p:nvPr>
+        </p:nvSpPr>
+        <p:spPr>
+          <a:xfrm>
+            <a:off x="838200" y="365125"/>
+            <a:ext cx="10515600" cy="916919"/>
+          </a:xfrm>
+        </p:spPr>
+        <p:txBody>
+          <a:bodyPr>
+            <a:noAutofit/>
+          </a:bodyPr>
+          <a:lstStyle/>
+          <a:p>
+            <a:r>
+              <a:rPr lang="en-US" sz="3600" b="1" dirty="0"/>
+              <a:t>Memory (Long term)</a:t>
+            </a:r>
+          </a:p>
+        </p:txBody>
+      </p:sp>
+      <p:sp>
+        <p:nvSpPr>
+          <p:cNvPr id="5" name="Content Placeholder 4">
+            <a:extLst>
+              <a:ext uri="{FF2B5EF4-FFF2-40B4-BE49-F238E27FC236}">
+                <a16:creationId xmlns:a16="http://schemas.microsoft.com/office/drawing/2014/main" id="{48891AAA-BEBF-09BB-CCC1-86F22785F90A}"/>
+              </a:ext>
+            </a:extLst>
+          </p:cNvPr>
+          <p:cNvSpPr>
+            <a:spLocks noGrp="1"/>
+          </p:cNvSpPr>
+          <p:nvPr>
+            <p:ph idx="1"/>
+          </p:nvPr>
+        </p:nvSpPr>
+        <p:spPr>
+          <a:xfrm>
+            <a:off x="838200" y="1282044"/>
+            <a:ext cx="10515600" cy="4894919"/>
+          </a:xfrm>
+        </p:spPr>
+        <p:txBody>
+          <a:bodyPr>
+            <a:normAutofit/>
+          </a:bodyPr>
+          <a:lstStyle/>
+          <a:p>
+            <a:pPr marL="0" indent="0">
+              <a:buNone/>
+            </a:pPr>
+            <a:r>
+              <a:rPr lang="en-US" b="1" dirty="0">
+                <a:solidFill>
+                  <a:srgbClr val="C00000"/>
+                </a:solidFill>
+              </a:rPr>
+              <a:t>How It Works (Simplified Flow):</a:t>
+            </a:r>
+          </a:p>
+          <a:p>
+            <a:r>
+              <a:rPr lang="en-US" dirty="0"/>
+              <a:t>User: </a:t>
+            </a:r>
+            <a:r>
+              <a:rPr lang="en-US" i="1" dirty="0"/>
+              <a:t>"Remind me what I said about my favorite vacation spot?"</a:t>
+            </a:r>
+            <a:endParaRPr lang="en-US" dirty="0"/>
+          </a:p>
+          <a:p>
+            <a:r>
+              <a:rPr lang="en-US" dirty="0"/>
+              <a:t>Agent uses </a:t>
+            </a:r>
+            <a:r>
+              <a:rPr lang="en-US" b="1" dirty="0"/>
+              <a:t>RSI</a:t>
+            </a:r>
+            <a:r>
+              <a:rPr lang="en-US" dirty="0"/>
+              <a:t> to </a:t>
+            </a:r>
+            <a:r>
+              <a:rPr lang="en-US" b="1" dirty="0"/>
+              <a:t>search its memory store</a:t>
+            </a:r>
+            <a:r>
+              <a:rPr lang="en-US" dirty="0"/>
+              <a:t> (e.g., vector DB or long-term notes).</a:t>
+            </a:r>
+          </a:p>
+          <a:p>
+            <a:r>
+              <a:rPr lang="en-US" dirty="0"/>
+              <a:t>It finds: </a:t>
+            </a:r>
+            <a:r>
+              <a:rPr lang="en-US" i="1" dirty="0"/>
+              <a:t>“User said they love Bali in June.”</a:t>
+            </a:r>
+            <a:endParaRPr lang="en-US" dirty="0"/>
+          </a:p>
+          <a:p>
+            <a:r>
+              <a:rPr lang="en-US" dirty="0"/>
+              <a:t>That info is inserted into the context or used to answer.</a:t>
+            </a:r>
+          </a:p>
+          <a:p>
+            <a:pPr marL="0" indent="0">
+              <a:buNone/>
+            </a:pPr>
+            <a:r>
+              <a:rPr lang="en-US" dirty="0"/>
+              <a:t>In memory, we will call LLM in order to reduced the usage of token and just get the context of previous conversations, not full conversation, it means memory will also used LLMs</a:t>
+            </a:r>
+          </a:p>
+        </p:txBody>
+      </p:sp>
+    </p:spTree>
+    <p:extLst>
+      <p:ext uri="{BB962C8B-B14F-4D97-AF65-F5344CB8AC3E}">
+        <p14:creationId xmlns:p14="http://schemas.microsoft.com/office/powerpoint/2010/main" val="4055401026"/>
+      </p:ext>
+    </p:extLst>
+  </p:cSld>
+  <p:clrMapOvr>
+    <a:masterClrMapping/>
+  </p:clrMapOvr>
+</p:sld>
+</file>
+
+<file path=ppt/slides/slide57.xml><?xml version="1.0" encoding="utf-8"?>
+<p:sld xmlns:a="http://schemas.openxmlformats.org/drawingml/2006/main" xmlns:r="http://schemas.openxmlformats.org/officeDocument/2006/relationships" xmlns:p="http://schemas.openxmlformats.org/presentationml/2006/main">
+  <p:cSld>
+    <p:spTree>
+      <p:nvGrpSpPr>
+        <p:cNvPr id="1" name="">
+          <a:extLst>
+            <a:ext uri="{FF2B5EF4-FFF2-40B4-BE49-F238E27FC236}">
+              <a16:creationId xmlns:a16="http://schemas.microsoft.com/office/drawing/2014/main" id="{3B531A66-40FB-B214-7782-2A57FC6C108A}"/>
+            </a:ext>
+          </a:extLst>
+        </p:cNvPr>
+        <p:cNvGrpSpPr/>
+        <p:nvPr/>
+      </p:nvGrpSpPr>
+      <p:grpSpPr>
+        <a:xfrm>
+          <a:off x="0" y="0"/>
+          <a:ext cx="0" cy="0"/>
+          <a:chOff x="0" y="0"/>
+          <a:chExt cx="0" cy="0"/>
+        </a:xfrm>
+      </p:grpSpPr>
+      <p:sp>
+        <p:nvSpPr>
+          <p:cNvPr id="2" name="Title 1">
+            <a:extLst>
+              <a:ext uri="{FF2B5EF4-FFF2-40B4-BE49-F238E27FC236}">
+                <a16:creationId xmlns:a16="http://schemas.microsoft.com/office/drawing/2014/main" id="{ABF9CC16-8AFC-881F-FB76-1101FF72E7AA}"/>
+              </a:ext>
+            </a:extLst>
+          </p:cNvPr>
+          <p:cNvSpPr>
+            <a:spLocks noGrp="1"/>
+          </p:cNvSpPr>
+          <p:nvPr>
+            <p:ph type="title"/>
+          </p:nvPr>
+        </p:nvSpPr>
+        <p:spPr>
+          <a:xfrm>
+            <a:off x="838200" y="365125"/>
+            <a:ext cx="10515600" cy="916919"/>
+          </a:xfrm>
+        </p:spPr>
+        <p:txBody>
+          <a:bodyPr>
+            <a:noAutofit/>
+          </a:bodyPr>
+          <a:lstStyle/>
+          <a:p>
+            <a:r>
+              <a:rPr lang="en-US" sz="3600" b="1" dirty="0"/>
+              <a:t>Memory Management</a:t>
+            </a:r>
+          </a:p>
+        </p:txBody>
+      </p:sp>
+      <p:sp>
+        <p:nvSpPr>
+          <p:cNvPr id="5" name="Content Placeholder 4">
+            <a:extLst>
+              <a:ext uri="{FF2B5EF4-FFF2-40B4-BE49-F238E27FC236}">
+                <a16:creationId xmlns:a16="http://schemas.microsoft.com/office/drawing/2014/main" id="{5F37E6DE-062B-6F6E-3774-5F917B4304D3}"/>
+              </a:ext>
+            </a:extLst>
+          </p:cNvPr>
+          <p:cNvSpPr>
+            <a:spLocks noGrp="1"/>
+          </p:cNvSpPr>
+          <p:nvPr>
+            <p:ph idx="1"/>
+          </p:nvPr>
+        </p:nvSpPr>
+        <p:spPr>
+          <a:xfrm>
+            <a:off x="838200" y="1282044"/>
+            <a:ext cx="10515600" cy="4894919"/>
+          </a:xfrm>
+        </p:spPr>
+        <p:txBody>
+          <a:bodyPr>
+            <a:normAutofit/>
+          </a:bodyPr>
+          <a:lstStyle/>
+          <a:p>
+            <a:pPr marL="0" indent="0">
+              <a:buNone/>
+            </a:pPr>
+            <a:r>
+              <a:rPr lang="en-US" dirty="0"/>
+              <a:t>Memory management is very important:</a:t>
+            </a:r>
+          </a:p>
+          <a:p>
+            <a:r>
+              <a:rPr lang="en-US" dirty="0"/>
+              <a:t>To memorize communication between agents</a:t>
+            </a:r>
+          </a:p>
+          <a:p>
+            <a:r>
+              <a:rPr lang="en-US" dirty="0"/>
+              <a:t>To remember work while agent performs individual task, keeping in short term or in long term memory</a:t>
+            </a:r>
+          </a:p>
+          <a:p>
+            <a:r>
+              <a:rPr lang="en-US" dirty="0"/>
+              <a:t>To remember what tool has done and remember it answer/reply</a:t>
+            </a:r>
+          </a:p>
+          <a:p>
+            <a:pPr marL="0" indent="0">
+              <a:buNone/>
+            </a:pPr>
+            <a:r>
+              <a:rPr lang="en-US" dirty="0"/>
+              <a:t>All these type of stuffs manage via memory layer and to manage this memory in efficient way, there is a package which we called </a:t>
+            </a:r>
+            <a:r>
+              <a:rPr lang="en-US" b="1" dirty="0" err="1"/>
+              <a:t>LangMem</a:t>
+            </a:r>
+            <a:endParaRPr lang="en-US" b="1" dirty="0"/>
+          </a:p>
+        </p:txBody>
+      </p:sp>
+    </p:spTree>
+    <p:extLst>
+      <p:ext uri="{BB962C8B-B14F-4D97-AF65-F5344CB8AC3E}">
+        <p14:creationId xmlns:p14="http://schemas.microsoft.com/office/powerpoint/2010/main" val="2479206786"/>
+      </p:ext>
+    </p:extLst>
+  </p:cSld>
+  <p:clrMapOvr>
+    <a:masterClrMapping/>
+  </p:clrMapOvr>
+</p:sld>
+</file>
+
+<file path=ppt/slides/slide58.xml><?xml version="1.0" encoding="utf-8"?>
+<p:sld xmlns:a="http://schemas.openxmlformats.org/drawingml/2006/main" xmlns:r="http://schemas.openxmlformats.org/officeDocument/2006/relationships" xmlns:p="http://schemas.openxmlformats.org/presentationml/2006/main">
+  <p:cSld>
+    <p:spTree>
+      <p:nvGrpSpPr>
+        <p:cNvPr id="1" name="">
+          <a:extLst>
+            <a:ext uri="{FF2B5EF4-FFF2-40B4-BE49-F238E27FC236}">
+              <a16:creationId xmlns:a16="http://schemas.microsoft.com/office/drawing/2014/main" id="{A2E08F8B-15C9-51A1-FEFD-F1B6760A77D7}"/>
+            </a:ext>
+          </a:extLst>
+        </p:cNvPr>
+        <p:cNvGrpSpPr/>
+        <p:nvPr/>
+      </p:nvGrpSpPr>
+      <p:grpSpPr>
+        <a:xfrm>
+          <a:off x="0" y="0"/>
+          <a:ext cx="0" cy="0"/>
+          <a:chOff x="0" y="0"/>
+          <a:chExt cx="0" cy="0"/>
+        </a:xfrm>
+      </p:grpSpPr>
+      <p:sp>
+        <p:nvSpPr>
+          <p:cNvPr id="2" name="Title 1">
+            <a:extLst>
+              <a:ext uri="{FF2B5EF4-FFF2-40B4-BE49-F238E27FC236}">
+                <a16:creationId xmlns:a16="http://schemas.microsoft.com/office/drawing/2014/main" id="{2C8B7A7B-3755-9028-C052-263DE119364F}"/>
+              </a:ext>
+            </a:extLst>
+          </p:cNvPr>
+          <p:cNvSpPr>
+            <a:spLocks noGrp="1"/>
+          </p:cNvSpPr>
+          <p:nvPr>
+            <p:ph type="title"/>
+          </p:nvPr>
+        </p:nvSpPr>
+        <p:spPr>
+          <a:xfrm>
+            <a:off x="838200" y="365125"/>
+            <a:ext cx="10515600" cy="916919"/>
+          </a:xfrm>
+        </p:spPr>
+        <p:txBody>
+          <a:bodyPr>
+            <a:noAutofit/>
+          </a:bodyPr>
+          <a:lstStyle/>
+          <a:p>
+            <a:r>
+              <a:rPr lang="en-US" sz="3600" b="1" dirty="0"/>
+              <a:t>Work Flow of Agents</a:t>
+            </a:r>
+          </a:p>
+        </p:txBody>
+      </p:sp>
+      <p:sp>
+        <p:nvSpPr>
+          <p:cNvPr id="5" name="Content Placeholder 4">
+            <a:extLst>
+              <a:ext uri="{FF2B5EF4-FFF2-40B4-BE49-F238E27FC236}">
+                <a16:creationId xmlns:a16="http://schemas.microsoft.com/office/drawing/2014/main" id="{5E31D3F8-FA5D-3F86-B86E-B7D73E66AF3A}"/>
+              </a:ext>
+            </a:extLst>
+          </p:cNvPr>
+          <p:cNvSpPr>
+            <a:spLocks noGrp="1"/>
+          </p:cNvSpPr>
+          <p:nvPr>
+            <p:ph idx="1"/>
+          </p:nvPr>
+        </p:nvSpPr>
+        <p:spPr>
+          <a:xfrm>
+            <a:off x="838200" y="1282044"/>
+            <a:ext cx="10515600" cy="4894919"/>
+          </a:xfrm>
+        </p:spPr>
+        <p:txBody>
+          <a:bodyPr>
+            <a:normAutofit/>
+          </a:bodyPr>
+          <a:lstStyle/>
+          <a:p>
+            <a:r>
+              <a:rPr lang="en-US" dirty="0"/>
+              <a:t>There is a certain difference between work flow and Agentic workflow</a:t>
+            </a:r>
+          </a:p>
+          <a:p>
+            <a:r>
+              <a:rPr lang="en-US" dirty="0"/>
+              <a:t>According to Anthropic design pattern article’s findings, agents and LLMs decide what will be the sequence of workflow through handoff and tool calling. </a:t>
+            </a:r>
+          </a:p>
+          <a:p>
+            <a:r>
+              <a:rPr lang="en-US" dirty="0"/>
+              <a:t>Article link </a:t>
+            </a:r>
+            <a:r>
+              <a:rPr lang="en-US" dirty="0">
+                <a:sym typeface="Wingdings" panose="05000000000000000000" pitchFamily="2" charset="2"/>
+              </a:rPr>
+              <a:t> </a:t>
+            </a:r>
+            <a:r>
+              <a:rPr lang="en-US" dirty="0">
+                <a:sym typeface="Wingdings" panose="05000000000000000000" pitchFamily="2" charset="2"/>
+                <a:hlinkClick r:id="rId2"/>
+              </a:rPr>
+              <a:t>https://www.anthropic.com/engineering/building-effective-agents</a:t>
+            </a:r>
+            <a:endParaRPr lang="en-US" dirty="0">
+              <a:sym typeface="Wingdings" panose="05000000000000000000" pitchFamily="2" charset="2"/>
+            </a:endParaRPr>
+          </a:p>
+          <a:p>
+            <a:r>
+              <a:rPr lang="en-US" dirty="0">
+                <a:sym typeface="Wingdings" panose="05000000000000000000" pitchFamily="2" charset="2"/>
+              </a:rPr>
+              <a:t>Workflow and agent could be of short term or long term, short term means one session, long term means keeping flowing and state</a:t>
+            </a:r>
+          </a:p>
+          <a:p>
+            <a:pPr marL="0" indent="0">
+              <a:buNone/>
+            </a:pPr>
+            <a:endParaRPr lang="en-US" dirty="0">
+              <a:sym typeface="Wingdings" panose="05000000000000000000" pitchFamily="2" charset="2"/>
+            </a:endParaRPr>
+          </a:p>
+          <a:p>
+            <a:endParaRPr lang="en-US" dirty="0"/>
+          </a:p>
+        </p:txBody>
+      </p:sp>
+    </p:spTree>
+    <p:extLst>
+      <p:ext uri="{BB962C8B-B14F-4D97-AF65-F5344CB8AC3E}">
+        <p14:creationId xmlns:p14="http://schemas.microsoft.com/office/powerpoint/2010/main" val="3563427777"/>
+      </p:ext>
+    </p:extLst>
+  </p:cSld>
+  <p:clrMapOvr>
+    <a:masterClrMapping/>
+  </p:clrMapOvr>
+</p:sld>
+</file>
+
+<file path=ppt/slides/slide59.xml><?xml version="1.0" encoding="utf-8"?>
+<p:sld xmlns:a="http://schemas.openxmlformats.org/drawingml/2006/main" xmlns:r="http://schemas.openxmlformats.org/officeDocument/2006/relationships" xmlns:p="http://schemas.openxmlformats.org/presentationml/2006/main">
+  <p:cSld>
+    <p:spTree>
+      <p:nvGrpSpPr>
+        <p:cNvPr id="1" name="">
+          <a:extLst>
+            <a:ext uri="{FF2B5EF4-FFF2-40B4-BE49-F238E27FC236}">
+              <a16:creationId xmlns:a16="http://schemas.microsoft.com/office/drawing/2014/main" id="{86959198-9916-219A-03CD-C816FF3DB7E4}"/>
+            </a:ext>
+          </a:extLst>
+        </p:cNvPr>
+        <p:cNvGrpSpPr/>
+        <p:nvPr/>
+      </p:nvGrpSpPr>
+      <p:grpSpPr>
+        <a:xfrm>
+          <a:off x="0" y="0"/>
+          <a:ext cx="0" cy="0"/>
+          <a:chOff x="0" y="0"/>
+          <a:chExt cx="0" cy="0"/>
+        </a:xfrm>
+      </p:grpSpPr>
+      <p:sp>
+        <p:nvSpPr>
+          <p:cNvPr id="2" name="Title 1">
+            <a:extLst>
+              <a:ext uri="{FF2B5EF4-FFF2-40B4-BE49-F238E27FC236}">
+                <a16:creationId xmlns:a16="http://schemas.microsoft.com/office/drawing/2014/main" id="{2CAD9E78-4AFE-6AAC-1045-EEE14D97C8B3}"/>
+              </a:ext>
+            </a:extLst>
+          </p:cNvPr>
+          <p:cNvSpPr>
+            <a:spLocks noGrp="1"/>
+          </p:cNvSpPr>
+          <p:nvPr>
+            <p:ph type="title"/>
+          </p:nvPr>
+        </p:nvSpPr>
+        <p:spPr>
+          <a:xfrm>
+            <a:off x="838200" y="365125"/>
+            <a:ext cx="10515600" cy="916919"/>
+          </a:xfrm>
+        </p:spPr>
+        <p:txBody>
+          <a:bodyPr>
+            <a:noAutofit/>
+          </a:bodyPr>
+          <a:lstStyle/>
+          <a:p>
+            <a:r>
+              <a:rPr lang="en-US" sz="3600" b="1" dirty="0"/>
+              <a:t>Work Flow of Agents</a:t>
+            </a:r>
+          </a:p>
+        </p:txBody>
+      </p:sp>
+      <p:sp>
+        <p:nvSpPr>
+          <p:cNvPr id="5" name="Content Placeholder 4">
+            <a:extLst>
+              <a:ext uri="{FF2B5EF4-FFF2-40B4-BE49-F238E27FC236}">
+                <a16:creationId xmlns:a16="http://schemas.microsoft.com/office/drawing/2014/main" id="{770F0ACE-896D-F5A9-7C1D-022F8D484E72}"/>
+              </a:ext>
+            </a:extLst>
+          </p:cNvPr>
+          <p:cNvSpPr>
+            <a:spLocks noGrp="1"/>
+          </p:cNvSpPr>
+          <p:nvPr>
+            <p:ph idx="1"/>
+          </p:nvPr>
+        </p:nvSpPr>
+        <p:spPr>
+          <a:xfrm>
+            <a:off x="838200" y="1282044"/>
+            <a:ext cx="10515600" cy="4894919"/>
+          </a:xfrm>
+        </p:spPr>
+        <p:txBody>
+          <a:bodyPr>
+            <a:normAutofit/>
+          </a:bodyPr>
+          <a:lstStyle/>
+          <a:p>
+            <a:r>
+              <a:rPr lang="en-US" dirty="0">
+                <a:sym typeface="Wingdings" panose="05000000000000000000" pitchFamily="2" charset="2"/>
+              </a:rPr>
+              <a:t>There are few implementation for long term memory till this lecture date.</a:t>
+            </a:r>
+          </a:p>
+          <a:p>
+            <a:pPr marL="514350" indent="-514350">
+              <a:buFont typeface="+mj-lt"/>
+              <a:buAutoNum type="arabicPeriod"/>
+            </a:pPr>
+            <a:r>
+              <a:rPr lang="en-US" dirty="0"/>
+              <a:t>Either you can used AWS step function</a:t>
+            </a:r>
+          </a:p>
+          <a:p>
+            <a:pPr marL="514350" indent="-514350">
+              <a:buFont typeface="+mj-lt"/>
+              <a:buAutoNum type="arabicPeriod"/>
+            </a:pPr>
+            <a:r>
+              <a:rPr lang="en-US" dirty="0"/>
+              <a:t>Or you can used AWS long running container</a:t>
+            </a:r>
+          </a:p>
+          <a:p>
+            <a:pPr marL="514350" indent="-514350">
+              <a:buFont typeface="+mj-lt"/>
+              <a:buAutoNum type="arabicPeriod"/>
+            </a:pPr>
+            <a:r>
+              <a:rPr lang="en-US" dirty="0"/>
+              <a:t>Or you can used </a:t>
+            </a:r>
+            <a:r>
+              <a:rPr lang="en-US" dirty="0" err="1"/>
+              <a:t>LangGraph</a:t>
+            </a:r>
+            <a:r>
+              <a:rPr lang="en-US" dirty="0"/>
+              <a:t> </a:t>
+            </a:r>
+            <a:r>
+              <a:rPr lang="en-US" dirty="0">
+                <a:sym typeface="Wingdings" panose="05000000000000000000" pitchFamily="2" charset="2"/>
+              </a:rPr>
+              <a:t> for medium</a:t>
+            </a:r>
+            <a:endParaRPr lang="en-US" dirty="0"/>
+          </a:p>
+          <a:p>
+            <a:pPr marL="514350" indent="-514350">
+              <a:buFont typeface="+mj-lt"/>
+              <a:buAutoNum type="arabicPeriod"/>
+            </a:pPr>
+            <a:r>
+              <a:rPr lang="en-US" dirty="0"/>
+              <a:t>Or you can used Temporal services </a:t>
+            </a:r>
+            <a:r>
+              <a:rPr lang="en-US" dirty="0">
+                <a:sym typeface="Wingdings" panose="05000000000000000000" pitchFamily="2" charset="2"/>
+              </a:rPr>
+              <a:t> </a:t>
+            </a:r>
+            <a:r>
+              <a:rPr lang="en-US" dirty="0">
+                <a:sym typeface="Wingdings" panose="05000000000000000000" pitchFamily="2" charset="2"/>
+                <a:hlinkClick r:id="rId2"/>
+              </a:rPr>
+              <a:t>https://temporal.io</a:t>
+            </a:r>
+            <a:endParaRPr lang="en-US" dirty="0">
+              <a:sym typeface="Wingdings" panose="05000000000000000000" pitchFamily="2" charset="2"/>
+            </a:endParaRPr>
+          </a:p>
+          <a:p>
+            <a:pPr marL="0" indent="0">
+              <a:buNone/>
+            </a:pPr>
+            <a:endParaRPr lang="en-US" dirty="0"/>
+          </a:p>
+        </p:txBody>
+      </p:sp>
+    </p:spTree>
+    <p:extLst>
+      <p:ext uri="{BB962C8B-B14F-4D97-AF65-F5344CB8AC3E}">
+        <p14:creationId xmlns:p14="http://schemas.microsoft.com/office/powerpoint/2010/main" val="922408014"/>
       </p:ext>
     </p:extLst>
   </p:cSld>
@@ -9642,6 +15691,416 @@
     <p:extLst>
       <p:ext uri="{BB962C8B-B14F-4D97-AF65-F5344CB8AC3E}">
         <p14:creationId xmlns:p14="http://schemas.microsoft.com/office/powerpoint/2010/main" val="1544495098"/>
+      </p:ext>
+    </p:extLst>
+  </p:cSld>
+  <p:clrMapOvr>
+    <a:masterClrMapping/>
+  </p:clrMapOvr>
+</p:sld>
+</file>
+
+<file path=ppt/slides/slide60.xml><?xml version="1.0" encoding="utf-8"?>
+<p:sld xmlns:a="http://schemas.openxmlformats.org/drawingml/2006/main" xmlns:r="http://schemas.openxmlformats.org/officeDocument/2006/relationships" xmlns:p="http://schemas.openxmlformats.org/presentationml/2006/main">
+  <p:cSld>
+    <p:spTree>
+      <p:nvGrpSpPr>
+        <p:cNvPr id="1" name="">
+          <a:extLst>
+            <a:ext uri="{FF2B5EF4-FFF2-40B4-BE49-F238E27FC236}">
+              <a16:creationId xmlns:a16="http://schemas.microsoft.com/office/drawing/2014/main" id="{84FAA702-90A8-80E8-7B7A-0DFDF91FB725}"/>
+            </a:ext>
+          </a:extLst>
+        </p:cNvPr>
+        <p:cNvGrpSpPr/>
+        <p:nvPr/>
+      </p:nvGrpSpPr>
+      <p:grpSpPr>
+        <a:xfrm>
+          <a:off x="0" y="0"/>
+          <a:ext cx="0" cy="0"/>
+          <a:chOff x="0" y="0"/>
+          <a:chExt cx="0" cy="0"/>
+        </a:xfrm>
+      </p:grpSpPr>
+      <p:sp>
+        <p:nvSpPr>
+          <p:cNvPr id="2" name="Title 1">
+            <a:extLst>
+              <a:ext uri="{FF2B5EF4-FFF2-40B4-BE49-F238E27FC236}">
+                <a16:creationId xmlns:a16="http://schemas.microsoft.com/office/drawing/2014/main" id="{F729DA4A-05D6-455E-53E1-E83286440565}"/>
+              </a:ext>
+            </a:extLst>
+          </p:cNvPr>
+          <p:cNvSpPr>
+            <a:spLocks noGrp="1"/>
+          </p:cNvSpPr>
+          <p:nvPr>
+            <p:ph type="title"/>
+          </p:nvPr>
+        </p:nvSpPr>
+        <p:spPr>
+          <a:xfrm>
+            <a:off x="838200" y="365125"/>
+            <a:ext cx="10515600" cy="916919"/>
+          </a:xfrm>
+        </p:spPr>
+        <p:txBody>
+          <a:bodyPr>
+            <a:noAutofit/>
+          </a:bodyPr>
+          <a:lstStyle/>
+          <a:p>
+            <a:r>
+              <a:rPr lang="en-US" sz="3600" b="1" dirty="0"/>
+              <a:t>Guardrails</a:t>
+            </a:r>
+          </a:p>
+        </p:txBody>
+      </p:sp>
+      <p:sp>
+        <p:nvSpPr>
+          <p:cNvPr id="5" name="Content Placeholder 4">
+            <a:extLst>
+              <a:ext uri="{FF2B5EF4-FFF2-40B4-BE49-F238E27FC236}">
+                <a16:creationId xmlns:a16="http://schemas.microsoft.com/office/drawing/2014/main" id="{7248A2D7-2AC8-3429-DAA3-D4EC7B802681}"/>
+              </a:ext>
+            </a:extLst>
+          </p:cNvPr>
+          <p:cNvSpPr>
+            <a:spLocks noGrp="1"/>
+          </p:cNvSpPr>
+          <p:nvPr>
+            <p:ph idx="1"/>
+          </p:nvPr>
+        </p:nvSpPr>
+        <p:spPr>
+          <a:xfrm>
+            <a:off x="838200" y="1282044"/>
+            <a:ext cx="10515600" cy="4894919"/>
+          </a:xfrm>
+        </p:spPr>
+        <p:txBody>
+          <a:bodyPr>
+            <a:normAutofit/>
+          </a:bodyPr>
+          <a:lstStyle/>
+          <a:p>
+            <a:r>
+              <a:rPr lang="en-US" dirty="0"/>
+              <a:t>Guardrails are rules, filters, or controls that help keep AI agents safe, reliable, and on-topic during generation or decision-making.</a:t>
+            </a:r>
+          </a:p>
+          <a:p>
+            <a:r>
+              <a:rPr lang="en-US" dirty="0"/>
+              <a:t>They limit or guide what the AI can say or do, especially to:</a:t>
+            </a:r>
+          </a:p>
+          <a:p>
+            <a:pPr lvl="1"/>
+            <a:r>
+              <a:rPr lang="en-US" dirty="0"/>
+              <a:t>Prevent harmful outputs</a:t>
+            </a:r>
+          </a:p>
+          <a:p>
+            <a:pPr lvl="1"/>
+            <a:r>
+              <a:rPr lang="en-US" dirty="0"/>
+              <a:t>Enforce task boundaries</a:t>
+            </a:r>
+          </a:p>
+          <a:p>
+            <a:pPr lvl="1"/>
+            <a:r>
+              <a:rPr lang="en-US" dirty="0"/>
+              <a:t>Stay within brand or domain rules</a:t>
+            </a:r>
+          </a:p>
+          <a:p>
+            <a:pPr lvl="1"/>
+            <a:r>
+              <a:rPr lang="en-US" dirty="0"/>
+              <a:t>Improve trust and accuracy</a:t>
+            </a:r>
+          </a:p>
+          <a:p>
+            <a:r>
+              <a:rPr lang="en-US" dirty="0"/>
+              <a:t>Guardrails also talk with LLM.</a:t>
+            </a:r>
+          </a:p>
+          <a:p>
+            <a:endParaRPr lang="en-US" dirty="0"/>
+          </a:p>
+        </p:txBody>
+      </p:sp>
+    </p:spTree>
+    <p:extLst>
+      <p:ext uri="{BB962C8B-B14F-4D97-AF65-F5344CB8AC3E}">
+        <p14:creationId xmlns:p14="http://schemas.microsoft.com/office/powerpoint/2010/main" val="3429197298"/>
+      </p:ext>
+    </p:extLst>
+  </p:cSld>
+  <p:clrMapOvr>
+    <a:masterClrMapping/>
+  </p:clrMapOvr>
+</p:sld>
+</file>
+
+<file path=ppt/slides/slide61.xml><?xml version="1.0" encoding="utf-8"?>
+<p:sld xmlns:a="http://schemas.openxmlformats.org/drawingml/2006/main" xmlns:r="http://schemas.openxmlformats.org/officeDocument/2006/relationships" xmlns:p="http://schemas.openxmlformats.org/presentationml/2006/main">
+  <p:cSld>
+    <p:spTree>
+      <p:nvGrpSpPr>
+        <p:cNvPr id="1" name="">
+          <a:extLst>
+            <a:ext uri="{FF2B5EF4-FFF2-40B4-BE49-F238E27FC236}">
+              <a16:creationId xmlns:a16="http://schemas.microsoft.com/office/drawing/2014/main" id="{F1D18B4A-9069-31BF-F263-AF820E0376F3}"/>
+            </a:ext>
+          </a:extLst>
+        </p:cNvPr>
+        <p:cNvGrpSpPr/>
+        <p:nvPr/>
+      </p:nvGrpSpPr>
+      <p:grpSpPr>
+        <a:xfrm>
+          <a:off x="0" y="0"/>
+          <a:ext cx="0" cy="0"/>
+          <a:chOff x="0" y="0"/>
+          <a:chExt cx="0" cy="0"/>
+        </a:xfrm>
+      </p:grpSpPr>
+      <p:sp>
+        <p:nvSpPr>
+          <p:cNvPr id="2" name="Title 1">
+            <a:extLst>
+              <a:ext uri="{FF2B5EF4-FFF2-40B4-BE49-F238E27FC236}">
+                <a16:creationId xmlns:a16="http://schemas.microsoft.com/office/drawing/2014/main" id="{3D341742-1379-BF60-4F3C-3F69FF878C87}"/>
+              </a:ext>
+            </a:extLst>
+          </p:cNvPr>
+          <p:cNvSpPr>
+            <a:spLocks noGrp="1"/>
+          </p:cNvSpPr>
+          <p:nvPr>
+            <p:ph type="title"/>
+          </p:nvPr>
+        </p:nvSpPr>
+        <p:spPr>
+          <a:xfrm>
+            <a:off x="838200" y="365125"/>
+            <a:ext cx="10515600" cy="916919"/>
+          </a:xfrm>
+        </p:spPr>
+        <p:txBody>
+          <a:bodyPr>
+            <a:noAutofit/>
+          </a:bodyPr>
+          <a:lstStyle/>
+          <a:p>
+            <a:r>
+              <a:rPr lang="en-US" sz="3600" b="1" dirty="0"/>
+              <a:t>Guardrails</a:t>
+            </a:r>
+          </a:p>
+        </p:txBody>
+      </p:sp>
+      <p:sp>
+        <p:nvSpPr>
+          <p:cNvPr id="5" name="Content Placeholder 4">
+            <a:extLst>
+              <a:ext uri="{FF2B5EF4-FFF2-40B4-BE49-F238E27FC236}">
+                <a16:creationId xmlns:a16="http://schemas.microsoft.com/office/drawing/2014/main" id="{420A5185-1C3A-45CD-78D2-A1EFF646DAB6}"/>
+              </a:ext>
+            </a:extLst>
+          </p:cNvPr>
+          <p:cNvSpPr>
+            <a:spLocks noGrp="1"/>
+          </p:cNvSpPr>
+          <p:nvPr>
+            <p:ph idx="1"/>
+          </p:nvPr>
+        </p:nvSpPr>
+        <p:spPr>
+          <a:xfrm>
+            <a:off x="838200" y="1282044"/>
+            <a:ext cx="10515600" cy="4894919"/>
+          </a:xfrm>
+        </p:spPr>
+        <p:txBody>
+          <a:bodyPr>
+            <a:normAutofit/>
+          </a:bodyPr>
+          <a:lstStyle/>
+          <a:p>
+            <a:pPr marL="0" indent="0">
+              <a:buNone/>
+            </a:pPr>
+            <a:r>
+              <a:rPr lang="en-US" dirty="0"/>
+              <a:t> </a:t>
+            </a:r>
+          </a:p>
+        </p:txBody>
+      </p:sp>
+      <p:pic>
+        <p:nvPicPr>
+          <p:cNvPr id="30" name="Picture 29">
+            <a:extLst>
+              <a:ext uri="{FF2B5EF4-FFF2-40B4-BE49-F238E27FC236}">
+                <a16:creationId xmlns:a16="http://schemas.microsoft.com/office/drawing/2014/main" id="{161CF495-67F7-17B2-4821-0856BFD3B559}"/>
+              </a:ext>
+            </a:extLst>
+          </p:cNvPr>
+          <p:cNvPicPr>
+            <a:picLocks noChangeAspect="1"/>
+          </p:cNvPicPr>
+          <p:nvPr/>
+        </p:nvPicPr>
+        <p:blipFill>
+          <a:blip r:embed="rId2"/>
+          <a:stretch>
+            <a:fillRect/>
+          </a:stretch>
+        </p:blipFill>
+        <p:spPr>
+          <a:xfrm>
+            <a:off x="2545586" y="1189404"/>
+            <a:ext cx="7100827" cy="5080200"/>
+          </a:xfrm>
+          <a:prstGeom prst="rect">
+            <a:avLst/>
+          </a:prstGeom>
+        </p:spPr>
+      </p:pic>
+    </p:spTree>
+    <p:extLst>
+      <p:ext uri="{BB962C8B-B14F-4D97-AF65-F5344CB8AC3E}">
+        <p14:creationId xmlns:p14="http://schemas.microsoft.com/office/powerpoint/2010/main" val="169141601"/>
+      </p:ext>
+    </p:extLst>
+  </p:cSld>
+  <p:clrMapOvr>
+    <a:masterClrMapping/>
+  </p:clrMapOvr>
+</p:sld>
+</file>
+
+<file path=ppt/slides/slide62.xml><?xml version="1.0" encoding="utf-8"?>
+<p:sld xmlns:a="http://schemas.openxmlformats.org/drawingml/2006/main" xmlns:r="http://schemas.openxmlformats.org/officeDocument/2006/relationships" xmlns:p="http://schemas.openxmlformats.org/presentationml/2006/main">
+  <p:cSld>
+    <p:spTree>
+      <p:nvGrpSpPr>
+        <p:cNvPr id="1" name="">
+          <a:extLst>
+            <a:ext uri="{FF2B5EF4-FFF2-40B4-BE49-F238E27FC236}">
+              <a16:creationId xmlns:a16="http://schemas.microsoft.com/office/drawing/2014/main" id="{FD26F5CF-1374-9044-6C69-DBCCCBDA7E10}"/>
+            </a:ext>
+          </a:extLst>
+        </p:cNvPr>
+        <p:cNvGrpSpPr/>
+        <p:nvPr/>
+      </p:nvGrpSpPr>
+      <p:grpSpPr>
+        <a:xfrm>
+          <a:off x="0" y="0"/>
+          <a:ext cx="0" cy="0"/>
+          <a:chOff x="0" y="0"/>
+          <a:chExt cx="0" cy="0"/>
+        </a:xfrm>
+      </p:grpSpPr>
+      <p:sp>
+        <p:nvSpPr>
+          <p:cNvPr id="2" name="Title 1">
+            <a:extLst>
+              <a:ext uri="{FF2B5EF4-FFF2-40B4-BE49-F238E27FC236}">
+                <a16:creationId xmlns:a16="http://schemas.microsoft.com/office/drawing/2014/main" id="{F5ADD22A-7945-6D1B-E4A7-A45C469EAAFE}"/>
+              </a:ext>
+            </a:extLst>
+          </p:cNvPr>
+          <p:cNvSpPr>
+            <a:spLocks noGrp="1"/>
+          </p:cNvSpPr>
+          <p:nvPr>
+            <p:ph type="title"/>
+          </p:nvPr>
+        </p:nvSpPr>
+        <p:spPr>
+          <a:xfrm>
+            <a:off x="838200" y="365125"/>
+            <a:ext cx="10515600" cy="916919"/>
+          </a:xfrm>
+        </p:spPr>
+        <p:txBody>
+          <a:bodyPr>
+            <a:noAutofit/>
+          </a:bodyPr>
+          <a:lstStyle/>
+          <a:p>
+            <a:r>
+              <a:rPr lang="en-US" sz="3600" b="1"/>
+              <a:t>OpenAI SDK</a:t>
+            </a:r>
+            <a:endParaRPr lang="en-US" sz="3600" b="1" dirty="0"/>
+          </a:p>
+        </p:txBody>
+      </p:sp>
+      <p:sp>
+        <p:nvSpPr>
+          <p:cNvPr id="5" name="Content Placeholder 4">
+            <a:extLst>
+              <a:ext uri="{FF2B5EF4-FFF2-40B4-BE49-F238E27FC236}">
+                <a16:creationId xmlns:a16="http://schemas.microsoft.com/office/drawing/2014/main" id="{22F4DC55-19F5-89EA-FE2E-6F7FAA966CD7}"/>
+              </a:ext>
+            </a:extLst>
+          </p:cNvPr>
+          <p:cNvSpPr>
+            <a:spLocks noGrp="1"/>
+          </p:cNvSpPr>
+          <p:nvPr>
+            <p:ph idx="1"/>
+          </p:nvPr>
+        </p:nvSpPr>
+        <p:spPr>
+          <a:xfrm>
+            <a:off x="838200" y="1282044"/>
+            <a:ext cx="10515600" cy="4894919"/>
+          </a:xfrm>
+        </p:spPr>
+        <p:txBody>
+          <a:bodyPr>
+            <a:normAutofit/>
+          </a:bodyPr>
+          <a:lstStyle/>
+          <a:p>
+            <a:pPr marL="0" indent="0">
+              <a:buNone/>
+            </a:pPr>
+            <a:r>
+              <a:rPr lang="en-US" dirty="0"/>
+              <a:t>OpenAI SDK provides everything except:</a:t>
+            </a:r>
+          </a:p>
+          <a:p>
+            <a:r>
+              <a:rPr lang="en-US" dirty="0"/>
+              <a:t>Memory layer</a:t>
+            </a:r>
+          </a:p>
+          <a:p>
+            <a:r>
+              <a:rPr lang="en-US" dirty="0"/>
+              <a:t>And little to no possibly to define long running workflows, it will be implemented by yourself using different external libraries.</a:t>
+            </a:r>
+          </a:p>
+        </p:txBody>
+      </p:sp>
+    </p:spTree>
+    <p:extLst>
+      <p:ext uri="{BB962C8B-B14F-4D97-AF65-F5344CB8AC3E}">
+        <p14:creationId xmlns:p14="http://schemas.microsoft.com/office/powerpoint/2010/main" val="2184127584"/>
       </p:ext>
     </p:extLst>
   </p:cSld>
